--- a/ginny class.pptx
+++ b/ginny class.pptx
@@ -5,56 +5,58 @@
     <p:sldMasterId id="2147483782" r:id="rId1"/>
   </p:sldMasterIdLst>
   <p:notesMasterIdLst>
-    <p:notesMasterId r:id="rId46"/>
+    <p:notesMasterId r:id="rId48"/>
   </p:notesMasterIdLst>
   <p:handoutMasterIdLst>
-    <p:handoutMasterId r:id="rId47"/>
+    <p:handoutMasterId r:id="rId49"/>
   </p:handoutMasterIdLst>
   <p:sldIdLst>
     <p:sldId id="256" r:id="rId2"/>
     <p:sldId id="314" r:id="rId3"/>
-    <p:sldId id="311" r:id="rId4"/>
-    <p:sldId id="312" r:id="rId5"/>
-    <p:sldId id="313" r:id="rId6"/>
-    <p:sldId id="257" r:id="rId7"/>
-    <p:sldId id="265" r:id="rId8"/>
-    <p:sldId id="262" r:id="rId9"/>
-    <p:sldId id="263" r:id="rId10"/>
-    <p:sldId id="264" r:id="rId11"/>
-    <p:sldId id="268" r:id="rId12"/>
-    <p:sldId id="317" r:id="rId13"/>
-    <p:sldId id="316" r:id="rId14"/>
-    <p:sldId id="274" r:id="rId15"/>
-    <p:sldId id="318" r:id="rId16"/>
-    <p:sldId id="278" r:id="rId17"/>
-    <p:sldId id="323" r:id="rId18"/>
-    <p:sldId id="322" r:id="rId19"/>
-    <p:sldId id="324" r:id="rId20"/>
-    <p:sldId id="325" r:id="rId21"/>
-    <p:sldId id="326" r:id="rId22"/>
-    <p:sldId id="267" r:id="rId23"/>
-    <p:sldId id="319" r:id="rId24"/>
-    <p:sldId id="320" r:id="rId25"/>
-    <p:sldId id="321" r:id="rId26"/>
-    <p:sldId id="273" r:id="rId27"/>
-    <p:sldId id="276" r:id="rId28"/>
-    <p:sldId id="277" r:id="rId29"/>
-    <p:sldId id="279" r:id="rId30"/>
-    <p:sldId id="282" r:id="rId31"/>
-    <p:sldId id="295" r:id="rId32"/>
-    <p:sldId id="296" r:id="rId33"/>
-    <p:sldId id="297" r:id="rId34"/>
-    <p:sldId id="298" r:id="rId35"/>
-    <p:sldId id="299" r:id="rId36"/>
-    <p:sldId id="300" r:id="rId37"/>
-    <p:sldId id="301" r:id="rId38"/>
-    <p:sldId id="302" r:id="rId39"/>
-    <p:sldId id="303" r:id="rId40"/>
-    <p:sldId id="304" r:id="rId41"/>
-    <p:sldId id="305" r:id="rId42"/>
-    <p:sldId id="307" r:id="rId43"/>
-    <p:sldId id="308" r:id="rId44"/>
-    <p:sldId id="309" r:id="rId45"/>
+    <p:sldId id="327" r:id="rId4"/>
+    <p:sldId id="311" r:id="rId5"/>
+    <p:sldId id="312" r:id="rId6"/>
+    <p:sldId id="328" r:id="rId7"/>
+    <p:sldId id="313" r:id="rId8"/>
+    <p:sldId id="257" r:id="rId9"/>
+    <p:sldId id="265" r:id="rId10"/>
+    <p:sldId id="262" r:id="rId11"/>
+    <p:sldId id="263" r:id="rId12"/>
+    <p:sldId id="264" r:id="rId13"/>
+    <p:sldId id="268" r:id="rId14"/>
+    <p:sldId id="317" r:id="rId15"/>
+    <p:sldId id="316" r:id="rId16"/>
+    <p:sldId id="274" r:id="rId17"/>
+    <p:sldId id="318" r:id="rId18"/>
+    <p:sldId id="278" r:id="rId19"/>
+    <p:sldId id="323" r:id="rId20"/>
+    <p:sldId id="322" r:id="rId21"/>
+    <p:sldId id="324" r:id="rId22"/>
+    <p:sldId id="325" r:id="rId23"/>
+    <p:sldId id="326" r:id="rId24"/>
+    <p:sldId id="267" r:id="rId25"/>
+    <p:sldId id="319" r:id="rId26"/>
+    <p:sldId id="320" r:id="rId27"/>
+    <p:sldId id="321" r:id="rId28"/>
+    <p:sldId id="273" r:id="rId29"/>
+    <p:sldId id="276" r:id="rId30"/>
+    <p:sldId id="277" r:id="rId31"/>
+    <p:sldId id="279" r:id="rId32"/>
+    <p:sldId id="282" r:id="rId33"/>
+    <p:sldId id="295" r:id="rId34"/>
+    <p:sldId id="296" r:id="rId35"/>
+    <p:sldId id="297" r:id="rId36"/>
+    <p:sldId id="298" r:id="rId37"/>
+    <p:sldId id="299" r:id="rId38"/>
+    <p:sldId id="300" r:id="rId39"/>
+    <p:sldId id="301" r:id="rId40"/>
+    <p:sldId id="302" r:id="rId41"/>
+    <p:sldId id="303" r:id="rId42"/>
+    <p:sldId id="304" r:id="rId43"/>
+    <p:sldId id="305" r:id="rId44"/>
+    <p:sldId id="307" r:id="rId45"/>
+    <p:sldId id="308" r:id="rId46"/>
+    <p:sldId id="309" r:id="rId47"/>
   </p:sldIdLst>
   <p:sldSz cx="12192000" cy="6858000"/>
   <p:notesSz cx="7010400" cy="9296400"/>
@@ -204,15 +206,9 @@
 
 <file path=ppt/commentAuthors.xml><?xml version="1.0" encoding="utf-8"?>
 <p:cmAuthorLst xmlns:a="http://schemas.openxmlformats.org/drawingml/2006/main" xmlns:r="http://schemas.openxmlformats.org/officeDocument/2006/relationships" xmlns:p="http://schemas.openxmlformats.org/presentationml/2006/main">
-  <p:cmAuthor id="1" name="Weinberger, Daniel" initials="WD" lastIdx="3" clrIdx="0">
-    <p:extLst/>
-  </p:cmAuthor>
+  <p:cmAuthor id="1" name="Weinberger, Daniel" initials="WD" lastIdx="3" clrIdx="0"/>
   <p:cmAuthor id="2" name="Dan Weinberger" initials="" lastIdx="3" clrIdx="1"/>
 </p:cmAuthorLst>
-</file>
-
-<file path=ppt/revisionInfo.xml><?xml version="1.0" encoding="utf-8"?>
-<p1510:revInfo xmlns:a="http://schemas.openxmlformats.org/drawingml/2006/main" xmlns:r="http://schemas.openxmlformats.org/officeDocument/2006/relationships" xmlns:p1510="http://schemas.microsoft.com/office/powerpoint/2015/10/main"/>
 </file>
 
 <file path=ppt/handoutMasters/handoutMaster1.xml><?xml version="1.0" encoding="utf-8"?>
@@ -529,7 +525,7 @@
               <a:pPr>
                 <a:defRPr/>
               </a:pPr>
-              <a:t>11/27/2018</a:t>
+              <a:t>11/22/2022</a:t>
             </a:fld>
             <a:endParaRPr lang="en-US"/>
           </a:p>
@@ -912,7 +908,7 @@
               <a:pPr>
                 <a:defRPr/>
               </a:pPr>
-              <a:t>15</a:t>
+              <a:t>17</a:t>
             </a:fld>
             <a:endParaRPr lang="en-US"/>
           </a:p>
@@ -1005,7 +1001,7 @@
               <a:pPr>
                 <a:defRPr/>
               </a:pPr>
-              <a:t>17</a:t>
+              <a:t>19</a:t>
             </a:fld>
             <a:endParaRPr lang="en-US"/>
           </a:p>
@@ -1073,7 +1069,7 @@
             <a:fld id="{E40610DE-3412-474D-95D8-4960EF02DE43}" type="slidenum">
               <a:rPr lang="en-US" sz="1300"/>
               <a:pPr algn="r" defTabSz="881063"/>
-              <a:t>19</a:t>
+              <a:t>21</a:t>
             </a:fld>
             <a:endParaRPr lang="en-US" sz="1300"/>
           </a:p>
@@ -1197,7 +1193,7 @@
             <a:fld id="{CD242C35-EA14-4D99-B48D-19445E084FC6}" type="slidenum">
               <a:rPr lang="en-US" sz="1300"/>
               <a:pPr algn="r" defTabSz="881063"/>
-              <a:t>20</a:t>
+              <a:t>22</a:t>
             </a:fld>
             <a:endParaRPr lang="en-US" sz="1300"/>
           </a:p>
@@ -6357,6 +6353,1457 @@
       </p:grpSpPr>
       <p:sp>
         <p:nvSpPr>
+          <p:cNvPr id="4" name="Title 3"/>
+          <p:cNvSpPr>
+            <a:spLocks noGrp="1"/>
+          </p:cNvSpPr>
+          <p:nvPr>
+            <p:ph type="title"/>
+          </p:nvPr>
+        </p:nvSpPr>
+        <p:spPr>
+          <a:xfrm>
+            <a:off x="1901190" y="445533"/>
+            <a:ext cx="8229600" cy="1143000"/>
+          </a:xfrm>
+        </p:spPr>
+        <p:txBody>
+          <a:bodyPr/>
+          <a:lstStyle/>
+          <a:p>
+            <a:r>
+              <a:rPr lang="en-US" dirty="0"/>
+              <a:t>Describing a periodic signal</a:t>
+            </a:r>
+          </a:p>
+        </p:txBody>
+      </p:sp>
+      <p:sp>
+        <p:nvSpPr>
+          <p:cNvPr id="6" name="Freeform 5"/>
+          <p:cNvSpPr/>
+          <p:nvPr/>
+        </p:nvSpPr>
+        <p:spPr>
+          <a:xfrm>
+            <a:off x="2613660" y="1676401"/>
+            <a:ext cx="5935980" cy="2042169"/>
+          </a:xfrm>
+          <a:custGeom>
+            <a:avLst/>
+            <a:gdLst>
+              <a:gd name="connsiteX0" fmla="*/ 0 w 5935980"/>
+              <a:gd name="connsiteY0" fmla="*/ 2042169 h 2042169"/>
+              <a:gd name="connsiteX1" fmla="*/ 845820 w 5935980"/>
+              <a:gd name="connsiteY1" fmla="*/ 9 h 2042169"/>
+              <a:gd name="connsiteX2" fmla="*/ 1889760 w 5935980"/>
+              <a:gd name="connsiteY2" fmla="*/ 2011689 h 2042169"/>
+              <a:gd name="connsiteX3" fmla="*/ 3048000 w 5935980"/>
+              <a:gd name="connsiteY3" fmla="*/ 22869 h 2042169"/>
+              <a:gd name="connsiteX4" fmla="*/ 4030980 w 5935980"/>
+              <a:gd name="connsiteY4" fmla="*/ 1920249 h 2042169"/>
+              <a:gd name="connsiteX5" fmla="*/ 5097780 w 5935980"/>
+              <a:gd name="connsiteY5" fmla="*/ 114309 h 2042169"/>
+              <a:gd name="connsiteX6" fmla="*/ 5935980 w 5935980"/>
+              <a:gd name="connsiteY6" fmla="*/ 1927869 h 2042169"/>
+            </a:gdLst>
+            <a:ahLst/>
+            <a:cxnLst>
+              <a:cxn ang="0">
+                <a:pos x="connsiteX0" y="connsiteY0"/>
+              </a:cxn>
+              <a:cxn ang="0">
+                <a:pos x="connsiteX1" y="connsiteY1"/>
+              </a:cxn>
+              <a:cxn ang="0">
+                <a:pos x="connsiteX2" y="connsiteY2"/>
+              </a:cxn>
+              <a:cxn ang="0">
+                <a:pos x="connsiteX3" y="connsiteY3"/>
+              </a:cxn>
+              <a:cxn ang="0">
+                <a:pos x="connsiteX4" y="connsiteY4"/>
+              </a:cxn>
+              <a:cxn ang="0">
+                <a:pos x="connsiteX5" y="connsiteY5"/>
+              </a:cxn>
+              <a:cxn ang="0">
+                <a:pos x="connsiteX6" y="connsiteY6"/>
+              </a:cxn>
+            </a:cxnLst>
+            <a:rect l="l" t="t" r="r" b="b"/>
+            <a:pathLst>
+              <a:path w="5935980" h="2042169">
+                <a:moveTo>
+                  <a:pt x="0" y="2042169"/>
+                </a:moveTo>
+                <a:cubicBezTo>
+                  <a:pt x="265430" y="1023629"/>
+                  <a:pt x="530860" y="5089"/>
+                  <a:pt x="845820" y="9"/>
+                </a:cubicBezTo>
+                <a:cubicBezTo>
+                  <a:pt x="1160780" y="-5071"/>
+                  <a:pt x="1522730" y="2007879"/>
+                  <a:pt x="1889760" y="2011689"/>
+                </a:cubicBezTo>
+                <a:cubicBezTo>
+                  <a:pt x="2256790" y="2015499"/>
+                  <a:pt x="2691130" y="38109"/>
+                  <a:pt x="3048000" y="22869"/>
+                </a:cubicBezTo>
+                <a:cubicBezTo>
+                  <a:pt x="3404870" y="7629"/>
+                  <a:pt x="3689350" y="1905009"/>
+                  <a:pt x="4030980" y="1920249"/>
+                </a:cubicBezTo>
+                <a:cubicBezTo>
+                  <a:pt x="4372610" y="1935489"/>
+                  <a:pt x="4780280" y="113039"/>
+                  <a:pt x="5097780" y="114309"/>
+                </a:cubicBezTo>
+                <a:cubicBezTo>
+                  <a:pt x="5415280" y="115579"/>
+                  <a:pt x="5675630" y="1021724"/>
+                  <a:pt x="5935980" y="1927869"/>
+                </a:cubicBezTo>
+              </a:path>
+            </a:pathLst>
+          </a:custGeom>
+          <a:noFill/>
+        </p:spPr>
+        <p:style>
+          <a:lnRef idx="2">
+            <a:schemeClr val="accent1">
+              <a:shade val="50000"/>
+            </a:schemeClr>
+          </a:lnRef>
+          <a:fillRef idx="1">
+            <a:schemeClr val="accent1"/>
+          </a:fillRef>
+          <a:effectRef idx="0">
+            <a:schemeClr val="accent1"/>
+          </a:effectRef>
+          <a:fontRef idx="minor">
+            <a:schemeClr val="lt1"/>
+          </a:fontRef>
+        </p:style>
+        <p:txBody>
+          <a:bodyPr rtlCol="0" anchor="ctr"/>
+          <a:lstStyle/>
+          <a:p>
+            <a:pPr algn="ctr"/>
+            <a:endParaRPr lang="en-US"/>
+          </a:p>
+        </p:txBody>
+      </p:sp>
+      <p:sp>
+        <p:nvSpPr>
+          <p:cNvPr id="7" name="Freeform 6"/>
+          <p:cNvSpPr/>
+          <p:nvPr/>
+        </p:nvSpPr>
+        <p:spPr>
+          <a:xfrm>
+            <a:off x="2819400" y="4419601"/>
+            <a:ext cx="5935980" cy="2042169"/>
+          </a:xfrm>
+          <a:custGeom>
+            <a:avLst/>
+            <a:gdLst>
+              <a:gd name="connsiteX0" fmla="*/ 0 w 5935980"/>
+              <a:gd name="connsiteY0" fmla="*/ 2042169 h 2042169"/>
+              <a:gd name="connsiteX1" fmla="*/ 845820 w 5935980"/>
+              <a:gd name="connsiteY1" fmla="*/ 9 h 2042169"/>
+              <a:gd name="connsiteX2" fmla="*/ 1889760 w 5935980"/>
+              <a:gd name="connsiteY2" fmla="*/ 2011689 h 2042169"/>
+              <a:gd name="connsiteX3" fmla="*/ 3048000 w 5935980"/>
+              <a:gd name="connsiteY3" fmla="*/ 22869 h 2042169"/>
+              <a:gd name="connsiteX4" fmla="*/ 4030980 w 5935980"/>
+              <a:gd name="connsiteY4" fmla="*/ 1920249 h 2042169"/>
+              <a:gd name="connsiteX5" fmla="*/ 5097780 w 5935980"/>
+              <a:gd name="connsiteY5" fmla="*/ 114309 h 2042169"/>
+              <a:gd name="connsiteX6" fmla="*/ 5935980 w 5935980"/>
+              <a:gd name="connsiteY6" fmla="*/ 1927869 h 2042169"/>
+            </a:gdLst>
+            <a:ahLst/>
+            <a:cxnLst>
+              <a:cxn ang="0">
+                <a:pos x="connsiteX0" y="connsiteY0"/>
+              </a:cxn>
+              <a:cxn ang="0">
+                <a:pos x="connsiteX1" y="connsiteY1"/>
+              </a:cxn>
+              <a:cxn ang="0">
+                <a:pos x="connsiteX2" y="connsiteY2"/>
+              </a:cxn>
+              <a:cxn ang="0">
+                <a:pos x="connsiteX3" y="connsiteY3"/>
+              </a:cxn>
+              <a:cxn ang="0">
+                <a:pos x="connsiteX4" y="connsiteY4"/>
+              </a:cxn>
+              <a:cxn ang="0">
+                <a:pos x="connsiteX5" y="connsiteY5"/>
+              </a:cxn>
+              <a:cxn ang="0">
+                <a:pos x="connsiteX6" y="connsiteY6"/>
+              </a:cxn>
+            </a:cxnLst>
+            <a:rect l="l" t="t" r="r" b="b"/>
+            <a:pathLst>
+              <a:path w="5935980" h="2042169">
+                <a:moveTo>
+                  <a:pt x="0" y="2042169"/>
+                </a:moveTo>
+                <a:cubicBezTo>
+                  <a:pt x="265430" y="1023629"/>
+                  <a:pt x="530860" y="5089"/>
+                  <a:pt x="845820" y="9"/>
+                </a:cubicBezTo>
+                <a:cubicBezTo>
+                  <a:pt x="1160780" y="-5071"/>
+                  <a:pt x="1522730" y="2007879"/>
+                  <a:pt x="1889760" y="2011689"/>
+                </a:cubicBezTo>
+                <a:cubicBezTo>
+                  <a:pt x="2256790" y="2015499"/>
+                  <a:pt x="2691130" y="38109"/>
+                  <a:pt x="3048000" y="22869"/>
+                </a:cubicBezTo>
+                <a:cubicBezTo>
+                  <a:pt x="3404870" y="7629"/>
+                  <a:pt x="3689350" y="1905009"/>
+                  <a:pt x="4030980" y="1920249"/>
+                </a:cubicBezTo>
+                <a:cubicBezTo>
+                  <a:pt x="4372610" y="1935489"/>
+                  <a:pt x="4780280" y="113039"/>
+                  <a:pt x="5097780" y="114309"/>
+                </a:cubicBezTo>
+                <a:cubicBezTo>
+                  <a:pt x="5415280" y="115579"/>
+                  <a:pt x="5675630" y="1021724"/>
+                  <a:pt x="5935980" y="1927869"/>
+                </a:cubicBezTo>
+              </a:path>
+            </a:pathLst>
+          </a:custGeom>
+          <a:noFill/>
+        </p:spPr>
+        <p:style>
+          <a:lnRef idx="2">
+            <a:schemeClr val="accent1">
+              <a:shade val="50000"/>
+            </a:schemeClr>
+          </a:lnRef>
+          <a:fillRef idx="1">
+            <a:schemeClr val="accent1"/>
+          </a:fillRef>
+          <a:effectRef idx="0">
+            <a:schemeClr val="accent1"/>
+          </a:effectRef>
+          <a:fontRef idx="minor">
+            <a:schemeClr val="lt1"/>
+          </a:fontRef>
+        </p:style>
+        <p:txBody>
+          <a:bodyPr rtlCol="0" anchor="ctr"/>
+          <a:lstStyle/>
+          <a:p>
+            <a:pPr algn="ctr"/>
+            <a:endParaRPr lang="en-US"/>
+          </a:p>
+        </p:txBody>
+      </p:sp>
+      <p:sp>
+        <p:nvSpPr>
+          <p:cNvPr id="8" name="Freeform 7"/>
+          <p:cNvSpPr/>
+          <p:nvPr/>
+        </p:nvSpPr>
+        <p:spPr>
+          <a:xfrm>
+            <a:off x="3048000" y="4419601"/>
+            <a:ext cx="5935980" cy="2042169"/>
+          </a:xfrm>
+          <a:custGeom>
+            <a:avLst/>
+            <a:gdLst>
+              <a:gd name="connsiteX0" fmla="*/ 0 w 5935980"/>
+              <a:gd name="connsiteY0" fmla="*/ 2042169 h 2042169"/>
+              <a:gd name="connsiteX1" fmla="*/ 845820 w 5935980"/>
+              <a:gd name="connsiteY1" fmla="*/ 9 h 2042169"/>
+              <a:gd name="connsiteX2" fmla="*/ 1889760 w 5935980"/>
+              <a:gd name="connsiteY2" fmla="*/ 2011689 h 2042169"/>
+              <a:gd name="connsiteX3" fmla="*/ 3048000 w 5935980"/>
+              <a:gd name="connsiteY3" fmla="*/ 22869 h 2042169"/>
+              <a:gd name="connsiteX4" fmla="*/ 4030980 w 5935980"/>
+              <a:gd name="connsiteY4" fmla="*/ 1920249 h 2042169"/>
+              <a:gd name="connsiteX5" fmla="*/ 5097780 w 5935980"/>
+              <a:gd name="connsiteY5" fmla="*/ 114309 h 2042169"/>
+              <a:gd name="connsiteX6" fmla="*/ 5935980 w 5935980"/>
+              <a:gd name="connsiteY6" fmla="*/ 1927869 h 2042169"/>
+            </a:gdLst>
+            <a:ahLst/>
+            <a:cxnLst>
+              <a:cxn ang="0">
+                <a:pos x="connsiteX0" y="connsiteY0"/>
+              </a:cxn>
+              <a:cxn ang="0">
+                <a:pos x="connsiteX1" y="connsiteY1"/>
+              </a:cxn>
+              <a:cxn ang="0">
+                <a:pos x="connsiteX2" y="connsiteY2"/>
+              </a:cxn>
+              <a:cxn ang="0">
+                <a:pos x="connsiteX3" y="connsiteY3"/>
+              </a:cxn>
+              <a:cxn ang="0">
+                <a:pos x="connsiteX4" y="connsiteY4"/>
+              </a:cxn>
+              <a:cxn ang="0">
+                <a:pos x="connsiteX5" y="connsiteY5"/>
+              </a:cxn>
+              <a:cxn ang="0">
+                <a:pos x="connsiteX6" y="connsiteY6"/>
+              </a:cxn>
+            </a:cxnLst>
+            <a:rect l="l" t="t" r="r" b="b"/>
+            <a:pathLst>
+              <a:path w="5935980" h="2042169">
+                <a:moveTo>
+                  <a:pt x="0" y="2042169"/>
+                </a:moveTo>
+                <a:cubicBezTo>
+                  <a:pt x="265430" y="1023629"/>
+                  <a:pt x="530860" y="5089"/>
+                  <a:pt x="845820" y="9"/>
+                </a:cubicBezTo>
+                <a:cubicBezTo>
+                  <a:pt x="1160780" y="-5071"/>
+                  <a:pt x="1522730" y="2007879"/>
+                  <a:pt x="1889760" y="2011689"/>
+                </a:cubicBezTo>
+                <a:cubicBezTo>
+                  <a:pt x="2256790" y="2015499"/>
+                  <a:pt x="2691130" y="38109"/>
+                  <a:pt x="3048000" y="22869"/>
+                </a:cubicBezTo>
+                <a:cubicBezTo>
+                  <a:pt x="3404870" y="7629"/>
+                  <a:pt x="3689350" y="1905009"/>
+                  <a:pt x="4030980" y="1920249"/>
+                </a:cubicBezTo>
+                <a:cubicBezTo>
+                  <a:pt x="4372610" y="1935489"/>
+                  <a:pt x="4780280" y="113039"/>
+                  <a:pt x="5097780" y="114309"/>
+                </a:cubicBezTo>
+                <a:cubicBezTo>
+                  <a:pt x="5415280" y="115579"/>
+                  <a:pt x="5675630" y="1021724"/>
+                  <a:pt x="5935980" y="1927869"/>
+                </a:cubicBezTo>
+              </a:path>
+            </a:pathLst>
+          </a:custGeom>
+          <a:noFill/>
+          <a:ln>
+            <a:solidFill>
+              <a:schemeClr val="accent2"/>
+            </a:solidFill>
+          </a:ln>
+        </p:spPr>
+        <p:style>
+          <a:lnRef idx="2">
+            <a:schemeClr val="accent1">
+              <a:shade val="50000"/>
+            </a:schemeClr>
+          </a:lnRef>
+          <a:fillRef idx="1">
+            <a:schemeClr val="accent1"/>
+          </a:fillRef>
+          <a:effectRef idx="0">
+            <a:schemeClr val="accent1"/>
+          </a:effectRef>
+          <a:fontRef idx="minor">
+            <a:schemeClr val="lt1"/>
+          </a:fontRef>
+        </p:style>
+        <p:txBody>
+          <a:bodyPr rtlCol="0" anchor="ctr"/>
+          <a:lstStyle/>
+          <a:p>
+            <a:pPr algn="ctr"/>
+            <a:endParaRPr lang="en-US"/>
+          </a:p>
+        </p:txBody>
+      </p:sp>
+      <p:cxnSp>
+        <p:nvCxnSpPr>
+          <p:cNvPr id="10" name="Straight Arrow Connector 9"/>
+          <p:cNvCxnSpPr/>
+          <p:nvPr/>
+        </p:nvCxnSpPr>
+        <p:spPr>
+          <a:xfrm>
+            <a:off x="3352800" y="1600200"/>
+            <a:ext cx="2286000" cy="0"/>
+          </a:xfrm>
+          <a:prstGeom prst="straightConnector1">
+            <a:avLst/>
+          </a:prstGeom>
+          <a:ln w="28575">
+            <a:headEnd type="oval"/>
+            <a:tailEnd type="oval"/>
+          </a:ln>
+        </p:spPr>
+        <p:style>
+          <a:lnRef idx="1">
+            <a:schemeClr val="accent1"/>
+          </a:lnRef>
+          <a:fillRef idx="0">
+            <a:schemeClr val="accent1"/>
+          </a:fillRef>
+          <a:effectRef idx="0">
+            <a:schemeClr val="accent1"/>
+          </a:effectRef>
+          <a:fontRef idx="minor">
+            <a:schemeClr val="tx1"/>
+          </a:fontRef>
+        </p:style>
+      </p:cxnSp>
+      <p:sp>
+        <p:nvSpPr>
+          <p:cNvPr id="11" name="TextBox 10"/>
+          <p:cNvSpPr txBox="1"/>
+          <p:nvPr/>
+        </p:nvSpPr>
+        <p:spPr>
+          <a:xfrm>
+            <a:off x="4070043" y="1230868"/>
+            <a:ext cx="851515" cy="369332"/>
+          </a:xfrm>
+          <a:prstGeom prst="rect">
+            <a:avLst/>
+          </a:prstGeom>
+          <a:noFill/>
+        </p:spPr>
+        <p:txBody>
+          <a:bodyPr wrap="none" rtlCol="0">
+            <a:spAutoFit/>
+          </a:bodyPr>
+          <a:lstStyle/>
+          <a:p>
+            <a:r>
+              <a:rPr lang="en-US" dirty="0"/>
+              <a:t>Period</a:t>
+            </a:r>
+          </a:p>
+        </p:txBody>
+      </p:sp>
+      <p:cxnSp>
+        <p:nvCxnSpPr>
+          <p:cNvPr id="12" name="Straight Arrow Connector 11"/>
+          <p:cNvCxnSpPr/>
+          <p:nvPr/>
+        </p:nvCxnSpPr>
+        <p:spPr>
+          <a:xfrm flipV="1">
+            <a:off x="8549640" y="1752600"/>
+            <a:ext cx="7620" cy="838200"/>
+          </a:xfrm>
+          <a:prstGeom prst="straightConnector1">
+            <a:avLst/>
+          </a:prstGeom>
+          <a:ln w="28575">
+            <a:headEnd type="oval"/>
+            <a:tailEnd type="oval"/>
+          </a:ln>
+        </p:spPr>
+        <p:style>
+          <a:lnRef idx="1">
+            <a:schemeClr val="accent1"/>
+          </a:lnRef>
+          <a:fillRef idx="0">
+            <a:schemeClr val="accent1"/>
+          </a:fillRef>
+          <a:effectRef idx="0">
+            <a:schemeClr val="accent1"/>
+          </a:effectRef>
+          <a:fontRef idx="minor">
+            <a:schemeClr val="tx1"/>
+          </a:fontRef>
+        </p:style>
+      </p:cxnSp>
+      <p:cxnSp>
+        <p:nvCxnSpPr>
+          <p:cNvPr id="15" name="Straight Connector 14"/>
+          <p:cNvCxnSpPr/>
+          <p:nvPr/>
+        </p:nvCxnSpPr>
+        <p:spPr>
+          <a:xfrm>
+            <a:off x="1752600" y="2590800"/>
+            <a:ext cx="8153400" cy="0"/>
+          </a:xfrm>
+          <a:prstGeom prst="line">
+            <a:avLst/>
+          </a:prstGeom>
+          <a:ln>
+            <a:prstDash val="dash"/>
+          </a:ln>
+        </p:spPr>
+        <p:style>
+          <a:lnRef idx="1">
+            <a:schemeClr val="accent1"/>
+          </a:lnRef>
+          <a:fillRef idx="0">
+            <a:schemeClr val="accent1"/>
+          </a:fillRef>
+          <a:effectRef idx="0">
+            <a:schemeClr val="accent1"/>
+          </a:effectRef>
+          <a:fontRef idx="minor">
+            <a:schemeClr val="tx1"/>
+          </a:fontRef>
+        </p:style>
+      </p:cxnSp>
+      <p:sp>
+        <p:nvSpPr>
+          <p:cNvPr id="17" name="TextBox 16"/>
+          <p:cNvSpPr txBox="1"/>
+          <p:nvPr/>
+        </p:nvSpPr>
+        <p:spPr>
+          <a:xfrm>
+            <a:off x="8755380" y="2045732"/>
+            <a:ext cx="1210588" cy="369332"/>
+          </a:xfrm>
+          <a:prstGeom prst="rect">
+            <a:avLst/>
+          </a:prstGeom>
+          <a:noFill/>
+        </p:spPr>
+        <p:txBody>
+          <a:bodyPr wrap="none" rtlCol="0">
+            <a:spAutoFit/>
+          </a:bodyPr>
+          <a:lstStyle/>
+          <a:p>
+            <a:r>
+              <a:rPr lang="en-US" dirty="0"/>
+              <a:t>Amplitude</a:t>
+            </a:r>
+          </a:p>
+        </p:txBody>
+      </p:sp>
+      <p:sp>
+        <p:nvSpPr>
+          <p:cNvPr id="18" name="TextBox 17"/>
+          <p:cNvSpPr txBox="1"/>
+          <p:nvPr/>
+        </p:nvSpPr>
+        <p:spPr>
+          <a:xfrm>
+            <a:off x="3733801" y="1600201"/>
+            <a:ext cx="1720343" cy="307777"/>
+          </a:xfrm>
+          <a:prstGeom prst="rect">
+            <a:avLst/>
+          </a:prstGeom>
+          <a:noFill/>
+        </p:spPr>
+        <p:txBody>
+          <a:bodyPr wrap="none" rtlCol="0">
+            <a:spAutoFit/>
+          </a:bodyPr>
+          <a:lstStyle/>
+          <a:p>
+            <a:r>
+              <a:rPr lang="en-US" sz="1400" dirty="0"/>
+              <a:t>1/period=frequency</a:t>
+            </a:r>
+          </a:p>
+        </p:txBody>
+      </p:sp>
+      <p:cxnSp>
+        <p:nvCxnSpPr>
+          <p:cNvPr id="19" name="Straight Arrow Connector 18"/>
+          <p:cNvCxnSpPr/>
+          <p:nvPr/>
+        </p:nvCxnSpPr>
+        <p:spPr>
+          <a:xfrm flipH="1">
+            <a:off x="3619500" y="4381505"/>
+            <a:ext cx="266700" cy="0"/>
+          </a:xfrm>
+          <a:prstGeom prst="straightConnector1">
+            <a:avLst/>
+          </a:prstGeom>
+          <a:ln w="28575">
+            <a:headEnd type="oval"/>
+            <a:tailEnd type="oval"/>
+          </a:ln>
+        </p:spPr>
+        <p:style>
+          <a:lnRef idx="1">
+            <a:schemeClr val="accent1"/>
+          </a:lnRef>
+          <a:fillRef idx="0">
+            <a:schemeClr val="accent1"/>
+          </a:fillRef>
+          <a:effectRef idx="0">
+            <a:schemeClr val="accent1"/>
+          </a:effectRef>
+          <a:fontRef idx="minor">
+            <a:schemeClr val="tx1"/>
+          </a:fontRef>
+        </p:style>
+      </p:cxnSp>
+      <p:sp>
+        <p:nvSpPr>
+          <p:cNvPr id="21" name="TextBox 20"/>
+          <p:cNvSpPr txBox="1"/>
+          <p:nvPr/>
+        </p:nvSpPr>
+        <p:spPr>
+          <a:xfrm>
+            <a:off x="3048000" y="4012173"/>
+            <a:ext cx="1326004" cy="369332"/>
+          </a:xfrm>
+          <a:prstGeom prst="rect">
+            <a:avLst/>
+          </a:prstGeom>
+          <a:noFill/>
+        </p:spPr>
+        <p:txBody>
+          <a:bodyPr wrap="none" rtlCol="0">
+            <a:spAutoFit/>
+          </a:bodyPr>
+          <a:lstStyle/>
+          <a:p>
+            <a:r>
+              <a:rPr lang="en-US" dirty="0"/>
+              <a:t>Phase shift</a:t>
+            </a:r>
+          </a:p>
+        </p:txBody>
+      </p:sp>
+      <p:cxnSp>
+        <p:nvCxnSpPr>
+          <p:cNvPr id="23" name="Straight Connector 22"/>
+          <p:cNvCxnSpPr/>
+          <p:nvPr/>
+        </p:nvCxnSpPr>
+        <p:spPr>
+          <a:xfrm>
+            <a:off x="2613660" y="3886200"/>
+            <a:ext cx="6225540" cy="0"/>
+          </a:xfrm>
+          <a:prstGeom prst="line">
+            <a:avLst/>
+          </a:prstGeom>
+          <a:ln w="12700">
+            <a:solidFill>
+              <a:schemeClr val="bg1">
+                <a:lumMod val="65000"/>
+              </a:schemeClr>
+            </a:solidFill>
+          </a:ln>
+        </p:spPr>
+        <p:style>
+          <a:lnRef idx="1">
+            <a:schemeClr val="accent1"/>
+          </a:lnRef>
+          <a:fillRef idx="0">
+            <a:schemeClr val="accent1"/>
+          </a:fillRef>
+          <a:effectRef idx="0">
+            <a:schemeClr val="accent1"/>
+          </a:effectRef>
+          <a:fontRef idx="minor">
+            <a:schemeClr val="tx1"/>
+          </a:fontRef>
+        </p:style>
+      </p:cxnSp>
+      <p:cxnSp>
+        <p:nvCxnSpPr>
+          <p:cNvPr id="24" name="Straight Connector 23"/>
+          <p:cNvCxnSpPr/>
+          <p:nvPr/>
+        </p:nvCxnSpPr>
+        <p:spPr>
+          <a:xfrm>
+            <a:off x="2613660" y="6553200"/>
+            <a:ext cx="6225540" cy="0"/>
+          </a:xfrm>
+          <a:prstGeom prst="line">
+            <a:avLst/>
+          </a:prstGeom>
+          <a:ln w="12700">
+            <a:solidFill>
+              <a:schemeClr val="bg1">
+                <a:lumMod val="65000"/>
+              </a:schemeClr>
+            </a:solidFill>
+          </a:ln>
+        </p:spPr>
+        <p:style>
+          <a:lnRef idx="1">
+            <a:schemeClr val="accent1"/>
+          </a:lnRef>
+          <a:fillRef idx="0">
+            <a:schemeClr val="accent1"/>
+          </a:fillRef>
+          <a:effectRef idx="0">
+            <a:schemeClr val="accent1"/>
+          </a:effectRef>
+          <a:fontRef idx="minor">
+            <a:schemeClr val="tx1"/>
+          </a:fontRef>
+        </p:style>
+      </p:cxnSp>
+      <p:sp>
+        <p:nvSpPr>
+          <p:cNvPr id="25" name="TextBox 24"/>
+          <p:cNvSpPr txBox="1"/>
+          <p:nvPr/>
+        </p:nvSpPr>
+        <p:spPr>
+          <a:xfrm>
+            <a:off x="5140266" y="6537960"/>
+            <a:ext cx="689035" cy="369332"/>
+          </a:xfrm>
+          <a:prstGeom prst="rect">
+            <a:avLst/>
+          </a:prstGeom>
+          <a:noFill/>
+        </p:spPr>
+        <p:txBody>
+          <a:bodyPr wrap="none" rtlCol="0">
+            <a:spAutoFit/>
+          </a:bodyPr>
+          <a:lstStyle/>
+          <a:p>
+            <a:r>
+              <a:rPr lang="en-US" dirty="0"/>
+              <a:t>Time</a:t>
+            </a:r>
+          </a:p>
+        </p:txBody>
+      </p:sp>
+    </p:spTree>
+    <p:extLst>
+      <p:ext uri="{BB962C8B-B14F-4D97-AF65-F5344CB8AC3E}">
+        <p14:creationId xmlns:p14="http://schemas.microsoft.com/office/powerpoint/2010/main" val="2780162292"/>
+      </p:ext>
+    </p:extLst>
+  </p:cSld>
+  <p:clrMapOvr>
+    <a:masterClrMapping/>
+  </p:clrMapOvr>
+</p:sld>
+</file>
+
+<file path=ppt/slides/slide11.xml><?xml version="1.0" encoding="utf-8"?>
+<p:sld xmlns:a="http://schemas.openxmlformats.org/drawingml/2006/main" xmlns:r="http://schemas.openxmlformats.org/officeDocument/2006/relationships" xmlns:p="http://schemas.openxmlformats.org/presentationml/2006/main">
+  <p:cSld>
+    <p:spTree>
+      <p:nvGrpSpPr>
+        <p:cNvPr id="1" name=""/>
+        <p:cNvGrpSpPr/>
+        <p:nvPr/>
+      </p:nvGrpSpPr>
+      <p:grpSpPr>
+        <a:xfrm>
+          <a:off x="0" y="0"/>
+          <a:ext cx="0" cy="0"/>
+          <a:chOff x="0" y="0"/>
+          <a:chExt cx="0" cy="0"/>
+        </a:xfrm>
+      </p:grpSpPr>
+      <p:sp>
+        <p:nvSpPr>
+          <p:cNvPr id="2" name="Title 1"/>
+          <p:cNvSpPr>
+            <a:spLocks noGrp="1"/>
+          </p:cNvSpPr>
+          <p:nvPr>
+            <p:ph type="title"/>
+          </p:nvPr>
+        </p:nvSpPr>
+        <p:spPr>
+          <a:xfrm>
+            <a:off x="1981200" y="392668"/>
+            <a:ext cx="8229600" cy="1143000"/>
+          </a:xfrm>
+        </p:spPr>
+        <p:txBody>
+          <a:bodyPr/>
+          <a:lstStyle/>
+          <a:p>
+            <a:r>
+              <a:rPr lang="en-US" dirty="0"/>
+              <a:t>Harmonics</a:t>
+            </a:r>
+          </a:p>
+        </p:txBody>
+      </p:sp>
+      <p:sp>
+        <p:nvSpPr>
+          <p:cNvPr id="3" name="Content Placeholder 2"/>
+          <p:cNvSpPr>
+            <a:spLocks noGrp="1"/>
+          </p:cNvSpPr>
+          <p:nvPr>
+            <p:ph idx="1"/>
+          </p:nvPr>
+        </p:nvSpPr>
+        <p:spPr>
+          <a:xfrm>
+            <a:off x="4343400" y="4267201"/>
+            <a:ext cx="8229600" cy="4525963"/>
+          </a:xfrm>
+        </p:spPr>
+        <p:txBody>
+          <a:bodyPr/>
+          <a:lstStyle/>
+          <a:p>
+            <a:pPr marL="0" indent="0">
+              <a:buNone/>
+            </a:pPr>
+            <a:r>
+              <a:rPr lang="pt-BR" dirty="0"/>
+              <a:t>x</a:t>
+            </a:r>
+            <a:r>
+              <a:rPr lang="pt-BR" baseline="-25000" dirty="0"/>
+              <a:t>t</a:t>
+            </a:r>
+            <a:r>
+              <a:rPr lang="pt-BR" dirty="0"/>
+              <a:t> = A cos(2</a:t>
+            </a:r>
+            <a:r>
+              <a:rPr lang="el-GR" dirty="0"/>
+              <a:t>πω</a:t>
+            </a:r>
+            <a:r>
+              <a:rPr lang="pt-BR" dirty="0"/>
+              <a:t>t + </a:t>
+            </a:r>
+            <a:r>
+              <a:rPr lang="el-GR" dirty="0"/>
+              <a:t>φ</a:t>
+            </a:r>
+            <a:r>
+              <a:rPr lang="pt-BR" dirty="0"/>
+              <a:t>) + </a:t>
+            </a:r>
+            <a:r>
+              <a:rPr lang="el-GR" dirty="0"/>
+              <a:t>ε</a:t>
+            </a:r>
+            <a:r>
+              <a:rPr lang="pt-BR" sz="2000" dirty="0"/>
+              <a:t>t</a:t>
+            </a:r>
+          </a:p>
+          <a:p>
+            <a:pPr lvl="1"/>
+            <a:r>
+              <a:rPr lang="pt-BR" dirty="0"/>
+              <a:t>A=amplitude</a:t>
+            </a:r>
+          </a:p>
+          <a:p>
+            <a:pPr lvl="1"/>
+            <a:r>
+              <a:rPr lang="el-GR" dirty="0"/>
+              <a:t>ω</a:t>
+            </a:r>
+            <a:r>
+              <a:rPr lang="en-US" dirty="0"/>
+              <a:t>=frequency</a:t>
+            </a:r>
+          </a:p>
+          <a:p>
+            <a:pPr lvl="1"/>
+            <a:r>
+              <a:rPr lang="el-GR" dirty="0"/>
+              <a:t>Φ</a:t>
+            </a:r>
+            <a:r>
+              <a:rPr lang="en-US" dirty="0"/>
+              <a:t>=phase</a:t>
+            </a:r>
+          </a:p>
+          <a:p>
+            <a:pPr lvl="1"/>
+            <a:r>
+              <a:rPr lang="el-GR" dirty="0"/>
+              <a:t>Ε</a:t>
+            </a:r>
+            <a:r>
+              <a:rPr lang="pt-BR" sz="1800" dirty="0"/>
+              <a:t>t</a:t>
+            </a:r>
+            <a:r>
+              <a:rPr lang="pt-BR" dirty="0"/>
+              <a:t>=error</a:t>
+            </a:r>
+          </a:p>
+          <a:p>
+            <a:pPr lvl="1"/>
+            <a:endParaRPr lang="en-US" dirty="0"/>
+          </a:p>
+        </p:txBody>
+      </p:sp>
+      <p:sp>
+        <p:nvSpPr>
+          <p:cNvPr id="4" name="Freeform 3"/>
+          <p:cNvSpPr/>
+          <p:nvPr/>
+        </p:nvSpPr>
+        <p:spPr>
+          <a:xfrm>
+            <a:off x="2743200" y="1981201"/>
+            <a:ext cx="5935980" cy="2042169"/>
+          </a:xfrm>
+          <a:custGeom>
+            <a:avLst/>
+            <a:gdLst>
+              <a:gd name="connsiteX0" fmla="*/ 0 w 5935980"/>
+              <a:gd name="connsiteY0" fmla="*/ 2042169 h 2042169"/>
+              <a:gd name="connsiteX1" fmla="*/ 845820 w 5935980"/>
+              <a:gd name="connsiteY1" fmla="*/ 9 h 2042169"/>
+              <a:gd name="connsiteX2" fmla="*/ 1889760 w 5935980"/>
+              <a:gd name="connsiteY2" fmla="*/ 2011689 h 2042169"/>
+              <a:gd name="connsiteX3" fmla="*/ 3048000 w 5935980"/>
+              <a:gd name="connsiteY3" fmla="*/ 22869 h 2042169"/>
+              <a:gd name="connsiteX4" fmla="*/ 4030980 w 5935980"/>
+              <a:gd name="connsiteY4" fmla="*/ 1920249 h 2042169"/>
+              <a:gd name="connsiteX5" fmla="*/ 5097780 w 5935980"/>
+              <a:gd name="connsiteY5" fmla="*/ 114309 h 2042169"/>
+              <a:gd name="connsiteX6" fmla="*/ 5935980 w 5935980"/>
+              <a:gd name="connsiteY6" fmla="*/ 1927869 h 2042169"/>
+            </a:gdLst>
+            <a:ahLst/>
+            <a:cxnLst>
+              <a:cxn ang="0">
+                <a:pos x="connsiteX0" y="connsiteY0"/>
+              </a:cxn>
+              <a:cxn ang="0">
+                <a:pos x="connsiteX1" y="connsiteY1"/>
+              </a:cxn>
+              <a:cxn ang="0">
+                <a:pos x="connsiteX2" y="connsiteY2"/>
+              </a:cxn>
+              <a:cxn ang="0">
+                <a:pos x="connsiteX3" y="connsiteY3"/>
+              </a:cxn>
+              <a:cxn ang="0">
+                <a:pos x="connsiteX4" y="connsiteY4"/>
+              </a:cxn>
+              <a:cxn ang="0">
+                <a:pos x="connsiteX5" y="connsiteY5"/>
+              </a:cxn>
+              <a:cxn ang="0">
+                <a:pos x="connsiteX6" y="connsiteY6"/>
+              </a:cxn>
+            </a:cxnLst>
+            <a:rect l="l" t="t" r="r" b="b"/>
+            <a:pathLst>
+              <a:path w="5935980" h="2042169">
+                <a:moveTo>
+                  <a:pt x="0" y="2042169"/>
+                </a:moveTo>
+                <a:cubicBezTo>
+                  <a:pt x="265430" y="1023629"/>
+                  <a:pt x="530860" y="5089"/>
+                  <a:pt x="845820" y="9"/>
+                </a:cubicBezTo>
+                <a:cubicBezTo>
+                  <a:pt x="1160780" y="-5071"/>
+                  <a:pt x="1522730" y="2007879"/>
+                  <a:pt x="1889760" y="2011689"/>
+                </a:cubicBezTo>
+                <a:cubicBezTo>
+                  <a:pt x="2256790" y="2015499"/>
+                  <a:pt x="2691130" y="38109"/>
+                  <a:pt x="3048000" y="22869"/>
+                </a:cubicBezTo>
+                <a:cubicBezTo>
+                  <a:pt x="3404870" y="7629"/>
+                  <a:pt x="3689350" y="1905009"/>
+                  <a:pt x="4030980" y="1920249"/>
+                </a:cubicBezTo>
+                <a:cubicBezTo>
+                  <a:pt x="4372610" y="1935489"/>
+                  <a:pt x="4780280" y="113039"/>
+                  <a:pt x="5097780" y="114309"/>
+                </a:cubicBezTo>
+                <a:cubicBezTo>
+                  <a:pt x="5415280" y="115579"/>
+                  <a:pt x="5675630" y="1021724"/>
+                  <a:pt x="5935980" y="1927869"/>
+                </a:cubicBezTo>
+              </a:path>
+            </a:pathLst>
+          </a:custGeom>
+          <a:noFill/>
+        </p:spPr>
+        <p:style>
+          <a:lnRef idx="2">
+            <a:schemeClr val="accent1">
+              <a:shade val="50000"/>
+            </a:schemeClr>
+          </a:lnRef>
+          <a:fillRef idx="1">
+            <a:schemeClr val="accent1"/>
+          </a:fillRef>
+          <a:effectRef idx="0">
+            <a:schemeClr val="accent1"/>
+          </a:effectRef>
+          <a:fontRef idx="minor">
+            <a:schemeClr val="lt1"/>
+          </a:fontRef>
+        </p:style>
+        <p:txBody>
+          <a:bodyPr rtlCol="0" anchor="ctr"/>
+          <a:lstStyle/>
+          <a:p>
+            <a:pPr algn="ctr"/>
+            <a:endParaRPr lang="en-US"/>
+          </a:p>
+        </p:txBody>
+      </p:sp>
+      <p:cxnSp>
+        <p:nvCxnSpPr>
+          <p:cNvPr id="5" name="Straight Arrow Connector 4"/>
+          <p:cNvCxnSpPr/>
+          <p:nvPr/>
+        </p:nvCxnSpPr>
+        <p:spPr>
+          <a:xfrm>
+            <a:off x="3482340" y="1905000"/>
+            <a:ext cx="2286000" cy="0"/>
+          </a:xfrm>
+          <a:prstGeom prst="straightConnector1">
+            <a:avLst/>
+          </a:prstGeom>
+          <a:ln w="28575">
+            <a:headEnd type="oval"/>
+            <a:tailEnd type="oval"/>
+          </a:ln>
+        </p:spPr>
+        <p:style>
+          <a:lnRef idx="1">
+            <a:schemeClr val="accent1"/>
+          </a:lnRef>
+          <a:fillRef idx="0">
+            <a:schemeClr val="accent1"/>
+          </a:fillRef>
+          <a:effectRef idx="0">
+            <a:schemeClr val="accent1"/>
+          </a:effectRef>
+          <a:fontRef idx="minor">
+            <a:schemeClr val="tx1"/>
+          </a:fontRef>
+        </p:style>
+      </p:cxnSp>
+      <p:sp>
+        <p:nvSpPr>
+          <p:cNvPr id="6" name="TextBox 5"/>
+          <p:cNvSpPr txBox="1"/>
+          <p:nvPr/>
+        </p:nvSpPr>
+        <p:spPr>
+          <a:xfrm>
+            <a:off x="4199582" y="1535668"/>
+            <a:ext cx="1441420" cy="369332"/>
+          </a:xfrm>
+          <a:prstGeom prst="rect">
+            <a:avLst/>
+          </a:prstGeom>
+          <a:noFill/>
+        </p:spPr>
+        <p:txBody>
+          <a:bodyPr wrap="none" rtlCol="0">
+            <a:spAutoFit/>
+          </a:bodyPr>
+          <a:lstStyle/>
+          <a:p>
+            <a:r>
+              <a:rPr lang="en-US" dirty="0"/>
+              <a:t>Period (1/</a:t>
+            </a:r>
+            <a:r>
+              <a:rPr lang="el-GR" dirty="0"/>
+              <a:t>ω</a:t>
+            </a:r>
+            <a:r>
+              <a:rPr lang="en-US" dirty="0"/>
+              <a:t>)</a:t>
+            </a:r>
+          </a:p>
+        </p:txBody>
+      </p:sp>
+      <p:cxnSp>
+        <p:nvCxnSpPr>
+          <p:cNvPr id="7" name="Straight Arrow Connector 6"/>
+          <p:cNvCxnSpPr/>
+          <p:nvPr/>
+        </p:nvCxnSpPr>
+        <p:spPr>
+          <a:xfrm flipV="1">
+            <a:off x="8679180" y="2057400"/>
+            <a:ext cx="7620" cy="838200"/>
+          </a:xfrm>
+          <a:prstGeom prst="straightConnector1">
+            <a:avLst/>
+          </a:prstGeom>
+          <a:ln w="28575">
+            <a:headEnd type="oval"/>
+            <a:tailEnd type="oval"/>
+          </a:ln>
+        </p:spPr>
+        <p:style>
+          <a:lnRef idx="1">
+            <a:schemeClr val="accent1"/>
+          </a:lnRef>
+          <a:fillRef idx="0">
+            <a:schemeClr val="accent1"/>
+          </a:fillRef>
+          <a:effectRef idx="0">
+            <a:schemeClr val="accent1"/>
+          </a:effectRef>
+          <a:fontRef idx="minor">
+            <a:schemeClr val="tx1"/>
+          </a:fontRef>
+        </p:style>
+      </p:cxnSp>
+      <p:sp>
+        <p:nvSpPr>
+          <p:cNvPr id="8" name="TextBox 7"/>
+          <p:cNvSpPr txBox="1"/>
+          <p:nvPr/>
+        </p:nvSpPr>
+        <p:spPr>
+          <a:xfrm>
+            <a:off x="8884920" y="2350532"/>
+            <a:ext cx="1582484" cy="369332"/>
+          </a:xfrm>
+          <a:prstGeom prst="rect">
+            <a:avLst/>
+          </a:prstGeom>
+          <a:noFill/>
+        </p:spPr>
+        <p:txBody>
+          <a:bodyPr wrap="none" rtlCol="0">
+            <a:spAutoFit/>
+          </a:bodyPr>
+          <a:lstStyle/>
+          <a:p>
+            <a:r>
+              <a:rPr lang="en-US" dirty="0"/>
+              <a:t>Amplitude (A)</a:t>
+            </a:r>
+          </a:p>
+        </p:txBody>
+      </p:sp>
+      <p:sp>
+        <p:nvSpPr>
+          <p:cNvPr id="9" name="TextBox 8"/>
+          <p:cNvSpPr txBox="1"/>
+          <p:nvPr/>
+        </p:nvSpPr>
+        <p:spPr>
+          <a:xfrm>
+            <a:off x="3886996" y="1905001"/>
+            <a:ext cx="1754006" cy="276999"/>
+          </a:xfrm>
+          <a:prstGeom prst="rect">
+            <a:avLst/>
+          </a:prstGeom>
+          <a:noFill/>
+        </p:spPr>
+        <p:txBody>
+          <a:bodyPr wrap="none" rtlCol="0">
+            <a:spAutoFit/>
+          </a:bodyPr>
+          <a:lstStyle/>
+          <a:p>
+            <a:r>
+              <a:rPr lang="en-US" sz="1200" dirty="0"/>
+              <a:t>1/period=frequency=</a:t>
+            </a:r>
+            <a:r>
+              <a:rPr lang="el-GR" sz="1200" dirty="0"/>
+              <a:t> ω</a:t>
+            </a:r>
+            <a:endParaRPr lang="en-US" sz="1200" dirty="0"/>
+          </a:p>
+        </p:txBody>
+      </p:sp>
+      <p:cxnSp>
+        <p:nvCxnSpPr>
+          <p:cNvPr id="10" name="Straight Connector 9"/>
+          <p:cNvCxnSpPr/>
+          <p:nvPr/>
+        </p:nvCxnSpPr>
+        <p:spPr>
+          <a:xfrm>
+            <a:off x="2743200" y="4191000"/>
+            <a:ext cx="6225540" cy="0"/>
+          </a:xfrm>
+          <a:prstGeom prst="line">
+            <a:avLst/>
+          </a:prstGeom>
+          <a:ln w="12700">
+            <a:solidFill>
+              <a:schemeClr val="bg1">
+                <a:lumMod val="65000"/>
+              </a:schemeClr>
+            </a:solidFill>
+          </a:ln>
+        </p:spPr>
+        <p:style>
+          <a:lnRef idx="1">
+            <a:schemeClr val="accent1"/>
+          </a:lnRef>
+          <a:fillRef idx="0">
+            <a:schemeClr val="accent1"/>
+          </a:fillRef>
+          <a:effectRef idx="0">
+            <a:schemeClr val="accent1"/>
+          </a:effectRef>
+          <a:fontRef idx="minor">
+            <a:schemeClr val="tx1"/>
+          </a:fontRef>
+        </p:style>
+      </p:cxnSp>
+      <p:sp>
+        <p:nvSpPr>
+          <p:cNvPr id="11" name="Freeform 10"/>
+          <p:cNvSpPr/>
+          <p:nvPr/>
+        </p:nvSpPr>
+        <p:spPr>
+          <a:xfrm>
+            <a:off x="2933700" y="1981201"/>
+            <a:ext cx="5935980" cy="2042169"/>
+          </a:xfrm>
+          <a:custGeom>
+            <a:avLst/>
+            <a:gdLst>
+              <a:gd name="connsiteX0" fmla="*/ 0 w 5935980"/>
+              <a:gd name="connsiteY0" fmla="*/ 2042169 h 2042169"/>
+              <a:gd name="connsiteX1" fmla="*/ 845820 w 5935980"/>
+              <a:gd name="connsiteY1" fmla="*/ 9 h 2042169"/>
+              <a:gd name="connsiteX2" fmla="*/ 1889760 w 5935980"/>
+              <a:gd name="connsiteY2" fmla="*/ 2011689 h 2042169"/>
+              <a:gd name="connsiteX3" fmla="*/ 3048000 w 5935980"/>
+              <a:gd name="connsiteY3" fmla="*/ 22869 h 2042169"/>
+              <a:gd name="connsiteX4" fmla="*/ 4030980 w 5935980"/>
+              <a:gd name="connsiteY4" fmla="*/ 1920249 h 2042169"/>
+              <a:gd name="connsiteX5" fmla="*/ 5097780 w 5935980"/>
+              <a:gd name="connsiteY5" fmla="*/ 114309 h 2042169"/>
+              <a:gd name="connsiteX6" fmla="*/ 5935980 w 5935980"/>
+              <a:gd name="connsiteY6" fmla="*/ 1927869 h 2042169"/>
+            </a:gdLst>
+            <a:ahLst/>
+            <a:cxnLst>
+              <a:cxn ang="0">
+                <a:pos x="connsiteX0" y="connsiteY0"/>
+              </a:cxn>
+              <a:cxn ang="0">
+                <a:pos x="connsiteX1" y="connsiteY1"/>
+              </a:cxn>
+              <a:cxn ang="0">
+                <a:pos x="connsiteX2" y="connsiteY2"/>
+              </a:cxn>
+              <a:cxn ang="0">
+                <a:pos x="connsiteX3" y="connsiteY3"/>
+              </a:cxn>
+              <a:cxn ang="0">
+                <a:pos x="connsiteX4" y="connsiteY4"/>
+              </a:cxn>
+              <a:cxn ang="0">
+                <a:pos x="connsiteX5" y="connsiteY5"/>
+              </a:cxn>
+              <a:cxn ang="0">
+                <a:pos x="connsiteX6" y="connsiteY6"/>
+              </a:cxn>
+            </a:cxnLst>
+            <a:rect l="l" t="t" r="r" b="b"/>
+            <a:pathLst>
+              <a:path w="5935980" h="2042169">
+                <a:moveTo>
+                  <a:pt x="0" y="2042169"/>
+                </a:moveTo>
+                <a:cubicBezTo>
+                  <a:pt x="265430" y="1023629"/>
+                  <a:pt x="530860" y="5089"/>
+                  <a:pt x="845820" y="9"/>
+                </a:cubicBezTo>
+                <a:cubicBezTo>
+                  <a:pt x="1160780" y="-5071"/>
+                  <a:pt x="1522730" y="2007879"/>
+                  <a:pt x="1889760" y="2011689"/>
+                </a:cubicBezTo>
+                <a:cubicBezTo>
+                  <a:pt x="2256790" y="2015499"/>
+                  <a:pt x="2691130" y="38109"/>
+                  <a:pt x="3048000" y="22869"/>
+                </a:cubicBezTo>
+                <a:cubicBezTo>
+                  <a:pt x="3404870" y="7629"/>
+                  <a:pt x="3689350" y="1905009"/>
+                  <a:pt x="4030980" y="1920249"/>
+                </a:cubicBezTo>
+                <a:cubicBezTo>
+                  <a:pt x="4372610" y="1935489"/>
+                  <a:pt x="4780280" y="113039"/>
+                  <a:pt x="5097780" y="114309"/>
+                </a:cubicBezTo>
+                <a:cubicBezTo>
+                  <a:pt x="5415280" y="115579"/>
+                  <a:pt x="5675630" y="1021724"/>
+                  <a:pt x="5935980" y="1927869"/>
+                </a:cubicBezTo>
+              </a:path>
+            </a:pathLst>
+          </a:custGeom>
+          <a:noFill/>
+          <a:ln>
+            <a:solidFill>
+              <a:schemeClr val="accent2"/>
+            </a:solidFill>
+          </a:ln>
+        </p:spPr>
+        <p:style>
+          <a:lnRef idx="2">
+            <a:schemeClr val="accent1">
+              <a:shade val="50000"/>
+            </a:schemeClr>
+          </a:lnRef>
+          <a:fillRef idx="1">
+            <a:schemeClr val="accent1"/>
+          </a:fillRef>
+          <a:effectRef idx="0">
+            <a:schemeClr val="accent1"/>
+          </a:effectRef>
+          <a:fontRef idx="minor">
+            <a:schemeClr val="lt1"/>
+          </a:fontRef>
+        </p:style>
+        <p:txBody>
+          <a:bodyPr rtlCol="0" anchor="ctr"/>
+          <a:lstStyle/>
+          <a:p>
+            <a:pPr algn="ctr"/>
+            <a:endParaRPr lang="en-US"/>
+          </a:p>
+        </p:txBody>
+      </p:sp>
+      <p:cxnSp>
+        <p:nvCxnSpPr>
+          <p:cNvPr id="12" name="Straight Arrow Connector 11"/>
+          <p:cNvCxnSpPr/>
+          <p:nvPr/>
+        </p:nvCxnSpPr>
+        <p:spPr>
+          <a:xfrm>
+            <a:off x="7730490" y="1905000"/>
+            <a:ext cx="434340" cy="0"/>
+          </a:xfrm>
+          <a:prstGeom prst="straightConnector1">
+            <a:avLst/>
+          </a:prstGeom>
+          <a:ln w="28575">
+            <a:headEnd type="oval"/>
+            <a:tailEnd type="oval"/>
+          </a:ln>
+        </p:spPr>
+        <p:style>
+          <a:lnRef idx="1">
+            <a:schemeClr val="accent1"/>
+          </a:lnRef>
+          <a:fillRef idx="0">
+            <a:schemeClr val="accent1"/>
+          </a:fillRef>
+          <a:effectRef idx="0">
+            <a:schemeClr val="accent1"/>
+          </a:effectRef>
+          <a:fontRef idx="minor">
+            <a:schemeClr val="tx1"/>
+          </a:fontRef>
+        </p:style>
+      </p:cxnSp>
+      <p:sp>
+        <p:nvSpPr>
+          <p:cNvPr id="14" name="Rectangle 13"/>
+          <p:cNvSpPr/>
+          <p:nvPr/>
+        </p:nvSpPr>
+        <p:spPr>
+          <a:xfrm>
+            <a:off x="7763154" y="1535668"/>
+            <a:ext cx="369012" cy="369332"/>
+          </a:xfrm>
+          <a:prstGeom prst="rect">
+            <a:avLst/>
+          </a:prstGeom>
+        </p:spPr>
+        <p:txBody>
+          <a:bodyPr wrap="none">
+            <a:spAutoFit/>
+          </a:bodyPr>
+          <a:lstStyle/>
+          <a:p>
+            <a:r>
+              <a:rPr lang="el-GR" dirty="0"/>
+              <a:t>Φ</a:t>
+            </a:r>
+            <a:endParaRPr lang="en-US" dirty="0"/>
+          </a:p>
+        </p:txBody>
+      </p:sp>
+    </p:spTree>
+    <p:extLst>
+      <p:ext uri="{BB962C8B-B14F-4D97-AF65-F5344CB8AC3E}">
+        <p14:creationId xmlns:p14="http://schemas.microsoft.com/office/powerpoint/2010/main" val="2831190327"/>
+      </p:ext>
+    </p:extLst>
+  </p:cSld>
+  <p:clrMapOvr>
+    <a:masterClrMapping/>
+  </p:clrMapOvr>
+</p:sld>
+</file>
+
+<file path=ppt/slides/slide12.xml><?xml version="1.0" encoding="utf-8"?>
+<p:sld xmlns:a="http://schemas.openxmlformats.org/drawingml/2006/main" xmlns:r="http://schemas.openxmlformats.org/officeDocument/2006/relationships" xmlns:p="http://schemas.openxmlformats.org/presentationml/2006/main">
+  <p:cSld>
+    <p:spTree>
+      <p:nvGrpSpPr>
+        <p:cNvPr id="1" name=""/>
+        <p:cNvGrpSpPr/>
+        <p:nvPr/>
+      </p:nvGrpSpPr>
+      <p:grpSpPr>
+        <a:xfrm>
+          <a:off x="0" y="0"/>
+          <a:ext cx="0" cy="0"/>
+          <a:chOff x="0" y="0"/>
+          <a:chExt cx="0" cy="0"/>
+        </a:xfrm>
+      </p:grpSpPr>
+      <p:sp>
+        <p:nvSpPr>
           <p:cNvPr id="2" name="Title 1"/>
           <p:cNvSpPr>
             <a:spLocks noGrp="1"/>
@@ -7451,7 +8898,7 @@
 </p:sld>
 </file>
 
-<file path=ppt/slides/slide11.xml><?xml version="1.0" encoding="utf-8"?>
+<file path=ppt/slides/slide13.xml><?xml version="1.0" encoding="utf-8"?>
 <p:sld xmlns:a="http://schemas.openxmlformats.org/drawingml/2006/main" xmlns:r="http://schemas.openxmlformats.org/officeDocument/2006/relationships" xmlns:p="http://schemas.openxmlformats.org/presentationml/2006/main">
   <p:cSld>
     <p:spTree>
@@ -7945,7 +9392,7 @@
 </p:sld>
 </file>
 
-<file path=ppt/slides/slide12.xml><?xml version="1.0" encoding="utf-8"?>
+<file path=ppt/slides/slide14.xml><?xml version="1.0" encoding="utf-8"?>
 <p:sld xmlns:a="http://schemas.openxmlformats.org/drawingml/2006/main" xmlns:r="http://schemas.openxmlformats.org/officeDocument/2006/relationships" xmlns:p="http://schemas.openxmlformats.org/presentationml/2006/main">
   <p:cSld>
     <p:spTree>
@@ -8008,7 +9455,7 @@
 </p:sld>
 </file>
 
-<file path=ppt/slides/slide13.xml><?xml version="1.0" encoding="utf-8"?>
+<file path=ppt/slides/slide15.xml><?xml version="1.0" encoding="utf-8"?>
 <p:sld xmlns:a="http://schemas.openxmlformats.org/drawingml/2006/main" xmlns:r="http://schemas.openxmlformats.org/officeDocument/2006/relationships" xmlns:p="http://schemas.openxmlformats.org/presentationml/2006/main">
   <p:cSld>
     <p:spTree>
@@ -8592,7 +10039,7 @@
 </p:sld>
 </file>
 
-<file path=ppt/slides/slide14.xml><?xml version="1.0" encoding="utf-8"?>
+<file path=ppt/slides/slide16.xml><?xml version="1.0" encoding="utf-8"?>
 <p:sld xmlns:a="http://schemas.openxmlformats.org/drawingml/2006/main" xmlns:r="http://schemas.openxmlformats.org/officeDocument/2006/relationships" xmlns:p="http://schemas.openxmlformats.org/presentationml/2006/main">
   <p:cSld>
     <p:spTree>
@@ -8975,7 +10422,7 @@
 </p:sld>
 </file>
 
-<file path=ppt/slides/slide15.xml><?xml version="1.0" encoding="utf-8"?>
+<file path=ppt/slides/slide17.xml><?xml version="1.0" encoding="utf-8"?>
 <p:sld xmlns:a="http://schemas.openxmlformats.org/drawingml/2006/main" xmlns:r="http://schemas.openxmlformats.org/officeDocument/2006/relationships" xmlns:p="http://schemas.openxmlformats.org/presentationml/2006/main">
   <p:cSld>
     <p:spTree>
@@ -9405,7 +10852,7 @@
 </p:sld>
 </file>
 
-<file path=ppt/slides/slide16.xml><?xml version="1.0" encoding="utf-8"?>
+<file path=ppt/slides/slide18.xml><?xml version="1.0" encoding="utf-8"?>
 <p:sld xmlns:a="http://schemas.openxmlformats.org/drawingml/2006/main" xmlns:r="http://schemas.openxmlformats.org/officeDocument/2006/relationships" xmlns:p="http://schemas.openxmlformats.org/presentationml/2006/main">
   <p:cSld>
     <p:spTree>
@@ -9688,221 +11135,6 @@
 </p:sld>
 </file>
 
-<file path=ppt/slides/slide17.xml><?xml version="1.0" encoding="utf-8"?>
-<p:sld xmlns:a="http://schemas.openxmlformats.org/drawingml/2006/main" xmlns:r="http://schemas.openxmlformats.org/officeDocument/2006/relationships" xmlns:p="http://schemas.openxmlformats.org/presentationml/2006/main">
-  <p:cSld>
-    <p:spTree>
-      <p:nvGrpSpPr>
-        <p:cNvPr id="1" name=""/>
-        <p:cNvGrpSpPr/>
-        <p:nvPr/>
-      </p:nvGrpSpPr>
-      <p:grpSpPr>
-        <a:xfrm>
-          <a:off x="0" y="0"/>
-          <a:ext cx="0" cy="0"/>
-          <a:chOff x="0" y="0"/>
-          <a:chExt cx="0" cy="0"/>
-        </a:xfrm>
-      </p:grpSpPr>
-      <p:sp>
-        <p:nvSpPr>
-          <p:cNvPr id="2" name="Title 1"/>
-          <p:cNvSpPr>
-            <a:spLocks noGrp="1"/>
-          </p:cNvSpPr>
-          <p:nvPr>
-            <p:ph type="title"/>
-          </p:nvPr>
-        </p:nvSpPr>
-        <p:spPr/>
-        <p:txBody>
-          <a:bodyPr/>
-          <a:lstStyle/>
-          <a:p>
-            <a:r>
-              <a:rPr lang="en-US" dirty="0"/>
-              <a:t>What type of model to use</a:t>
-            </a:r>
-          </a:p>
-        </p:txBody>
-      </p:sp>
-      <p:sp>
-        <p:nvSpPr>
-          <p:cNvPr id="6" name="Content Placeholder 5">
-            <a:extLst>
-              <a:ext uri="{FF2B5EF4-FFF2-40B4-BE49-F238E27FC236}">
-                <a16:creationId xmlns:a16="http://schemas.microsoft.com/office/drawing/2014/main" id="{AF55E314-A8DB-4A3B-9C1C-CA256E51B51D}"/>
-              </a:ext>
-            </a:extLst>
-          </p:cNvPr>
-          <p:cNvSpPr>
-            <a:spLocks noGrp="1"/>
-          </p:cNvSpPr>
-          <p:nvPr>
-            <p:ph idx="1"/>
-          </p:nvPr>
-        </p:nvSpPr>
-        <p:spPr>
-          <a:xfrm>
-            <a:off x="381000" y="1981201"/>
-            <a:ext cx="11201400" cy="4144963"/>
-          </a:xfrm>
-        </p:spPr>
-        <p:txBody>
-          <a:bodyPr/>
-          <a:lstStyle/>
-          <a:p>
-            <a:r>
-              <a:rPr lang="en-US" dirty="0"/>
-              <a:t>Most commonly we are modeling counts or rates</a:t>
-            </a:r>
-          </a:p>
-          <a:p>
-            <a:r>
-              <a:rPr lang="en-US" dirty="0"/>
-              <a:t>Use Poisson or negative binomial regression</a:t>
-            </a:r>
-          </a:p>
-          <a:p>
-            <a:endParaRPr lang="en-US" dirty="0"/>
-          </a:p>
-          <a:p>
-            <a:pPr marL="0" indent="0">
-              <a:buNone/>
-            </a:pPr>
-            <a:r>
-              <a:rPr lang="en-US" dirty="0"/>
-              <a:t>log(</a:t>
-            </a:r>
-            <a:r>
-              <a:rPr lang="en-US" dirty="0" err="1"/>
-              <a:t>lambda</a:t>
-            </a:r>
-            <a:r>
-              <a:rPr lang="en-US" baseline="-25000" dirty="0" err="1"/>
-              <a:t>t</a:t>
-            </a:r>
-            <a:r>
-              <a:rPr lang="en-US" dirty="0"/>
-              <a:t>)=  b0 + b1*sin(2*pi*t/period) + b2*cos(2*pi*t/period)</a:t>
-            </a:r>
-          </a:p>
-          <a:p>
-            <a:pPr marL="0" indent="0">
-              <a:buNone/>
-            </a:pPr>
-            <a:r>
-              <a:rPr lang="en-US" dirty="0"/>
-              <a:t>				</a:t>
-            </a:r>
-            <a:r>
-              <a:rPr lang="en-US" dirty="0" err="1"/>
-              <a:t>Counts</a:t>
-            </a:r>
-            <a:r>
-              <a:rPr lang="en-US" baseline="-25000" dirty="0" err="1"/>
-              <a:t>t</a:t>
-            </a:r>
-            <a:r>
-              <a:rPr lang="en-US" dirty="0" err="1"/>
-              <a:t>~Poisson</a:t>
-            </a:r>
-            <a:r>
-              <a:rPr lang="en-US" dirty="0"/>
-              <a:t>(</a:t>
-            </a:r>
-            <a:r>
-              <a:rPr lang="en-US" dirty="0" err="1"/>
-              <a:t>lambda</a:t>
-            </a:r>
-            <a:r>
-              <a:rPr lang="en-US" baseline="-25000" dirty="0" err="1"/>
-              <a:t>t</a:t>
-            </a:r>
-            <a:r>
-              <a:rPr lang="en-US" dirty="0"/>
-              <a:t>)</a:t>
-            </a:r>
-          </a:p>
-        </p:txBody>
-      </p:sp>
-    </p:spTree>
-    <p:extLst>
-      <p:ext uri="{BB962C8B-B14F-4D97-AF65-F5344CB8AC3E}">
-        <p14:creationId xmlns:p14="http://schemas.microsoft.com/office/powerpoint/2010/main" val="2341890146"/>
-      </p:ext>
-    </p:extLst>
-  </p:cSld>
-  <p:clrMapOvr>
-    <a:masterClrMapping/>
-  </p:clrMapOvr>
-</p:sld>
-</file>
-
-<file path=ppt/slides/slide18.xml><?xml version="1.0" encoding="utf-8"?>
-<p:sld xmlns:a="http://schemas.openxmlformats.org/drawingml/2006/main" xmlns:r="http://schemas.openxmlformats.org/officeDocument/2006/relationships" xmlns:p="http://schemas.openxmlformats.org/presentationml/2006/main">
-  <p:cSld>
-    <p:spTree>
-      <p:nvGrpSpPr>
-        <p:cNvPr id="1" name=""/>
-        <p:cNvGrpSpPr/>
-        <p:nvPr/>
-      </p:nvGrpSpPr>
-      <p:grpSpPr>
-        <a:xfrm>
-          <a:off x="0" y="0"/>
-          <a:ext cx="0" cy="0"/>
-          <a:chOff x="0" y="0"/>
-          <a:chExt cx="0" cy="0"/>
-        </a:xfrm>
-      </p:grpSpPr>
-      <p:sp>
-        <p:nvSpPr>
-          <p:cNvPr id="2" name="Title 1">
-            <a:extLst>
-              <a:ext uri="{FF2B5EF4-FFF2-40B4-BE49-F238E27FC236}">
-                <a16:creationId xmlns:a16="http://schemas.microsoft.com/office/drawing/2014/main" id="{6574D50F-4996-452A-BEAF-225525A9278F}"/>
-              </a:ext>
-            </a:extLst>
-          </p:cNvPr>
-          <p:cNvSpPr>
-            <a:spLocks noGrp="1"/>
-          </p:cNvSpPr>
-          <p:nvPr>
-            <p:ph type="title"/>
-          </p:nvPr>
-        </p:nvSpPr>
-        <p:spPr>
-          <a:xfrm>
-            <a:off x="609600" y="2819400"/>
-            <a:ext cx="10972800" cy="1143000"/>
-          </a:xfrm>
-        </p:spPr>
-        <p:txBody>
-          <a:bodyPr/>
-          <a:lstStyle/>
-          <a:p>
-            <a:r>
-              <a:rPr lang="en-US" dirty="0"/>
-              <a:t>Harmonic regression example in R</a:t>
-            </a:r>
-          </a:p>
-        </p:txBody>
-      </p:sp>
-    </p:spTree>
-    <p:extLst>
-      <p:ext uri="{BB962C8B-B14F-4D97-AF65-F5344CB8AC3E}">
-        <p14:creationId xmlns:p14="http://schemas.microsoft.com/office/powerpoint/2010/main" val="2503296379"/>
-      </p:ext>
-    </p:extLst>
-  </p:cSld>
-  <p:clrMapOvr>
-    <a:masterClrMapping/>
-  </p:clrMapOvr>
-</p:sld>
-</file>
-
 <file path=ppt/slides/slide19.xml><?xml version="1.0" encoding="utf-8"?>
 <p:sld xmlns:a="http://schemas.openxmlformats.org/drawingml/2006/main" xmlns:r="http://schemas.openxmlformats.org/officeDocument/2006/relationships" xmlns:p="http://schemas.openxmlformats.org/presentationml/2006/main">
   <p:cSld>
@@ -9922,173 +11154,130 @@
       </p:grpSpPr>
       <p:sp>
         <p:nvSpPr>
-          <p:cNvPr id="119809" name="Rectangle 2"/>
+          <p:cNvPr id="2" name="Title 1"/>
           <p:cNvSpPr>
-            <a:spLocks noGrp="1" noChangeArrowheads="1"/>
+            <a:spLocks noGrp="1"/>
           </p:cNvSpPr>
           <p:nvPr>
-            <p:ph type="title" idx="4294967295"/>
+            <p:ph type="title"/>
           </p:nvPr>
         </p:nvSpPr>
-        <p:spPr>
-          <a:xfrm>
-            <a:off x="1520059" y="762001"/>
-            <a:ext cx="9067800" cy="1143000"/>
-          </a:xfrm>
-        </p:spPr>
-        <p:txBody>
-          <a:bodyPr anchor="b"/>
+        <p:spPr/>
+        <p:txBody>
+          <a:bodyPr/>
           <a:lstStyle/>
           <a:p>
-            <a:pPr eaLnBrk="1" hangingPunct="1"/>
-            <a:r>
-              <a:rPr lang="en-US" sz="4000" dirty="0">
-                <a:solidFill>
-                  <a:schemeClr val="tx2">
-                    <a:lumMod val="75000"/>
-                  </a:schemeClr>
-                </a:solidFill>
-              </a:rPr>
-              <a:t>Example :</a:t>
-            </a:r>
-            <a:r>
-              <a:rPr lang="en-US" sz="3700" dirty="0">
-                <a:solidFill>
-                  <a:schemeClr val="tx2">
-                    <a:lumMod val="75000"/>
-                  </a:schemeClr>
-                </a:solidFill>
-              </a:rPr>
-              <a:t>Estimation of influenza </a:t>
-            </a:r>
-            <a:br>
-              <a:rPr lang="en-US" sz="3700" dirty="0">
-                <a:solidFill>
-                  <a:schemeClr val="tx2">
-                    <a:lumMod val="75000"/>
-                  </a:schemeClr>
-                </a:solidFill>
-              </a:rPr>
-            </a:br>
-            <a:r>
-              <a:rPr lang="en-US" sz="3700" dirty="0">
-                <a:solidFill>
-                  <a:schemeClr val="tx2">
-                    <a:lumMod val="75000"/>
-                  </a:schemeClr>
-                </a:solidFill>
-              </a:rPr>
-              <a:t>hospitalization burden</a:t>
-            </a:r>
-          </a:p>
-        </p:txBody>
-      </p:sp>
-      <p:sp>
-        <p:nvSpPr>
-          <p:cNvPr id="119810" name="Text Box 6"/>
-          <p:cNvSpPr txBox="1">
-            <a:spLocks noChangeArrowheads="1"/>
+            <a:r>
+              <a:rPr lang="en-US" dirty="0"/>
+              <a:t>What type of model to use</a:t>
+            </a:r>
+          </a:p>
+        </p:txBody>
+      </p:sp>
+      <p:sp>
+        <p:nvSpPr>
+          <p:cNvPr id="6" name="Content Placeholder 5">
+            <a:extLst>
+              <a:ext uri="{FF2B5EF4-FFF2-40B4-BE49-F238E27FC236}">
+                <a16:creationId xmlns:a16="http://schemas.microsoft.com/office/drawing/2014/main" id="{AF55E314-A8DB-4A3B-9C1C-CA256E51B51D}"/>
+              </a:ext>
+            </a:extLst>
+          </p:cNvPr>
+          <p:cNvSpPr>
+            <a:spLocks noGrp="1"/>
           </p:cNvSpPr>
-          <p:nvPr/>
-        </p:nvSpPr>
-        <p:spPr bwMode="auto">
-          <a:xfrm>
-            <a:off x="719959" y="2362200"/>
-            <a:ext cx="10668000" cy="3785652"/>
-          </a:xfrm>
-          <a:prstGeom prst="rect">
-            <a:avLst/>
-          </a:prstGeom>
-          <a:noFill/>
-          <a:ln w="9525">
-            <a:noFill/>
-            <a:miter lim="800000"/>
-            <a:headEnd/>
-            <a:tailEnd/>
-          </a:ln>
-        </p:spPr>
-        <p:txBody>
-          <a:bodyPr wrap="square">
-            <a:spAutoFit/>
-          </a:bodyPr>
+          <p:nvPr>
+            <p:ph idx="1"/>
+          </p:nvPr>
+        </p:nvSpPr>
+        <p:spPr>
+          <a:xfrm>
+            <a:off x="381000" y="1981201"/>
+            <a:ext cx="11201400" cy="4144963"/>
+          </a:xfrm>
+        </p:spPr>
+        <p:txBody>
+          <a:bodyPr/>
           <a:lstStyle/>
           <a:p>
-            <a:pPr indent="288925">
-              <a:buFontTx/>
-              <a:buChar char="•"/>
+            <a:r>
+              <a:rPr lang="en-US" dirty="0"/>
+              <a:t>Most commonly we are modeling counts or rates</a:t>
+            </a:r>
+          </a:p>
+          <a:p>
+            <a:r>
+              <a:rPr lang="en-US" dirty="0"/>
+              <a:t>Use Poisson or negative binomial regression</a:t>
+            </a:r>
+          </a:p>
+          <a:p>
+            <a:endParaRPr lang="en-US" dirty="0"/>
+          </a:p>
+          <a:p>
+            <a:pPr marL="0" indent="0">
+              <a:buNone/>
             </a:pPr>
             <a:r>
-              <a:rPr lang="en-US" sz="2400" dirty="0"/>
-              <a:t>Estimate percent of pneumonia cases attributable to influenza, RSV</a:t>
-            </a:r>
-          </a:p>
-          <a:p>
-            <a:pPr indent="288925">
-              <a:buFontTx/>
-              <a:buChar char="•"/>
+              <a:rPr lang="en-US" dirty="0"/>
+              <a:t>log(</a:t>
+            </a:r>
+            <a:r>
+              <a:rPr lang="en-US" dirty="0" err="1"/>
+              <a:t>lambda</a:t>
+            </a:r>
+            <a:r>
+              <a:rPr lang="en-US" baseline="-25000" dirty="0" err="1"/>
+              <a:t>t</a:t>
+            </a:r>
+            <a:r>
+              <a:rPr lang="en-US" dirty="0"/>
+              <a:t>)=  b0 + b1*sin(2*pi*t/period) + b2*cos(2*pi*t/period)</a:t>
+            </a:r>
+          </a:p>
+          <a:p>
+            <a:pPr marL="0" indent="0">
+              <a:buNone/>
             </a:pPr>
             <a:r>
-              <a:rPr lang="en-US" sz="2400" dirty="0"/>
-              <a:t>Need to control for shared seasonality of influenza and pneumonia time series using harmonics</a:t>
-            </a:r>
-          </a:p>
-          <a:p>
-            <a:pPr indent="288925">
-              <a:buFontTx/>
-              <a:buChar char="•"/>
-            </a:pPr>
-            <a:r>
-              <a:rPr lang="en-US" sz="2400" dirty="0"/>
-              <a:t>Decompose into trend, seasonality, viral activity</a:t>
-            </a:r>
-          </a:p>
-          <a:p>
-            <a:pPr indent="288925">
-              <a:buFontTx/>
-              <a:buChar char="•"/>
-            </a:pPr>
-            <a:r>
-              <a:rPr lang="en-US" sz="2400" dirty="0"/>
-              <a:t>Outcome variable = weekly pneumonia and influenza hospitalization rate</a:t>
-            </a:r>
-          </a:p>
-          <a:p>
-            <a:pPr indent="288925">
-              <a:buFontTx/>
-              <a:buChar char="•"/>
-            </a:pPr>
-            <a:r>
-              <a:rPr lang="en-US" sz="2400" dirty="0"/>
-              <a:t>Explanatory variables=influenza-specific and RSV-specific hospitalizations (proxies of viral activity); harmonics, trends</a:t>
-            </a:r>
-          </a:p>
-          <a:p>
-            <a:pPr indent="288925">
-              <a:buFontTx/>
-              <a:buChar char="•"/>
-            </a:pPr>
-            <a:r>
-              <a:rPr lang="en-US" sz="2400" dirty="0"/>
-              <a:t>Poisson (or negative binomial) regression for count data</a:t>
-            </a:r>
-          </a:p>
-          <a:p>
-            <a:pPr indent="288925"/>
-            <a:endParaRPr lang="en-US" sz="2400" dirty="0"/>
-          </a:p>
-          <a:p>
-            <a:pPr indent="288925">
-              <a:buFontTx/>
-              <a:buChar char="•"/>
-            </a:pPr>
-            <a:endParaRPr lang="en-US" sz="2400" dirty="0"/>
+              <a:rPr lang="en-US" dirty="0"/>
+              <a:t>				</a:t>
+            </a:r>
+            <a:r>
+              <a:rPr lang="en-US" dirty="0" err="1"/>
+              <a:t>Counts</a:t>
+            </a:r>
+            <a:r>
+              <a:rPr lang="en-US" baseline="-25000" dirty="0" err="1"/>
+              <a:t>t</a:t>
+            </a:r>
+            <a:r>
+              <a:rPr lang="en-US" dirty="0" err="1"/>
+              <a:t>~Poisson</a:t>
+            </a:r>
+            <a:r>
+              <a:rPr lang="en-US" dirty="0"/>
+              <a:t>(</a:t>
+            </a:r>
+            <a:r>
+              <a:rPr lang="en-US" dirty="0" err="1"/>
+              <a:t>lambda</a:t>
+            </a:r>
+            <a:r>
+              <a:rPr lang="en-US" baseline="-25000" dirty="0" err="1"/>
+              <a:t>t</a:t>
+            </a:r>
+            <a:r>
+              <a:rPr lang="en-US" dirty="0"/>
+              <a:t>)</a:t>
+            </a:r>
           </a:p>
         </p:txBody>
       </p:sp>
     </p:spTree>
     <p:extLst>
       <p:ext uri="{BB962C8B-B14F-4D97-AF65-F5344CB8AC3E}">
-        <p14:creationId xmlns:p14="http://schemas.microsoft.com/office/powerpoint/2010/main" val="2675732755"/>
+        <p14:creationId xmlns:p14="http://schemas.microsoft.com/office/powerpoint/2010/main" val="2341890146"/>
       </p:ext>
     </p:extLst>
   </p:cSld>
@@ -10546,7 +11735,133 @@
       </p:grpSpPr>
       <p:sp>
         <p:nvSpPr>
-          <p:cNvPr id="129031" name="Text Box 5"/>
+          <p:cNvPr id="2" name="Title 1">
+            <a:extLst>
+              <a:ext uri="{FF2B5EF4-FFF2-40B4-BE49-F238E27FC236}">
+                <a16:creationId xmlns:a16="http://schemas.microsoft.com/office/drawing/2014/main" id="{6574D50F-4996-452A-BEAF-225525A9278F}"/>
+              </a:ext>
+            </a:extLst>
+          </p:cNvPr>
+          <p:cNvSpPr>
+            <a:spLocks noGrp="1"/>
+          </p:cNvSpPr>
+          <p:nvPr>
+            <p:ph type="title"/>
+          </p:nvPr>
+        </p:nvSpPr>
+        <p:spPr>
+          <a:xfrm>
+            <a:off x="609600" y="2819400"/>
+            <a:ext cx="10972800" cy="1143000"/>
+          </a:xfrm>
+        </p:spPr>
+        <p:txBody>
+          <a:bodyPr/>
+          <a:lstStyle/>
+          <a:p>
+            <a:r>
+              <a:rPr lang="en-US" dirty="0"/>
+              <a:t>Harmonic regression example in R</a:t>
+            </a:r>
+          </a:p>
+        </p:txBody>
+      </p:sp>
+    </p:spTree>
+    <p:extLst>
+      <p:ext uri="{BB962C8B-B14F-4D97-AF65-F5344CB8AC3E}">
+        <p14:creationId xmlns:p14="http://schemas.microsoft.com/office/powerpoint/2010/main" val="2503296379"/>
+      </p:ext>
+    </p:extLst>
+  </p:cSld>
+  <p:clrMapOvr>
+    <a:masterClrMapping/>
+  </p:clrMapOvr>
+</p:sld>
+</file>
+
+<file path=ppt/slides/slide21.xml><?xml version="1.0" encoding="utf-8"?>
+<p:sld xmlns:a="http://schemas.openxmlformats.org/drawingml/2006/main" xmlns:r="http://schemas.openxmlformats.org/officeDocument/2006/relationships" xmlns:p="http://schemas.openxmlformats.org/presentationml/2006/main">
+  <p:cSld>
+    <p:spTree>
+      <p:nvGrpSpPr>
+        <p:cNvPr id="1" name=""/>
+        <p:cNvGrpSpPr/>
+        <p:nvPr/>
+      </p:nvGrpSpPr>
+      <p:grpSpPr>
+        <a:xfrm>
+          <a:off x="0" y="0"/>
+          <a:ext cx="0" cy="0"/>
+          <a:chOff x="0" y="0"/>
+          <a:chExt cx="0" cy="0"/>
+        </a:xfrm>
+      </p:grpSpPr>
+      <p:sp>
+        <p:nvSpPr>
+          <p:cNvPr id="119809" name="Rectangle 2"/>
+          <p:cNvSpPr>
+            <a:spLocks noGrp="1" noChangeArrowheads="1"/>
+          </p:cNvSpPr>
+          <p:nvPr>
+            <p:ph type="title" idx="4294967295"/>
+          </p:nvPr>
+        </p:nvSpPr>
+        <p:spPr>
+          <a:xfrm>
+            <a:off x="1520059" y="762001"/>
+            <a:ext cx="9067800" cy="1143000"/>
+          </a:xfrm>
+        </p:spPr>
+        <p:txBody>
+          <a:bodyPr anchor="b"/>
+          <a:lstStyle/>
+          <a:p>
+            <a:pPr eaLnBrk="1" hangingPunct="1"/>
+            <a:r>
+              <a:rPr lang="en-US" sz="4000" dirty="0">
+                <a:solidFill>
+                  <a:schemeClr val="tx2">
+                    <a:lumMod val="75000"/>
+                  </a:schemeClr>
+                </a:solidFill>
+              </a:rPr>
+              <a:t>Example :</a:t>
+            </a:r>
+            <a:r>
+              <a:rPr lang="en-US" sz="3700" dirty="0">
+                <a:solidFill>
+                  <a:schemeClr val="tx2">
+                    <a:lumMod val="75000"/>
+                  </a:schemeClr>
+                </a:solidFill>
+              </a:rPr>
+              <a:t>Estimation of influenza </a:t>
+            </a:r>
+            <a:br>
+              <a:rPr lang="en-US" sz="3700" dirty="0">
+                <a:solidFill>
+                  <a:schemeClr val="tx2">
+                    <a:lumMod val="75000"/>
+                  </a:schemeClr>
+                </a:solidFill>
+              </a:rPr>
+            </a:br>
+            <a:r>
+              <a:rPr lang="en-US" sz="3700" dirty="0">
+                <a:solidFill>
+                  <a:schemeClr val="tx2">
+                    <a:lumMod val="75000"/>
+                  </a:schemeClr>
+                </a:solidFill>
+              </a:rPr>
+              <a:t>hospitalization burden</a:t>
+            </a:r>
+          </a:p>
+        </p:txBody>
+      </p:sp>
+      <p:sp>
+        <p:nvSpPr>
+          <p:cNvPr id="119810" name="Text Box 6"/>
           <p:cNvSpPr txBox="1">
             <a:spLocks noChangeArrowheads="1"/>
           </p:cNvSpPr>
@@ -10554,8 +11869,8 @@
         </p:nvSpPr>
         <p:spPr bwMode="auto">
           <a:xfrm>
-            <a:off x="0" y="741453"/>
-            <a:ext cx="12344400" cy="1015663"/>
+            <a:off x="719959" y="2362200"/>
+            <a:ext cx="10668000" cy="3785652"/>
           </a:xfrm>
           <a:prstGeom prst="rect">
             <a:avLst/>
@@ -10574,6 +11889,138 @@
           </a:bodyPr>
           <a:lstStyle/>
           <a:p>
+            <a:pPr indent="288925">
+              <a:buFontTx/>
+              <a:buChar char="•"/>
+            </a:pPr>
+            <a:r>
+              <a:rPr lang="en-US" sz="2400" dirty="0"/>
+              <a:t>Estimate percent of pneumonia cases attributable to influenza, RSV</a:t>
+            </a:r>
+          </a:p>
+          <a:p>
+            <a:pPr indent="288925">
+              <a:buFontTx/>
+              <a:buChar char="•"/>
+            </a:pPr>
+            <a:r>
+              <a:rPr lang="en-US" sz="2400" dirty="0"/>
+              <a:t>Need to control for shared seasonality of influenza and pneumonia time series using harmonics</a:t>
+            </a:r>
+          </a:p>
+          <a:p>
+            <a:pPr indent="288925">
+              <a:buFontTx/>
+              <a:buChar char="•"/>
+            </a:pPr>
+            <a:r>
+              <a:rPr lang="en-US" sz="2400" dirty="0"/>
+              <a:t>Decompose into trend, seasonality, viral activity</a:t>
+            </a:r>
+          </a:p>
+          <a:p>
+            <a:pPr indent="288925">
+              <a:buFontTx/>
+              <a:buChar char="•"/>
+            </a:pPr>
+            <a:r>
+              <a:rPr lang="en-US" sz="2400" dirty="0"/>
+              <a:t>Outcome variable = weekly pneumonia and influenza hospitalization rate</a:t>
+            </a:r>
+          </a:p>
+          <a:p>
+            <a:pPr indent="288925">
+              <a:buFontTx/>
+              <a:buChar char="•"/>
+            </a:pPr>
+            <a:r>
+              <a:rPr lang="en-US" sz="2400" dirty="0"/>
+              <a:t>Explanatory variables=influenza-specific and RSV-specific hospitalizations (proxies of viral activity); harmonics, trends</a:t>
+            </a:r>
+          </a:p>
+          <a:p>
+            <a:pPr indent="288925">
+              <a:buFontTx/>
+              <a:buChar char="•"/>
+            </a:pPr>
+            <a:r>
+              <a:rPr lang="en-US" sz="2400" dirty="0"/>
+              <a:t>Poisson (or negative binomial) regression for count data</a:t>
+            </a:r>
+          </a:p>
+          <a:p>
+            <a:pPr indent="288925"/>
+            <a:endParaRPr lang="en-US" sz="2400" dirty="0"/>
+          </a:p>
+          <a:p>
+            <a:pPr indent="288925">
+              <a:buFontTx/>
+              <a:buChar char="•"/>
+            </a:pPr>
+            <a:endParaRPr lang="en-US" sz="2400" dirty="0"/>
+          </a:p>
+        </p:txBody>
+      </p:sp>
+    </p:spTree>
+    <p:extLst>
+      <p:ext uri="{BB962C8B-B14F-4D97-AF65-F5344CB8AC3E}">
+        <p14:creationId xmlns:p14="http://schemas.microsoft.com/office/powerpoint/2010/main" val="2675732755"/>
+      </p:ext>
+    </p:extLst>
+  </p:cSld>
+  <p:clrMapOvr>
+    <a:masterClrMapping/>
+  </p:clrMapOvr>
+</p:sld>
+</file>
+
+<file path=ppt/slides/slide22.xml><?xml version="1.0" encoding="utf-8"?>
+<p:sld xmlns:a="http://schemas.openxmlformats.org/drawingml/2006/main" xmlns:r="http://schemas.openxmlformats.org/officeDocument/2006/relationships" xmlns:p="http://schemas.openxmlformats.org/presentationml/2006/main">
+  <p:cSld>
+    <p:spTree>
+      <p:nvGrpSpPr>
+        <p:cNvPr id="1" name=""/>
+        <p:cNvGrpSpPr/>
+        <p:nvPr/>
+      </p:nvGrpSpPr>
+      <p:grpSpPr>
+        <a:xfrm>
+          <a:off x="0" y="0"/>
+          <a:ext cx="0" cy="0"/>
+          <a:chOff x="0" y="0"/>
+          <a:chExt cx="0" cy="0"/>
+        </a:xfrm>
+      </p:grpSpPr>
+      <p:sp>
+        <p:nvSpPr>
+          <p:cNvPr id="129031" name="Text Box 5"/>
+          <p:cNvSpPr txBox="1">
+            <a:spLocks noChangeArrowheads="1"/>
+          </p:cNvSpPr>
+          <p:nvPr/>
+        </p:nvSpPr>
+        <p:spPr bwMode="auto">
+          <a:xfrm>
+            <a:off x="0" y="741453"/>
+            <a:ext cx="12344400" cy="1015663"/>
+          </a:xfrm>
+          <a:prstGeom prst="rect">
+            <a:avLst/>
+          </a:prstGeom>
+          <a:noFill/>
+          <a:ln w="9525">
+            <a:noFill/>
+            <a:miter lim="800000"/>
+            <a:headEnd/>
+            <a:tailEnd/>
+          </a:ln>
+        </p:spPr>
+        <p:txBody>
+          <a:bodyPr wrap="square">
+            <a:spAutoFit/>
+          </a:bodyPr>
+          <a:lstStyle/>
+          <a:p>
             <a:pPr algn="ctr">
               <a:spcBef>
                 <a:spcPct val="50000"/>
@@ -10596,9 +12043,7 @@
           <p:cNvGraphicFramePr>
             <a:graphicFrameLocks noChangeAspect="1"/>
           </p:cNvGraphicFramePr>
-          <p:nvPr>
-            <p:extLst/>
-          </p:nvPr>
+          <p:nvPr/>
         </p:nvGraphicFramePr>
         <p:xfrm>
           <a:off x="2133600" y="1597268"/>
@@ -10608,12 +12053,12 @@
           <a:graphicData uri="http://schemas.openxmlformats.org/presentationml/2006/ole">
             <mc:AlternateContent xmlns:mc="http://schemas.openxmlformats.org/markup-compatibility/2006">
               <mc:Choice xmlns:v="urn:schemas-microsoft-com:vml" Requires="v">
-                <p:oleObj spid="_x0000_s10264" name="Chart" r:id="rId4" imgW="7724851" imgH="5086248" progId="Excel.Sheet.8">
+                <p:oleObj name="Chart" r:id="rId3" imgW="7724851" imgH="5086248" progId="Excel.Sheet.8">
                   <p:embed/>
                 </p:oleObj>
               </mc:Choice>
               <mc:Fallback>
-                <p:oleObj name="Chart" r:id="rId4" imgW="7724851" imgH="5086248" progId="Excel.Sheet.8">
+                <p:oleObj name="Chart" r:id="rId3" imgW="7724851" imgH="5086248" progId="Excel.Sheet.8">
                   <p:embed/>
                   <p:pic>
                     <p:nvPicPr>
@@ -10624,7 +12069,7 @@
                       <p:nvPr/>
                     </p:nvPicPr>
                     <p:blipFill>
-                      <a:blip r:embed="rId5">
+                      <a:blip r:embed="rId4">
                         <a:extLst>
                           <a:ext uri="{28A0092B-C50C-407E-A947-70E740481C1C}">
                             <a14:useLocalDpi xmlns:a14="http://schemas.microsoft.com/office/drawing/2010/main" val="0"/>
@@ -10649,7 +12094,6 @@
                         <a:noFill/>
                       </a:ln>
                       <a:effectLst/>
-                      <a:extLst/>
                     </p:spPr>
                   </p:pic>
                 </p:oleObj>
@@ -10664,9 +12108,7 @@
           <p:cNvGraphicFramePr>
             <a:graphicFrameLocks noChangeAspect="1"/>
           </p:cNvGraphicFramePr>
-          <p:nvPr>
-            <p:extLst/>
-          </p:nvPr>
+          <p:nvPr/>
         </p:nvGraphicFramePr>
         <p:xfrm>
           <a:off x="5867400" y="1733468"/>
@@ -10676,12 +12118,12 @@
           <a:graphicData uri="http://schemas.openxmlformats.org/presentationml/2006/ole">
             <mc:AlternateContent xmlns:mc="http://schemas.openxmlformats.org/markup-compatibility/2006">
               <mc:Choice xmlns:v="urn:schemas-microsoft-com:vml" Requires="v">
-                <p:oleObj spid="_x0000_s10265" name="Equation" r:id="rId6" imgW="3340080" imgH="507960" progId="Equation.3">
+                <p:oleObj name="Equation" r:id="rId5" imgW="3340080" imgH="507960" progId="Equation.3">
                   <p:embed/>
                 </p:oleObj>
               </mc:Choice>
               <mc:Fallback>
-                <p:oleObj name="Equation" r:id="rId6" imgW="3340080" imgH="507960" progId="Equation.3">
+                <p:oleObj name="Equation" r:id="rId5" imgW="3340080" imgH="507960" progId="Equation.3">
                   <p:embed/>
                   <p:pic>
                     <p:nvPicPr>
@@ -10692,7 +12134,7 @@
                       <p:nvPr/>
                     </p:nvPicPr>
                     <p:blipFill>
-                      <a:blip r:embed="rId7">
+                      <a:blip r:embed="rId6">
                         <a:extLst>
                           <a:ext uri="{28A0092B-C50C-407E-A947-70E740481C1C}">
                             <a14:useLocalDpi xmlns:a14="http://schemas.microsoft.com/office/drawing/2010/main" val="0"/>
@@ -10743,7 +12185,7 @@
 </p:sld>
 </file>
 
-<file path=ppt/slides/slide21.xml><?xml version="1.0" encoding="utf-8"?>
+<file path=ppt/slides/slide23.xml><?xml version="1.0" encoding="utf-8"?>
 <p:sld xmlns:a="http://schemas.openxmlformats.org/drawingml/2006/main" xmlns:r="http://schemas.openxmlformats.org/officeDocument/2006/relationships" xmlns:p="http://schemas.openxmlformats.org/presentationml/2006/main">
   <p:cSld>
     <p:spTree>
@@ -10788,12 +12230,12 @@
           <a:graphicData uri="http://schemas.openxmlformats.org/presentationml/2006/ole">
             <mc:AlternateContent xmlns:mc="http://schemas.openxmlformats.org/markup-compatibility/2006">
               <mc:Choice xmlns:v="urn:schemas-microsoft-com:vml" Requires="v">
-                <p:oleObj spid="_x0000_s11288" name="Equation" r:id="rId3" imgW="3022560" imgH="533160" progId="Equation.DSMT4">
+                <p:oleObj name="Equation" r:id="rId2" imgW="3022560" imgH="533160" progId="Equation.DSMT4">
                   <p:embed/>
                 </p:oleObj>
               </mc:Choice>
               <mc:Fallback>
-                <p:oleObj name="Equation" r:id="rId3" imgW="3022560" imgH="533160" progId="Equation.DSMT4">
+                <p:oleObj name="Equation" r:id="rId2" imgW="3022560" imgH="533160" progId="Equation.DSMT4">
                   <p:embed/>
                   <p:pic>
                     <p:nvPicPr>
@@ -10804,7 +12246,7 @@
                       <p:nvPr/>
                     </p:nvPicPr>
                     <p:blipFill>
-                      <a:blip r:embed="rId4"/>
+                      <a:blip r:embed="rId3"/>
                       <a:srcRect/>
                       <a:stretch>
                         <a:fillRect/>
@@ -10819,7 +12261,6 @@
                         <a:avLst/>
                       </a:prstGeom>
                       <a:noFill/>
-                      <a:extLst/>
                     </p:spPr>
                   </p:pic>
                 </p:oleObj>
@@ -10856,12 +12297,12 @@
           <a:graphicData uri="http://schemas.openxmlformats.org/presentationml/2006/ole">
             <mc:AlternateContent xmlns:mc="http://schemas.openxmlformats.org/markup-compatibility/2006">
               <mc:Choice xmlns:v="urn:schemas-microsoft-com:vml" Requires="v">
-                <p:oleObj spid="_x0000_s11289" name="Equation" r:id="rId5" imgW="3047760" imgH="507960" progId="Equation.DSMT4">
+                <p:oleObj name="Equation" r:id="rId4" imgW="3047760" imgH="507960" progId="Equation.DSMT4">
                   <p:embed/>
                 </p:oleObj>
               </mc:Choice>
               <mc:Fallback>
-                <p:oleObj name="Equation" r:id="rId5" imgW="3047760" imgH="507960" progId="Equation.DSMT4">
+                <p:oleObj name="Equation" r:id="rId4" imgW="3047760" imgH="507960" progId="Equation.DSMT4">
                   <p:embed/>
                   <p:pic>
                     <p:nvPicPr>
@@ -10878,7 +12319,7 @@
                       <p:nvPr/>
                     </p:nvPicPr>
                     <p:blipFill>
-                      <a:blip r:embed="rId6"/>
+                      <a:blip r:embed="rId5"/>
                       <a:srcRect/>
                       <a:stretch>
                         <a:fillRect/>
@@ -10893,7 +12334,6 @@
                         <a:avLst/>
                       </a:prstGeom>
                       <a:noFill/>
-                      <a:extLst/>
                     </p:spPr>
                   </p:pic>
                 </p:oleObj>
@@ -11074,7 +12514,7 @@
 </p:sld>
 </file>
 
-<file path=ppt/slides/slide22.xml><?xml version="1.0" encoding="utf-8"?>
+<file path=ppt/slides/slide24.xml><?xml version="1.0" encoding="utf-8"?>
 <p:sld xmlns:a="http://schemas.openxmlformats.org/drawingml/2006/main" xmlns:r="http://schemas.openxmlformats.org/officeDocument/2006/relationships" xmlns:p="http://schemas.openxmlformats.org/presentationml/2006/main">
   <p:cSld>
     <p:spTree>
@@ -11168,7 +12608,7 @@
 </p:sld>
 </file>
 
-<file path=ppt/slides/slide23.xml><?xml version="1.0" encoding="utf-8"?>
+<file path=ppt/slides/slide25.xml><?xml version="1.0" encoding="utf-8"?>
 <p:sld xmlns:a="http://schemas.openxmlformats.org/drawingml/2006/main" xmlns:r="http://schemas.openxmlformats.org/officeDocument/2006/relationships" xmlns:p="http://schemas.openxmlformats.org/presentationml/2006/main">
   <p:cSld>
     <p:spTree>
@@ -11664,7 +13104,7 @@
 </p:sld>
 </file>
 
-<file path=ppt/slides/slide24.xml><?xml version="1.0" encoding="utf-8"?>
+<file path=ppt/slides/slide26.xml><?xml version="1.0" encoding="utf-8"?>
 <p:sld xmlns:a="http://schemas.openxmlformats.org/drawingml/2006/main" xmlns:r="http://schemas.openxmlformats.org/officeDocument/2006/relationships" xmlns:p="http://schemas.openxmlformats.org/presentationml/2006/main">
   <p:cSld>
     <p:spTree>
@@ -13534,7 +14974,7 @@
 </p:sld>
 </file>
 
-<file path=ppt/slides/slide25.xml><?xml version="1.0" encoding="utf-8"?>
+<file path=ppt/slides/slide27.xml><?xml version="1.0" encoding="utf-8"?>
 <p:sld xmlns:a="http://schemas.openxmlformats.org/drawingml/2006/main" xmlns:r="http://schemas.openxmlformats.org/officeDocument/2006/relationships" xmlns:p="http://schemas.openxmlformats.org/presentationml/2006/main">
   <p:cSld>
     <p:spTree>
@@ -14831,7 +16271,7 @@
 </p:sld>
 </file>
 
-<file path=ppt/slides/slide26.xml><?xml version="1.0" encoding="utf-8"?>
+<file path=ppt/slides/slide28.xml><?xml version="1.0" encoding="utf-8"?>
 <p:sld xmlns:a="http://schemas.openxmlformats.org/drawingml/2006/main" xmlns:r="http://schemas.openxmlformats.org/officeDocument/2006/relationships" xmlns:p="http://schemas.openxmlformats.org/presentationml/2006/main">
   <p:cSld>
     <p:spTree>
@@ -14932,7 +16372,7 @@
 </p:sld>
 </file>
 
-<file path=ppt/slides/slide27.xml><?xml version="1.0" encoding="utf-8"?>
+<file path=ppt/slides/slide29.xml><?xml version="1.0" encoding="utf-8"?>
 <p:sld xmlns:a="http://schemas.openxmlformats.org/drawingml/2006/main" xmlns:r="http://schemas.openxmlformats.org/officeDocument/2006/relationships" xmlns:p="http://schemas.openxmlformats.org/presentationml/2006/main">
   <p:cSld>
     <p:spTree>
@@ -14984,7 +16424,87 @@
 </p:sld>
 </file>
 
-<file path=ppt/slides/slide28.xml><?xml version="1.0" encoding="utf-8"?>
+<file path=ppt/slides/slide3.xml><?xml version="1.0" encoding="utf-8"?>
+<p:sld xmlns:a="http://schemas.openxmlformats.org/drawingml/2006/main" xmlns:r="http://schemas.openxmlformats.org/officeDocument/2006/relationships" xmlns:p="http://schemas.openxmlformats.org/presentationml/2006/main">
+  <p:cSld>
+    <p:spTree>
+      <p:nvGrpSpPr>
+        <p:cNvPr id="1" name=""/>
+        <p:cNvGrpSpPr/>
+        <p:nvPr/>
+      </p:nvGrpSpPr>
+      <p:grpSpPr>
+        <a:xfrm>
+          <a:off x="0" y="0"/>
+          <a:ext cx="0" cy="0"/>
+          <a:chOff x="0" y="0"/>
+          <a:chExt cx="0" cy="0"/>
+        </a:xfrm>
+      </p:grpSpPr>
+      <p:sp>
+        <p:nvSpPr>
+          <p:cNvPr id="2" name="Title 1">
+            <a:extLst>
+              <a:ext uri="{FF2B5EF4-FFF2-40B4-BE49-F238E27FC236}">
+                <a16:creationId xmlns:a16="http://schemas.microsoft.com/office/drawing/2014/main" id="{79889424-41B9-D5A5-DB50-1588C3224BB3}"/>
+              </a:ext>
+            </a:extLst>
+          </p:cNvPr>
+          <p:cNvSpPr>
+            <a:spLocks noGrp="1"/>
+          </p:cNvSpPr>
+          <p:nvPr>
+            <p:ph type="title"/>
+          </p:nvPr>
+        </p:nvSpPr>
+        <p:spPr/>
+        <p:txBody>
+          <a:bodyPr/>
+          <a:lstStyle/>
+          <a:p>
+            <a:endParaRPr lang="en-US"/>
+          </a:p>
+        </p:txBody>
+      </p:sp>
+      <p:sp>
+        <p:nvSpPr>
+          <p:cNvPr id="3" name="Content Placeholder 2">
+            <a:extLst>
+              <a:ext uri="{FF2B5EF4-FFF2-40B4-BE49-F238E27FC236}">
+                <a16:creationId xmlns:a16="http://schemas.microsoft.com/office/drawing/2014/main" id="{B9DA4C1F-876B-03E2-D3D9-4DFF51DF51EC}"/>
+              </a:ext>
+            </a:extLst>
+          </p:cNvPr>
+          <p:cNvSpPr>
+            <a:spLocks noGrp="1"/>
+          </p:cNvSpPr>
+          <p:nvPr>
+            <p:ph idx="1"/>
+          </p:nvPr>
+        </p:nvSpPr>
+        <p:spPr/>
+        <p:txBody>
+          <a:bodyPr/>
+          <a:lstStyle/>
+          <a:p>
+            <a:endParaRPr lang="en-US"/>
+          </a:p>
+        </p:txBody>
+      </p:sp>
+    </p:spTree>
+    <p:extLst>
+      <p:ext uri="{BB962C8B-B14F-4D97-AF65-F5344CB8AC3E}">
+        <p14:creationId xmlns:p14="http://schemas.microsoft.com/office/powerpoint/2010/main" val="2773044514"/>
+      </p:ext>
+    </p:extLst>
+  </p:cSld>
+  <p:clrMapOvr>
+    <a:masterClrMapping/>
+  </p:clrMapOvr>
+</p:sld>
+</file>
+
+<file path=ppt/slides/slide30.xml><?xml version="1.0" encoding="utf-8"?>
 <p:sld xmlns:a="http://schemas.openxmlformats.org/drawingml/2006/main" xmlns:r="http://schemas.openxmlformats.org/officeDocument/2006/relationships" xmlns:p="http://schemas.openxmlformats.org/presentationml/2006/main">
   <p:cSld>
     <p:spTree>
@@ -15381,7 +16901,7 @@
 </p:sld>
 </file>
 
-<file path=ppt/slides/slide29.xml><?xml version="1.0" encoding="utf-8"?>
+<file path=ppt/slides/slide31.xml><?xml version="1.0" encoding="utf-8"?>
 <p:sld xmlns:a="http://schemas.openxmlformats.org/drawingml/2006/main" xmlns:r="http://schemas.openxmlformats.org/officeDocument/2006/relationships" xmlns:p="http://schemas.openxmlformats.org/presentationml/2006/main">
   <p:cSld>
     <p:spTree>
@@ -15678,129 +17198,7 @@
 </p:sld>
 </file>
 
-<file path=ppt/slides/slide3.xml><?xml version="1.0" encoding="utf-8"?>
-<p:sld xmlns:a="http://schemas.openxmlformats.org/drawingml/2006/main" xmlns:r="http://schemas.openxmlformats.org/officeDocument/2006/relationships" xmlns:p="http://schemas.openxmlformats.org/presentationml/2006/main">
-  <p:cSld>
-    <p:spTree>
-      <p:nvGrpSpPr>
-        <p:cNvPr id="1" name=""/>
-        <p:cNvGrpSpPr/>
-        <p:nvPr/>
-      </p:nvGrpSpPr>
-      <p:grpSpPr>
-        <a:xfrm>
-          <a:off x="0" y="0"/>
-          <a:ext cx="0" cy="0"/>
-          <a:chOff x="0" y="0"/>
-          <a:chExt cx="0" cy="0"/>
-        </a:xfrm>
-      </p:grpSpPr>
-      <p:sp>
-        <p:nvSpPr>
-          <p:cNvPr id="92161" name="Title 1"/>
-          <p:cNvSpPr>
-            <a:spLocks noGrp="1"/>
-          </p:cNvSpPr>
-          <p:nvPr>
-            <p:ph type="title" idx="4294967295"/>
-          </p:nvPr>
-        </p:nvSpPr>
-        <p:spPr>
-          <a:xfrm>
-            <a:off x="513735" y="1143000"/>
-            <a:ext cx="10744200" cy="1143000"/>
-          </a:xfrm>
-        </p:spPr>
-        <p:txBody>
-          <a:bodyPr/>
-          <a:lstStyle/>
-          <a:p>
-            <a:r>
-              <a:rPr lang="en-US" dirty="0"/>
-              <a:t>Motivating Question #1: Do the spatiotemporal dynamics of measles change after vaccination?</a:t>
-            </a:r>
-          </a:p>
-        </p:txBody>
-      </p:sp>
-      <p:pic>
-        <p:nvPicPr>
-          <p:cNvPr id="92162" name="Picture 2"/>
-          <p:cNvPicPr>
-            <a:picLocks noChangeAspect="1" noChangeArrowheads="1"/>
-          </p:cNvPicPr>
-          <p:nvPr/>
-        </p:nvPicPr>
-        <p:blipFill rotWithShape="1">
-          <a:blip r:embed="rId2" cstate="print"/>
-          <a:srcRect b="76385"/>
-          <a:stretch/>
-        </p:blipFill>
-        <p:spPr bwMode="auto">
-          <a:xfrm>
-            <a:off x="533400" y="2590800"/>
-            <a:ext cx="11013603" cy="1524000"/>
-          </a:xfrm>
-          <a:prstGeom prst="rect">
-            <a:avLst/>
-          </a:prstGeom>
-          <a:noFill/>
-          <a:ln w="9525">
-            <a:noFill/>
-            <a:miter lim="800000"/>
-            <a:headEnd/>
-            <a:tailEnd/>
-          </a:ln>
-        </p:spPr>
-      </p:pic>
-      <p:sp>
-        <p:nvSpPr>
-          <p:cNvPr id="6" name="TextBox 5">
-            <a:extLst>
-              <a:ext uri="{FF2B5EF4-FFF2-40B4-BE49-F238E27FC236}">
-                <a16:creationId xmlns:a16="http://schemas.microsoft.com/office/drawing/2014/main" id="{599BBC3E-36EF-4089-9D80-EEE2CB6E7314}"/>
-              </a:ext>
-            </a:extLst>
-          </p:cNvPr>
-          <p:cNvSpPr txBox="1"/>
-          <p:nvPr/>
-        </p:nvSpPr>
-        <p:spPr>
-          <a:xfrm>
-            <a:off x="152400" y="6400284"/>
-            <a:ext cx="2255519" cy="369332"/>
-          </a:xfrm>
-          <a:prstGeom prst="rect">
-            <a:avLst/>
-          </a:prstGeom>
-          <a:noFill/>
-        </p:spPr>
-        <p:txBody>
-          <a:bodyPr wrap="square" rtlCol="0">
-            <a:spAutoFit/>
-          </a:bodyPr>
-          <a:lstStyle/>
-          <a:p>
-            <a:r>
-              <a:rPr lang="en-US" dirty="0"/>
-              <a:t>Grenfell, Science</a:t>
-            </a:r>
-          </a:p>
-        </p:txBody>
-      </p:sp>
-    </p:spTree>
-    <p:extLst>
-      <p:ext uri="{BB962C8B-B14F-4D97-AF65-F5344CB8AC3E}">
-        <p14:creationId xmlns:p14="http://schemas.microsoft.com/office/powerpoint/2010/main" val="2212520446"/>
-      </p:ext>
-    </p:extLst>
-  </p:cSld>
-  <p:clrMapOvr>
-    <a:masterClrMapping/>
-  </p:clrMapOvr>
-</p:sld>
-</file>
-
-<file path=ppt/slides/slide30.xml><?xml version="1.0" encoding="utf-8"?>
+<file path=ppt/slides/slide32.xml><?xml version="1.0" encoding="utf-8"?>
 <p:sld xmlns:a="http://schemas.openxmlformats.org/drawingml/2006/main" xmlns:r="http://schemas.openxmlformats.org/officeDocument/2006/relationships" xmlns:p="http://schemas.openxmlformats.org/presentationml/2006/main">
   <p:cSld>
     <p:spTree>
@@ -16014,7 +17412,7 @@
 </p:sld>
 </file>
 
-<file path=ppt/slides/slide31.xml><?xml version="1.0" encoding="utf-8"?>
+<file path=ppt/slides/slide33.xml><?xml version="1.0" encoding="utf-8"?>
 <p:sld xmlns:a="http://schemas.openxmlformats.org/drawingml/2006/main" xmlns:r="http://schemas.openxmlformats.org/officeDocument/2006/relationships" xmlns:p="http://schemas.openxmlformats.org/presentationml/2006/main">
   <p:cSld>
     <p:spTree>
@@ -16094,7 +17492,7 @@
 </p:sld>
 </file>
 
-<file path=ppt/slides/slide32.xml><?xml version="1.0" encoding="utf-8"?>
+<file path=ppt/slides/slide34.xml><?xml version="1.0" encoding="utf-8"?>
 <p:sld xmlns:a="http://schemas.openxmlformats.org/drawingml/2006/main" xmlns:r="http://schemas.openxmlformats.org/officeDocument/2006/relationships" xmlns:p="http://schemas.openxmlformats.org/presentationml/2006/main">
   <p:cSld>
     <p:spTree>
@@ -16209,7 +17607,7 @@
 </p:sld>
 </file>
 
-<file path=ppt/slides/slide33.xml><?xml version="1.0" encoding="utf-8"?>
+<file path=ppt/slides/slide35.xml><?xml version="1.0" encoding="utf-8"?>
 <p:sld xmlns:a="http://schemas.openxmlformats.org/drawingml/2006/main" xmlns:r="http://schemas.openxmlformats.org/officeDocument/2006/relationships" xmlns:p="http://schemas.openxmlformats.org/presentationml/2006/main">
   <p:cSld>
     <p:spTree>
@@ -16431,7 +17829,7 @@
 </p:sld>
 </file>
 
-<file path=ppt/slides/slide34.xml><?xml version="1.0" encoding="utf-8"?>
+<file path=ppt/slides/slide36.xml><?xml version="1.0" encoding="utf-8"?>
 <p:sld xmlns:a="http://schemas.openxmlformats.org/drawingml/2006/main" xmlns:r="http://schemas.openxmlformats.org/officeDocument/2006/relationships" xmlns:p="http://schemas.openxmlformats.org/presentationml/2006/main">
   <p:cSld>
     <p:spTree>
@@ -16596,7 +17994,7 @@
 </p:sld>
 </file>
 
-<file path=ppt/slides/slide35.xml><?xml version="1.0" encoding="utf-8"?>
+<file path=ppt/slides/slide37.xml><?xml version="1.0" encoding="utf-8"?>
 <p:sld xmlns:a="http://schemas.openxmlformats.org/drawingml/2006/main" xmlns:r="http://schemas.openxmlformats.org/officeDocument/2006/relationships" xmlns:p="http://schemas.openxmlformats.org/presentationml/2006/main">
   <p:cSld>
     <p:spTree>
@@ -16649,7 +18047,6 @@
           </p:cNvGraphicFramePr>
           <p:nvPr>
             <p:ph idx="4294967295"/>
-            <p:extLst/>
           </p:nvPr>
         </p:nvGraphicFramePr>
         <p:xfrm>
@@ -16660,12 +18057,12 @@
           <a:graphicData uri="http://schemas.openxmlformats.org/presentationml/2006/ole">
             <mc:AlternateContent xmlns:mc="http://schemas.openxmlformats.org/markup-compatibility/2006">
               <mc:Choice xmlns:v="urn:schemas-microsoft-com:vml" Requires="v">
-                <p:oleObj spid="_x0000_s9334" name="Chart" r:id="rId3" imgW="5886602" imgH="3324149" progId="Excel.Sheet.8">
+                <p:oleObj name="Chart" r:id="rId2" imgW="5886602" imgH="3324149" progId="Excel.Sheet.8">
                   <p:embed/>
                 </p:oleObj>
               </mc:Choice>
               <mc:Fallback>
-                <p:oleObj name="Chart" r:id="rId3" imgW="5886602" imgH="3324149" progId="Excel.Sheet.8">
+                <p:oleObj name="Chart" r:id="rId2" imgW="5886602" imgH="3324149" progId="Excel.Sheet.8">
                   <p:embed/>
                   <p:pic>
                     <p:nvPicPr>
@@ -16676,7 +18073,7 @@
                       <p:nvPr/>
                     </p:nvPicPr>
                     <p:blipFill>
-                      <a:blip r:embed="rId4">
+                      <a:blip r:embed="rId3">
                         <a:extLst>
                           <a:ext uri="{28A0092B-C50C-407E-A947-70E740481C1C}">
                             <a14:useLocalDpi xmlns:a14="http://schemas.microsoft.com/office/drawing/2010/main" val="0"/>
@@ -16824,12 +18221,12 @@
           <a:graphicData uri="http://schemas.openxmlformats.org/presentationml/2006/ole">
             <mc:AlternateContent xmlns:mc="http://schemas.openxmlformats.org/markup-compatibility/2006">
               <mc:Choice xmlns:v="urn:schemas-microsoft-com:vml" Requires="v">
-                <p:oleObj spid="_x0000_s9335" name="Chart" r:id="rId5" imgW="5886602" imgH="3324149" progId="Excel.Sheet.8">
+                <p:oleObj name="Chart" r:id="rId4" imgW="5886602" imgH="3324149" progId="Excel.Sheet.8">
                   <p:embed/>
                 </p:oleObj>
               </mc:Choice>
               <mc:Fallback>
-                <p:oleObj name="Chart" r:id="rId5" imgW="5886602" imgH="3324149" progId="Excel.Sheet.8">
+                <p:oleObj name="Chart" r:id="rId4" imgW="5886602" imgH="3324149" progId="Excel.Sheet.8">
                   <p:embed/>
                   <p:pic>
                     <p:nvPicPr>
@@ -16840,7 +18237,7 @@
                       <p:nvPr/>
                     </p:nvPicPr>
                     <p:blipFill>
-                      <a:blip r:embed="rId6">
+                      <a:blip r:embed="rId5">
                         <a:extLst>
                           <a:ext uri="{28A0092B-C50C-407E-A947-70E740481C1C}">
                             <a14:useLocalDpi xmlns:a14="http://schemas.microsoft.com/office/drawing/2010/main" val="0"/>
@@ -17063,7 +18460,7 @@
           <p:nvPr/>
         </p:nvPicPr>
         <p:blipFill>
-          <a:blip r:embed="rId7" cstate="print"/>
+          <a:blip r:embed="rId6" cstate="print"/>
           <a:srcRect/>
           <a:stretch>
             <a:fillRect/>
@@ -17099,7 +18496,7 @@
 </p:sld>
 </file>
 
-<file path=ppt/slides/slide36.xml><?xml version="1.0" encoding="utf-8"?>
+<file path=ppt/slides/slide38.xml><?xml version="1.0" encoding="utf-8"?>
 <p:sld xmlns:a="http://schemas.openxmlformats.org/drawingml/2006/main" xmlns:r="http://schemas.openxmlformats.org/officeDocument/2006/relationships" xmlns:p="http://schemas.openxmlformats.org/presentationml/2006/main">
   <p:cSld>
     <p:spTree>
@@ -17452,550 +18849,6 @@
 </p:sld>
 </file>
 
-<file path=ppt/slides/slide37.xml><?xml version="1.0" encoding="utf-8"?>
-<p:sld xmlns:a="http://schemas.openxmlformats.org/drawingml/2006/main" xmlns:r="http://schemas.openxmlformats.org/officeDocument/2006/relationships" xmlns:p="http://schemas.openxmlformats.org/presentationml/2006/main">
-  <p:cSld>
-    <p:spTree>
-      <p:nvGrpSpPr>
-        <p:cNvPr id="1" name=""/>
-        <p:cNvGrpSpPr/>
-        <p:nvPr/>
-      </p:nvGrpSpPr>
-      <p:grpSpPr>
-        <a:xfrm>
-          <a:off x="0" y="0"/>
-          <a:ext cx="0" cy="0"/>
-          <a:chOff x="0" y="0"/>
-          <a:chExt cx="0" cy="0"/>
-        </a:xfrm>
-      </p:grpSpPr>
-      <p:sp>
-        <p:nvSpPr>
-          <p:cNvPr id="88065" name="Rectangle 10"/>
-          <p:cNvSpPr>
-            <a:spLocks noChangeArrowheads="1"/>
-          </p:cNvSpPr>
-          <p:nvPr/>
-        </p:nvSpPr>
-        <p:spPr bwMode="auto">
-          <a:xfrm>
-            <a:off x="1555531" y="914454"/>
-            <a:ext cx="533400" cy="6858000"/>
-          </a:xfrm>
-          <a:prstGeom prst="rect">
-            <a:avLst/>
-          </a:prstGeom>
-          <a:solidFill>
-            <a:schemeClr val="bg1"/>
-          </a:solidFill>
-          <a:ln w="9525">
-            <a:noFill/>
-            <a:miter lim="800000"/>
-            <a:headEnd/>
-            <a:tailEnd/>
-          </a:ln>
-        </p:spPr>
-        <p:txBody>
-          <a:bodyPr wrap="none" anchor="ctr"/>
-          <a:lstStyle/>
-          <a:p>
-            <a:endParaRPr lang="en-US"/>
-          </a:p>
-        </p:txBody>
-      </p:sp>
-      <p:pic>
-        <p:nvPicPr>
-          <p:cNvPr id="88066" name="Picture 2"/>
-          <p:cNvPicPr>
-            <a:picLocks noChangeAspect="1" noChangeArrowheads="1"/>
-          </p:cNvPicPr>
-          <p:nvPr/>
-        </p:nvPicPr>
-        <p:blipFill>
-          <a:blip r:embed="rId2" cstate="print"/>
-          <a:srcRect/>
-          <a:stretch>
-            <a:fillRect/>
-          </a:stretch>
-        </p:blipFill>
-        <p:spPr bwMode="auto">
-          <a:xfrm>
-            <a:off x="3003331" y="990600"/>
-            <a:ext cx="5334000" cy="5326063"/>
-          </a:xfrm>
-          <a:prstGeom prst="rect">
-            <a:avLst/>
-          </a:prstGeom>
-          <a:noFill/>
-          <a:ln w="9525">
-            <a:noFill/>
-            <a:miter lim="800000"/>
-            <a:headEnd/>
-            <a:tailEnd/>
-          </a:ln>
-        </p:spPr>
-      </p:pic>
-      <p:sp>
-        <p:nvSpPr>
-          <p:cNvPr id="88067" name="Rectangle 3"/>
-          <p:cNvSpPr>
-            <a:spLocks noGrp="1" noChangeArrowheads="1"/>
-          </p:cNvSpPr>
-          <p:nvPr>
-            <p:ph type="title" idx="4294967295"/>
-          </p:nvPr>
-        </p:nvSpPr>
-        <p:spPr>
-          <a:xfrm>
-            <a:off x="1524000" y="274638"/>
-            <a:ext cx="8229600" cy="1143000"/>
-          </a:xfrm>
-        </p:spPr>
-        <p:txBody>
-          <a:bodyPr/>
-          <a:lstStyle/>
-          <a:p>
-            <a:pPr eaLnBrk="1" hangingPunct="1"/>
-            <a:r>
-              <a:rPr lang="en-US" sz="4000"/>
-              <a:t>Wavelet spectrum of a sine wave</a:t>
-            </a:r>
-          </a:p>
-        </p:txBody>
-      </p:sp>
-      <p:sp>
-        <p:nvSpPr>
-          <p:cNvPr id="88068" name="Line 7"/>
-          <p:cNvSpPr>
-            <a:spLocks noChangeShapeType="1"/>
-          </p:cNvSpPr>
-          <p:nvPr/>
-        </p:nvSpPr>
-        <p:spPr bwMode="auto">
-          <a:xfrm flipH="1" flipV="1">
-            <a:off x="7422931" y="2971799"/>
-            <a:ext cx="1447800" cy="2133600"/>
-          </a:xfrm>
-          <a:prstGeom prst="line">
-            <a:avLst/>
-          </a:prstGeom>
-          <a:noFill/>
-          <a:ln w="9525">
-            <a:solidFill>
-              <a:schemeClr val="tx1"/>
-            </a:solidFill>
-            <a:round/>
-            <a:headEnd/>
-            <a:tailEnd type="triangle" w="med" len="med"/>
-          </a:ln>
-        </p:spPr>
-        <p:txBody>
-          <a:bodyPr/>
-          <a:lstStyle/>
-          <a:p>
-            <a:endParaRPr lang="en-US"/>
-          </a:p>
-        </p:txBody>
-      </p:sp>
-      <p:sp>
-        <p:nvSpPr>
-          <p:cNvPr id="88069" name="Text Box 8"/>
-          <p:cNvSpPr txBox="1">
-            <a:spLocks noChangeArrowheads="1"/>
-          </p:cNvSpPr>
-          <p:nvPr/>
-        </p:nvSpPr>
-        <p:spPr bwMode="auto">
-          <a:xfrm>
-            <a:off x="8229381" y="5105399"/>
-            <a:ext cx="2470150" cy="915988"/>
-          </a:xfrm>
-          <a:prstGeom prst="rect">
-            <a:avLst/>
-          </a:prstGeom>
-          <a:noFill/>
-          <a:ln w="9525">
-            <a:noFill/>
-            <a:miter lim="800000"/>
-            <a:headEnd/>
-            <a:tailEnd/>
-          </a:ln>
-        </p:spPr>
-        <p:txBody>
-          <a:bodyPr wrap="none">
-            <a:spAutoFit/>
-          </a:bodyPr>
-          <a:lstStyle/>
-          <a:p>
-            <a:r>
-              <a:rPr lang="en-US"/>
-              <a:t>“Global wavelet”=</a:t>
-            </a:r>
-          </a:p>
-          <a:p>
-            <a:r>
-              <a:rPr lang="en-US"/>
-              <a:t>Average across entire </a:t>
-            </a:r>
-          </a:p>
-          <a:p>
-            <a:r>
-              <a:rPr lang="en-US"/>
-              <a:t>time period</a:t>
-            </a:r>
-          </a:p>
-        </p:txBody>
-      </p:sp>
-      <p:sp>
-        <p:nvSpPr>
-          <p:cNvPr id="88070" name="Line 10"/>
-          <p:cNvSpPr>
-            <a:spLocks noChangeShapeType="1"/>
-          </p:cNvSpPr>
-          <p:nvPr/>
-        </p:nvSpPr>
-        <p:spPr bwMode="auto">
-          <a:xfrm flipV="1">
-            <a:off x="2469931" y="2590799"/>
-            <a:ext cx="1295400" cy="304800"/>
-          </a:xfrm>
-          <a:prstGeom prst="line">
-            <a:avLst/>
-          </a:prstGeom>
-          <a:noFill/>
-          <a:ln w="9525">
-            <a:solidFill>
-              <a:schemeClr val="tx1"/>
-            </a:solidFill>
-            <a:round/>
-            <a:headEnd/>
-            <a:tailEnd type="triangle" w="med" len="med"/>
-          </a:ln>
-        </p:spPr>
-        <p:txBody>
-          <a:bodyPr/>
-          <a:lstStyle/>
-          <a:p>
-            <a:endParaRPr lang="en-US"/>
-          </a:p>
-        </p:txBody>
-      </p:sp>
-      <p:sp>
-        <p:nvSpPr>
-          <p:cNvPr id="88071" name="Text Box 11"/>
-          <p:cNvSpPr txBox="1">
-            <a:spLocks noChangeArrowheads="1"/>
-          </p:cNvSpPr>
-          <p:nvPr/>
-        </p:nvSpPr>
-        <p:spPr bwMode="auto">
-          <a:xfrm>
-            <a:off x="1555531" y="1676400"/>
-            <a:ext cx="2025650" cy="1190625"/>
-          </a:xfrm>
-          <a:prstGeom prst="rect">
-            <a:avLst/>
-          </a:prstGeom>
-          <a:noFill/>
-          <a:ln w="9525">
-            <a:noFill/>
-            <a:miter lim="800000"/>
-            <a:headEnd/>
-            <a:tailEnd/>
-          </a:ln>
-        </p:spPr>
-        <p:txBody>
-          <a:bodyPr wrap="none">
-            <a:spAutoFit/>
-          </a:bodyPr>
-          <a:lstStyle/>
-          <a:p>
-            <a:r>
-              <a:rPr lang="en-US"/>
-              <a:t>Grey area=</a:t>
-            </a:r>
-          </a:p>
-          <a:p>
-            <a:r>
-              <a:rPr lang="en-US"/>
-              <a:t>Cone of influence:</a:t>
-            </a:r>
-          </a:p>
-          <a:p>
-            <a:r>
-              <a:rPr lang="en-US"/>
-              <a:t>Less confidence </a:t>
-            </a:r>
-          </a:p>
-          <a:p>
-            <a:r>
-              <a:rPr lang="en-US"/>
-              <a:t>in this region</a:t>
-            </a:r>
-          </a:p>
-        </p:txBody>
-      </p:sp>
-      <p:sp>
-        <p:nvSpPr>
-          <p:cNvPr id="88072" name="Text Box 12"/>
-          <p:cNvSpPr txBox="1">
-            <a:spLocks noChangeArrowheads="1"/>
-          </p:cNvSpPr>
-          <p:nvPr/>
-        </p:nvSpPr>
-        <p:spPr bwMode="auto">
-          <a:xfrm>
-            <a:off x="1555532" y="6018213"/>
-            <a:ext cx="3152775" cy="923925"/>
-          </a:xfrm>
-          <a:prstGeom prst="rect">
-            <a:avLst/>
-          </a:prstGeom>
-          <a:noFill/>
-          <a:ln w="9525">
-            <a:noFill/>
-            <a:miter lim="800000"/>
-            <a:headEnd/>
-            <a:tailEnd/>
-          </a:ln>
-        </p:spPr>
-        <p:txBody>
-          <a:bodyPr wrap="none">
-            <a:spAutoFit/>
-          </a:bodyPr>
-          <a:lstStyle/>
-          <a:p>
-            <a:r>
-              <a:rPr lang="en-US"/>
-              <a:t>Color=power of spectra:</a:t>
-            </a:r>
-          </a:p>
-          <a:p>
-            <a:r>
-              <a:rPr lang="en-US"/>
-              <a:t>Red=higher amplitude at that</a:t>
-            </a:r>
-          </a:p>
-          <a:p>
-            <a:r>
-              <a:rPr lang="en-US"/>
-              <a:t>frequency and time</a:t>
-            </a:r>
-          </a:p>
-        </p:txBody>
-      </p:sp>
-      <p:sp>
-        <p:nvSpPr>
-          <p:cNvPr id="88073" name="Text Box 13"/>
-          <p:cNvSpPr txBox="1">
-            <a:spLocks noChangeArrowheads="1"/>
-          </p:cNvSpPr>
-          <p:nvPr/>
-        </p:nvSpPr>
-        <p:spPr bwMode="auto">
-          <a:xfrm>
-            <a:off x="8038881" y="6292849"/>
-            <a:ext cx="2660650" cy="641350"/>
-          </a:xfrm>
-          <a:prstGeom prst="rect">
-            <a:avLst/>
-          </a:prstGeom>
-          <a:noFill/>
-          <a:ln w="9525">
-            <a:noFill/>
-            <a:miter lim="800000"/>
-            <a:headEnd/>
-            <a:tailEnd/>
-          </a:ln>
-        </p:spPr>
-        <p:txBody>
-          <a:bodyPr wrap="none">
-            <a:spAutoFit/>
-          </a:bodyPr>
-          <a:lstStyle/>
-          <a:p>
-            <a:r>
-              <a:rPr lang="en-US"/>
-              <a:t>Significance tested by a </a:t>
-            </a:r>
-          </a:p>
-          <a:p>
-            <a:r>
-              <a:rPr lang="en-US"/>
-              <a:t>permutation test</a:t>
-            </a:r>
-          </a:p>
-        </p:txBody>
-      </p:sp>
-    </p:spTree>
-    <p:extLst>
-      <p:ext uri="{BB962C8B-B14F-4D97-AF65-F5344CB8AC3E}">
-        <p14:creationId xmlns:p14="http://schemas.microsoft.com/office/powerpoint/2010/main" val="1165940888"/>
-      </p:ext>
-    </p:extLst>
-  </p:cSld>
-  <p:clrMapOvr>
-    <a:masterClrMapping/>
-  </p:clrMapOvr>
-</p:sld>
-</file>
-
-<file path=ppt/slides/slide38.xml><?xml version="1.0" encoding="utf-8"?>
-<p:sld xmlns:a="http://schemas.openxmlformats.org/drawingml/2006/main" xmlns:r="http://schemas.openxmlformats.org/officeDocument/2006/relationships" xmlns:p="http://schemas.openxmlformats.org/presentationml/2006/main">
-  <p:cSld>
-    <p:spTree>
-      <p:nvGrpSpPr>
-        <p:cNvPr id="1" name=""/>
-        <p:cNvGrpSpPr/>
-        <p:nvPr/>
-      </p:nvGrpSpPr>
-      <p:grpSpPr>
-        <a:xfrm>
-          <a:off x="0" y="0"/>
-          <a:ext cx="0" cy="0"/>
-          <a:chOff x="0" y="0"/>
-          <a:chExt cx="0" cy="0"/>
-        </a:xfrm>
-      </p:grpSpPr>
-      <p:sp>
-        <p:nvSpPr>
-          <p:cNvPr id="89089" name="Rectangle 5"/>
-          <p:cNvSpPr>
-            <a:spLocks noChangeArrowheads="1"/>
-          </p:cNvSpPr>
-          <p:nvPr/>
-        </p:nvSpPr>
-        <p:spPr bwMode="auto">
-          <a:xfrm>
-            <a:off x="1524000" y="758825"/>
-            <a:ext cx="533400" cy="6858000"/>
-          </a:xfrm>
-          <a:prstGeom prst="rect">
-            <a:avLst/>
-          </a:prstGeom>
-          <a:solidFill>
-            <a:schemeClr val="bg1"/>
-          </a:solidFill>
-          <a:ln w="9525">
-            <a:noFill/>
-            <a:miter lim="800000"/>
-            <a:headEnd/>
-            <a:tailEnd/>
-          </a:ln>
-        </p:spPr>
-        <p:txBody>
-          <a:bodyPr wrap="none" anchor="ctr"/>
-          <a:lstStyle/>
-          <a:p>
-            <a:endParaRPr lang="en-US"/>
-          </a:p>
-        </p:txBody>
-      </p:sp>
-      <p:sp>
-        <p:nvSpPr>
-          <p:cNvPr id="89090" name="Rectangle 2"/>
-          <p:cNvSpPr>
-            <a:spLocks noGrp="1" noChangeArrowheads="1"/>
-          </p:cNvSpPr>
-          <p:nvPr>
-            <p:ph type="title" idx="4294967295"/>
-          </p:nvPr>
-        </p:nvSpPr>
-        <p:spPr>
-          <a:xfrm>
-            <a:off x="1524000" y="591207"/>
-            <a:ext cx="8229600" cy="1143000"/>
-          </a:xfrm>
-        </p:spPr>
-        <p:txBody>
-          <a:bodyPr/>
-          <a:lstStyle/>
-          <a:p>
-            <a:pPr eaLnBrk="1" hangingPunct="1"/>
-            <a:r>
-              <a:rPr lang="en-US" dirty="0"/>
-              <a:t>Multiple frequencies</a:t>
-            </a:r>
-          </a:p>
-        </p:txBody>
-      </p:sp>
-      <p:pic>
-        <p:nvPicPr>
-          <p:cNvPr id="89091" name="Picture 4"/>
-          <p:cNvPicPr>
-            <a:picLocks noChangeAspect="1" noChangeArrowheads="1"/>
-          </p:cNvPicPr>
-          <p:nvPr/>
-        </p:nvPicPr>
-        <p:blipFill>
-          <a:blip r:embed="rId2" cstate="print"/>
-          <a:srcRect/>
-          <a:stretch>
-            <a:fillRect/>
-          </a:stretch>
-        </p:blipFill>
-        <p:spPr bwMode="auto">
-          <a:xfrm>
-            <a:off x="6096000" y="1981200"/>
-            <a:ext cx="4419600" cy="4413250"/>
-          </a:xfrm>
-          <a:prstGeom prst="rect">
-            <a:avLst/>
-          </a:prstGeom>
-          <a:noFill/>
-          <a:ln w="9525">
-            <a:noFill/>
-            <a:miter lim="800000"/>
-            <a:headEnd/>
-            <a:tailEnd/>
-          </a:ln>
-        </p:spPr>
-      </p:pic>
-      <p:pic>
-        <p:nvPicPr>
-          <p:cNvPr id="89092" name="Picture 5"/>
-          <p:cNvPicPr>
-            <a:picLocks noChangeAspect="1" noChangeArrowheads="1"/>
-          </p:cNvPicPr>
-          <p:nvPr/>
-        </p:nvPicPr>
-        <p:blipFill>
-          <a:blip r:embed="rId3" cstate="print"/>
-          <a:srcRect/>
-          <a:stretch>
-            <a:fillRect/>
-          </a:stretch>
-        </p:blipFill>
-        <p:spPr bwMode="auto">
-          <a:xfrm>
-            <a:off x="1524000" y="1981200"/>
-            <a:ext cx="4572000" cy="4565650"/>
-          </a:xfrm>
-          <a:prstGeom prst="rect">
-            <a:avLst/>
-          </a:prstGeom>
-          <a:noFill/>
-          <a:ln w="9525">
-            <a:noFill/>
-            <a:miter lim="800000"/>
-            <a:headEnd/>
-            <a:tailEnd/>
-          </a:ln>
-        </p:spPr>
-      </p:pic>
-    </p:spTree>
-    <p:extLst>
-      <p:ext uri="{BB962C8B-B14F-4D97-AF65-F5344CB8AC3E}">
-        <p14:creationId xmlns:p14="http://schemas.microsoft.com/office/powerpoint/2010/main" val="3282385670"/>
-      </p:ext>
-    </p:extLst>
-  </p:cSld>
-  <p:clrMapOvr>
-    <a:masterClrMapping/>
-  </p:clrMapOvr>
-</p:sld>
-</file>
-
 <file path=ppt/slides/slide39.xml><?xml version="1.0" encoding="utf-8"?>
 <p:sld xmlns:a="http://schemas.openxmlformats.org/drawingml/2006/main" xmlns:r="http://schemas.openxmlformats.org/officeDocument/2006/relationships" xmlns:p="http://schemas.openxmlformats.org/presentationml/2006/main">
   <p:cSld>
@@ -18015,7 +18868,7 @@
       </p:grpSpPr>
       <p:sp>
         <p:nvSpPr>
-          <p:cNvPr id="90113" name="Rectangle 6"/>
+          <p:cNvPr id="88065" name="Rectangle 10"/>
           <p:cNvSpPr>
             <a:spLocks noChangeArrowheads="1"/>
           </p:cNvSpPr>
@@ -18023,7 +18876,7 @@
         </p:nvSpPr>
         <p:spPr bwMode="auto">
           <a:xfrm>
-            <a:off x="1524000" y="846138"/>
+            <a:off x="1555531" y="914454"/>
             <a:ext cx="533400" cy="6858000"/>
           </a:xfrm>
           <a:prstGeom prst="rect">
@@ -18049,7 +18902,7 @@
       </p:sp>
       <p:pic>
         <p:nvPicPr>
-          <p:cNvPr id="90114" name="Picture 14"/>
+          <p:cNvPr id="88066" name="Picture 2"/>
           <p:cNvPicPr>
             <a:picLocks noChangeAspect="1" noChangeArrowheads="1"/>
           </p:cNvPicPr>
@@ -18064,8 +18917,8 @@
         </p:blipFill>
         <p:spPr bwMode="auto">
           <a:xfrm>
-            <a:off x="1524000" y="1371600"/>
-            <a:ext cx="4572000" cy="4565650"/>
+            <a:off x="3003331" y="990600"/>
+            <a:ext cx="5334000" cy="5326063"/>
           </a:xfrm>
           <a:prstGeom prst="rect">
             <a:avLst/>
@@ -18079,25 +18932,80 @@
           </a:ln>
         </p:spPr>
       </p:pic>
-      <p:pic>
-        <p:nvPicPr>
-          <p:cNvPr id="90115" name="Picture 15"/>
-          <p:cNvPicPr>
-            <a:picLocks noChangeAspect="1" noChangeArrowheads="1"/>
-          </p:cNvPicPr>
+      <p:sp>
+        <p:nvSpPr>
+          <p:cNvPr id="88067" name="Rectangle 3"/>
+          <p:cNvSpPr>
+            <a:spLocks noGrp="1" noChangeArrowheads="1"/>
+          </p:cNvSpPr>
+          <p:nvPr>
+            <p:ph type="title" idx="4294967295"/>
+          </p:nvPr>
+        </p:nvSpPr>
+        <p:spPr>
+          <a:xfrm>
+            <a:off x="1524000" y="274638"/>
+            <a:ext cx="8229600" cy="1143000"/>
+          </a:xfrm>
+        </p:spPr>
+        <p:txBody>
+          <a:bodyPr/>
+          <a:lstStyle/>
+          <a:p>
+            <a:pPr eaLnBrk="1" hangingPunct="1"/>
+            <a:r>
+              <a:rPr lang="en-US" sz="4000"/>
+              <a:t>Wavelet spectrum of a sine wave</a:t>
+            </a:r>
+          </a:p>
+        </p:txBody>
+      </p:sp>
+      <p:sp>
+        <p:nvSpPr>
+          <p:cNvPr id="88068" name="Line 7"/>
+          <p:cNvSpPr>
+            <a:spLocks noChangeShapeType="1"/>
+          </p:cNvSpPr>
           <p:nvPr/>
-        </p:nvPicPr>
-        <p:blipFill>
-          <a:blip r:embed="rId3" cstate="print"/>
-          <a:srcRect/>
-          <a:stretch>
-            <a:fillRect/>
-          </a:stretch>
-        </p:blipFill>
+        </p:nvSpPr>
         <p:spPr bwMode="auto">
-          <a:xfrm>
-            <a:off x="6096000" y="1600200"/>
-            <a:ext cx="4572000" cy="4565650"/>
+          <a:xfrm flipH="1" flipV="1">
+            <a:off x="7422931" y="2971799"/>
+            <a:ext cx="1447800" cy="2133600"/>
+          </a:xfrm>
+          <a:prstGeom prst="line">
+            <a:avLst/>
+          </a:prstGeom>
+          <a:noFill/>
+          <a:ln w="9525">
+            <a:solidFill>
+              <a:schemeClr val="tx1"/>
+            </a:solidFill>
+            <a:round/>
+            <a:headEnd/>
+            <a:tailEnd type="triangle" w="med" len="med"/>
+          </a:ln>
+        </p:spPr>
+        <p:txBody>
+          <a:bodyPr/>
+          <a:lstStyle/>
+          <a:p>
+            <a:endParaRPr lang="en-US"/>
+          </a:p>
+        </p:txBody>
+      </p:sp>
+      <p:sp>
+        <p:nvSpPr>
+          <p:cNvPr id="88069" name="Text Box 8"/>
+          <p:cNvSpPr txBox="1">
+            <a:spLocks noChangeArrowheads="1"/>
+          </p:cNvSpPr>
+          <p:nvPr/>
+        </p:nvSpPr>
+        <p:spPr bwMode="auto">
+          <a:xfrm>
+            <a:off x="8229381" y="5105399"/>
+            <a:ext cx="2470150" cy="915988"/>
           </a:xfrm>
           <a:prstGeom prst="rect">
             <a:avLst/>
@@ -18110,38 +19018,68 @@
             <a:tailEnd/>
           </a:ln>
         </p:spPr>
-      </p:pic>
-      <p:sp>
-        <p:nvSpPr>
-          <p:cNvPr id="90116" name="Rectangle 2"/>
+        <p:txBody>
+          <a:bodyPr wrap="none">
+            <a:spAutoFit/>
+          </a:bodyPr>
+          <a:lstStyle/>
+          <a:p>
+            <a:r>
+              <a:rPr lang="en-US"/>
+              <a:t>“Global wavelet”=</a:t>
+            </a:r>
+          </a:p>
+          <a:p>
+            <a:r>
+              <a:rPr lang="en-US"/>
+              <a:t>Average across entire </a:t>
+            </a:r>
+          </a:p>
+          <a:p>
+            <a:r>
+              <a:rPr lang="en-US"/>
+              <a:t>time period</a:t>
+            </a:r>
+          </a:p>
+        </p:txBody>
+      </p:sp>
+      <p:sp>
+        <p:nvSpPr>
+          <p:cNvPr id="88070" name="Line 10"/>
           <p:cNvSpPr>
-            <a:spLocks noGrp="1" noChangeArrowheads="1"/>
+            <a:spLocks noChangeShapeType="1"/>
           </p:cNvSpPr>
-          <p:nvPr>
-            <p:ph type="title" idx="4294967295"/>
-          </p:nvPr>
-        </p:nvSpPr>
-        <p:spPr>
-          <a:xfrm>
-            <a:off x="1981200" y="537369"/>
-            <a:ext cx="8229600" cy="1143000"/>
-          </a:xfrm>
+          <p:nvPr/>
+        </p:nvSpPr>
+        <p:spPr bwMode="auto">
+          <a:xfrm flipV="1">
+            <a:off x="2469931" y="2590799"/>
+            <a:ext cx="1295400" cy="304800"/>
+          </a:xfrm>
+          <a:prstGeom prst="line">
+            <a:avLst/>
+          </a:prstGeom>
+          <a:noFill/>
+          <a:ln w="9525">
+            <a:solidFill>
+              <a:schemeClr val="tx1"/>
+            </a:solidFill>
+            <a:round/>
+            <a:headEnd/>
+            <a:tailEnd type="triangle" w="med" len="med"/>
+          </a:ln>
         </p:spPr>
         <p:txBody>
           <a:bodyPr/>
           <a:lstStyle/>
           <a:p>
-            <a:pPr eaLnBrk="1" hangingPunct="1"/>
-            <a:r>
-              <a:rPr lang="en-US" sz="4000" dirty="0"/>
-              <a:t>Wavelet with changing frequencies</a:t>
-            </a:r>
-          </a:p>
-        </p:txBody>
-      </p:sp>
-      <p:sp>
-        <p:nvSpPr>
-          <p:cNvPr id="90117" name="Text Box 16"/>
+            <a:endParaRPr lang="en-US"/>
+          </a:p>
+        </p:txBody>
+      </p:sp>
+      <p:sp>
+        <p:nvSpPr>
+          <p:cNvPr id="88071" name="Text Box 11"/>
           <p:cNvSpPr txBox="1">
             <a:spLocks noChangeArrowheads="1"/>
           </p:cNvSpPr>
@@ -18149,8 +19087,8 @@
         </p:nvSpPr>
         <p:spPr bwMode="auto">
           <a:xfrm>
-            <a:off x="4768850" y="6216650"/>
-            <a:ext cx="5899150" cy="641350"/>
+            <a:off x="1555531" y="1676400"/>
+            <a:ext cx="2025650" cy="1190625"/>
           </a:xfrm>
           <a:prstGeom prst="rect">
             <a:avLst/>
@@ -18171,13 +19109,117 @@
           <a:p>
             <a:r>
               <a:rPr lang="en-US"/>
-              <a:t>Interpretation: Wavelength increases from ~0.25 to ~0.5 </a:t>
+              <a:t>Grey area=</a:t>
             </a:r>
           </a:p>
           <a:p>
             <a:r>
               <a:rPr lang="en-US"/>
-              <a:t>(from 4 cycles/year to 2 cycles/year) </a:t>
+              <a:t>Cone of influence:</a:t>
+            </a:r>
+          </a:p>
+          <a:p>
+            <a:r>
+              <a:rPr lang="en-US"/>
+              <a:t>Less confidence </a:t>
+            </a:r>
+          </a:p>
+          <a:p>
+            <a:r>
+              <a:rPr lang="en-US"/>
+              <a:t>in this region</a:t>
+            </a:r>
+          </a:p>
+        </p:txBody>
+      </p:sp>
+      <p:sp>
+        <p:nvSpPr>
+          <p:cNvPr id="88072" name="Text Box 12"/>
+          <p:cNvSpPr txBox="1">
+            <a:spLocks noChangeArrowheads="1"/>
+          </p:cNvSpPr>
+          <p:nvPr/>
+        </p:nvSpPr>
+        <p:spPr bwMode="auto">
+          <a:xfrm>
+            <a:off x="1555532" y="6018213"/>
+            <a:ext cx="3152775" cy="923925"/>
+          </a:xfrm>
+          <a:prstGeom prst="rect">
+            <a:avLst/>
+          </a:prstGeom>
+          <a:noFill/>
+          <a:ln w="9525">
+            <a:noFill/>
+            <a:miter lim="800000"/>
+            <a:headEnd/>
+            <a:tailEnd/>
+          </a:ln>
+        </p:spPr>
+        <p:txBody>
+          <a:bodyPr wrap="none">
+            <a:spAutoFit/>
+          </a:bodyPr>
+          <a:lstStyle/>
+          <a:p>
+            <a:r>
+              <a:rPr lang="en-US"/>
+              <a:t>Color=power of spectra:</a:t>
+            </a:r>
+          </a:p>
+          <a:p>
+            <a:r>
+              <a:rPr lang="en-US"/>
+              <a:t>Red=higher amplitude at that</a:t>
+            </a:r>
+          </a:p>
+          <a:p>
+            <a:r>
+              <a:rPr lang="en-US"/>
+              <a:t>frequency and time</a:t>
+            </a:r>
+          </a:p>
+        </p:txBody>
+      </p:sp>
+      <p:sp>
+        <p:nvSpPr>
+          <p:cNvPr id="88073" name="Text Box 13"/>
+          <p:cNvSpPr txBox="1">
+            <a:spLocks noChangeArrowheads="1"/>
+          </p:cNvSpPr>
+          <p:nvPr/>
+        </p:nvSpPr>
+        <p:spPr bwMode="auto">
+          <a:xfrm>
+            <a:off x="8038881" y="6292849"/>
+            <a:ext cx="2660650" cy="641350"/>
+          </a:xfrm>
+          <a:prstGeom prst="rect">
+            <a:avLst/>
+          </a:prstGeom>
+          <a:noFill/>
+          <a:ln w="9525">
+            <a:noFill/>
+            <a:miter lim="800000"/>
+            <a:headEnd/>
+            <a:tailEnd/>
+          </a:ln>
+        </p:spPr>
+        <p:txBody>
+          <a:bodyPr wrap="none">
+            <a:spAutoFit/>
+          </a:bodyPr>
+          <a:lstStyle/>
+          <a:p>
+            <a:r>
+              <a:rPr lang="en-US"/>
+              <a:t>Significance tested by a </a:t>
+            </a:r>
+          </a:p>
+          <a:p>
+            <a:r>
+              <a:rPr lang="en-US"/>
+              <a:t>permutation test</a:t>
             </a:r>
           </a:p>
         </p:txBody>
@@ -18185,7 +19227,7 @@
     </p:spTree>
     <p:extLst>
       <p:ext uri="{BB962C8B-B14F-4D97-AF65-F5344CB8AC3E}">
-        <p14:creationId xmlns:p14="http://schemas.microsoft.com/office/powerpoint/2010/main" val="3506861373"/>
+        <p14:creationId xmlns:p14="http://schemas.microsoft.com/office/powerpoint/2010/main" val="1165940888"/>
       </p:ext>
     </p:extLst>
   </p:cSld>
@@ -18214,22 +19256,48 @@
       </p:grpSpPr>
       <p:sp>
         <p:nvSpPr>
-          <p:cNvPr id="2" name="Title 1">
-            <a:extLst>
-              <a:ext uri="{FF2B5EF4-FFF2-40B4-BE49-F238E27FC236}">
-                <a16:creationId xmlns:a16="http://schemas.microsoft.com/office/drawing/2014/main" id="{71780FA4-1100-480C-86A2-D09582D29CF8}"/>
-              </a:ext>
-            </a:extLst>
-          </p:cNvPr>
-          <p:cNvSpPr txBox="1">
-            <a:spLocks/>
+          <p:cNvPr id="92161" name="Title 1"/>
+          <p:cNvSpPr>
+            <a:spLocks noGrp="1"/>
           </p:cNvSpPr>
+          <p:nvPr>
+            <p:ph type="title" idx="4294967295"/>
+          </p:nvPr>
+        </p:nvSpPr>
+        <p:spPr>
+          <a:xfrm>
+            <a:off x="513735" y="1143000"/>
+            <a:ext cx="10744200" cy="1143000"/>
+          </a:xfrm>
+        </p:spPr>
+        <p:txBody>
+          <a:bodyPr/>
+          <a:lstStyle/>
+          <a:p>
+            <a:r>
+              <a:rPr lang="en-US" dirty="0"/>
+              <a:t>Motivating Question #1: Do the spatiotemporal dynamics of measles change after vaccination?</a:t>
+            </a:r>
+          </a:p>
+        </p:txBody>
+      </p:sp>
+      <p:pic>
+        <p:nvPicPr>
+          <p:cNvPr id="92162" name="Picture 2"/>
+          <p:cNvPicPr>
+            <a:picLocks noChangeAspect="1" noChangeArrowheads="1"/>
+          </p:cNvPicPr>
           <p:nvPr/>
-        </p:nvSpPr>
+        </p:nvPicPr>
+        <p:blipFill rotWithShape="1">
+          <a:blip r:embed="rId2" cstate="print"/>
+          <a:srcRect b="76385"/>
+          <a:stretch/>
+        </p:blipFill>
         <p:spPr bwMode="auto">
           <a:xfrm>
-            <a:off x="509081" y="990600"/>
-            <a:ext cx="10744200" cy="1143000"/>
+            <a:off x="533400" y="2590800"/>
+            <a:ext cx="11013603" cy="1524000"/>
           </a:xfrm>
           <a:prstGeom prst="rect">
             <a:avLst/>
@@ -18242,190 +19310,46 @@
             <a:tailEnd/>
           </a:ln>
         </p:spPr>
-        <p:txBody>
-          <a:bodyPr vert="horz" wrap="square" lIns="91440" tIns="45720" rIns="91440" bIns="45720" numCol="1" anchor="ctr" anchorCtr="0" compatLnSpc="1">
-            <a:prstTxWarp prst="textNoShape">
-              <a:avLst/>
-            </a:prstTxWarp>
-          </a:bodyPr>
-          <a:lstStyle>
-            <a:lvl1pPr algn="ctr" rtl="0" eaLnBrk="0" fontAlgn="base" hangingPunct="0">
-              <a:spcBef>
-                <a:spcPct val="0"/>
-              </a:spcBef>
-              <a:spcAft>
-                <a:spcPct val="0"/>
-              </a:spcAft>
-              <a:defRPr sz="4400">
-                <a:solidFill>
-                  <a:schemeClr val="tx1"/>
-                </a:solidFill>
-                <a:latin typeface="+mj-lt"/>
-                <a:ea typeface="+mj-ea"/>
-                <a:cs typeface="+mj-cs"/>
-              </a:defRPr>
-            </a:lvl1pPr>
-            <a:lvl2pPr algn="ctr" rtl="0" eaLnBrk="0" fontAlgn="base" hangingPunct="0">
-              <a:spcBef>
-                <a:spcPct val="0"/>
-              </a:spcBef>
-              <a:spcAft>
-                <a:spcPct val="0"/>
-              </a:spcAft>
-              <a:defRPr sz="4400">
-                <a:solidFill>
-                  <a:schemeClr val="tx1"/>
-                </a:solidFill>
-                <a:latin typeface="Calibri" pitchFamily="34" charset="0"/>
-              </a:defRPr>
-            </a:lvl2pPr>
-            <a:lvl3pPr algn="ctr" rtl="0" eaLnBrk="0" fontAlgn="base" hangingPunct="0">
-              <a:spcBef>
-                <a:spcPct val="0"/>
-              </a:spcBef>
-              <a:spcAft>
-                <a:spcPct val="0"/>
-              </a:spcAft>
-              <a:defRPr sz="4400">
-                <a:solidFill>
-                  <a:schemeClr val="tx1"/>
-                </a:solidFill>
-                <a:latin typeface="Calibri" pitchFamily="34" charset="0"/>
-              </a:defRPr>
-            </a:lvl3pPr>
-            <a:lvl4pPr algn="ctr" rtl="0" eaLnBrk="0" fontAlgn="base" hangingPunct="0">
-              <a:spcBef>
-                <a:spcPct val="0"/>
-              </a:spcBef>
-              <a:spcAft>
-                <a:spcPct val="0"/>
-              </a:spcAft>
-              <a:defRPr sz="4400">
-                <a:solidFill>
-                  <a:schemeClr val="tx1"/>
-                </a:solidFill>
-                <a:latin typeface="Calibri" pitchFamily="34" charset="0"/>
-              </a:defRPr>
-            </a:lvl4pPr>
-            <a:lvl5pPr algn="ctr" rtl="0" eaLnBrk="0" fontAlgn="base" hangingPunct="0">
-              <a:spcBef>
-                <a:spcPct val="0"/>
-              </a:spcBef>
-              <a:spcAft>
-                <a:spcPct val="0"/>
-              </a:spcAft>
-              <a:defRPr sz="4400">
-                <a:solidFill>
-                  <a:schemeClr val="tx1"/>
-                </a:solidFill>
-                <a:latin typeface="Calibri" pitchFamily="34" charset="0"/>
-              </a:defRPr>
-            </a:lvl5pPr>
-            <a:lvl6pPr marL="457200" algn="ctr" rtl="0" fontAlgn="base">
-              <a:spcBef>
-                <a:spcPct val="0"/>
-              </a:spcBef>
-              <a:spcAft>
-                <a:spcPct val="0"/>
-              </a:spcAft>
-              <a:defRPr sz="4400">
-                <a:solidFill>
-                  <a:schemeClr val="tx1"/>
-                </a:solidFill>
-                <a:latin typeface="Calibri" pitchFamily="34" charset="0"/>
-              </a:defRPr>
-            </a:lvl6pPr>
-            <a:lvl7pPr marL="914400" algn="ctr" rtl="0" fontAlgn="base">
-              <a:spcBef>
-                <a:spcPct val="0"/>
-              </a:spcBef>
-              <a:spcAft>
-                <a:spcPct val="0"/>
-              </a:spcAft>
-              <a:defRPr sz="4400">
-                <a:solidFill>
-                  <a:schemeClr val="tx1"/>
-                </a:solidFill>
-                <a:latin typeface="Calibri" pitchFamily="34" charset="0"/>
-              </a:defRPr>
-            </a:lvl7pPr>
-            <a:lvl8pPr marL="1371600" algn="ctr" rtl="0" fontAlgn="base">
-              <a:spcBef>
-                <a:spcPct val="0"/>
-              </a:spcBef>
-              <a:spcAft>
-                <a:spcPct val="0"/>
-              </a:spcAft>
-              <a:defRPr sz="4400">
-                <a:solidFill>
-                  <a:schemeClr val="tx1"/>
-                </a:solidFill>
-                <a:latin typeface="Calibri" pitchFamily="34" charset="0"/>
-              </a:defRPr>
-            </a:lvl8pPr>
-            <a:lvl9pPr marL="1828800" algn="ctr" rtl="0" fontAlgn="base">
-              <a:spcBef>
-                <a:spcPct val="0"/>
-              </a:spcBef>
-              <a:spcAft>
-                <a:spcPct val="0"/>
-              </a:spcAft>
-              <a:defRPr sz="4400">
-                <a:solidFill>
-                  <a:schemeClr val="tx1"/>
-                </a:solidFill>
-                <a:latin typeface="Calibri" pitchFamily="34" charset="0"/>
-              </a:defRPr>
-            </a:lvl9pPr>
-          </a:lstStyle>
-          <a:p>
-            <a:r>
-              <a:rPr lang="en-US" kern="0" dirty="0"/>
-              <a:t>Motivating Question #2: What fraction of pneumonia cases are caused by influenza?</a:t>
-            </a:r>
-          </a:p>
-        </p:txBody>
-      </p:sp>
-      <p:pic>
-        <p:nvPicPr>
-          <p:cNvPr id="3" name="Picture 5">
+      </p:pic>
+      <p:sp>
+        <p:nvSpPr>
+          <p:cNvPr id="6" name="TextBox 5">
             <a:extLst>
               <a:ext uri="{FF2B5EF4-FFF2-40B4-BE49-F238E27FC236}">
-                <a16:creationId xmlns:a16="http://schemas.microsoft.com/office/drawing/2014/main" id="{8941571A-0EF3-4AAD-B8A8-D229FA0A2C87}"/>
+                <a16:creationId xmlns:a16="http://schemas.microsoft.com/office/drawing/2014/main" id="{599BBC3E-36EF-4089-9D80-EEE2CB6E7314}"/>
               </a:ext>
             </a:extLst>
           </p:cNvPr>
-          <p:cNvPicPr>
-            <a:picLocks noChangeAspect="1" noChangeArrowheads="1"/>
-          </p:cNvPicPr>
+          <p:cNvSpPr txBox="1"/>
           <p:nvPr/>
-        </p:nvPicPr>
-        <p:blipFill rotWithShape="1">
-          <a:blip r:embed="rId2" cstate="print"/>
-          <a:srcRect l="1770" t="-10193" r="-1770" b="10193"/>
-          <a:stretch/>
-        </p:blipFill>
-        <p:spPr bwMode="auto">
-          <a:xfrm>
-            <a:off x="2209800" y="1981200"/>
-            <a:ext cx="7162800" cy="4595868"/>
+        </p:nvSpPr>
+        <p:spPr>
+          <a:xfrm>
+            <a:off x="152400" y="6400284"/>
+            <a:ext cx="2255519" cy="369332"/>
           </a:xfrm>
           <a:prstGeom prst="rect">
             <a:avLst/>
           </a:prstGeom>
           <a:noFill/>
-          <a:ln w="9525">
-            <a:noFill/>
-            <a:miter lim="800000"/>
-            <a:headEnd/>
-            <a:tailEnd/>
-          </a:ln>
-        </p:spPr>
-      </p:pic>
+        </p:spPr>
+        <p:txBody>
+          <a:bodyPr wrap="square" rtlCol="0">
+            <a:spAutoFit/>
+          </a:bodyPr>
+          <a:lstStyle/>
+          <a:p>
+            <a:r>
+              <a:rPr lang="en-US" dirty="0"/>
+              <a:t>Grenfell, Science</a:t>
+            </a:r>
+          </a:p>
+        </p:txBody>
+      </p:sp>
     </p:spTree>
     <p:extLst>
       <p:ext uri="{BB962C8B-B14F-4D97-AF65-F5344CB8AC3E}">
-        <p14:creationId xmlns:p14="http://schemas.microsoft.com/office/powerpoint/2010/main" val="2487761618"/>
+        <p14:creationId xmlns:p14="http://schemas.microsoft.com/office/powerpoint/2010/main" val="2212520446"/>
       </p:ext>
     </p:extLst>
   </p:cSld>
@@ -18454,9 +19378,43 @@
       </p:grpSpPr>
       <p:sp>
         <p:nvSpPr>
-          <p:cNvPr id="91137" name="Rectangle 2"/>
+          <p:cNvPr id="89089" name="Rectangle 5"/>
           <p:cNvSpPr>
-            <a:spLocks noGrp="1"/>
+            <a:spLocks noChangeArrowheads="1"/>
+          </p:cNvSpPr>
+          <p:nvPr/>
+        </p:nvSpPr>
+        <p:spPr bwMode="auto">
+          <a:xfrm>
+            <a:off x="1524000" y="758825"/>
+            <a:ext cx="533400" cy="6858000"/>
+          </a:xfrm>
+          <a:prstGeom prst="rect">
+            <a:avLst/>
+          </a:prstGeom>
+          <a:solidFill>
+            <a:schemeClr val="bg1"/>
+          </a:solidFill>
+          <a:ln w="9525">
+            <a:noFill/>
+            <a:miter lim="800000"/>
+            <a:headEnd/>
+            <a:tailEnd/>
+          </a:ln>
+        </p:spPr>
+        <p:txBody>
+          <a:bodyPr wrap="none" anchor="ctr"/>
+          <a:lstStyle/>
+          <a:p>
+            <a:endParaRPr lang="en-US"/>
+          </a:p>
+        </p:txBody>
+      </p:sp>
+      <p:sp>
+        <p:nvSpPr>
+          <p:cNvPr id="89090" name="Rectangle 2"/>
+          <p:cNvSpPr>
+            <a:spLocks noGrp="1" noChangeArrowheads="1"/>
           </p:cNvSpPr>
           <p:nvPr>
             <p:ph type="title" idx="4294967295"/>
@@ -18464,7 +19422,7 @@
         </p:nvSpPr>
         <p:spPr>
           <a:xfrm>
-            <a:off x="1600200" y="647700"/>
+            <a:off x="1524000" y="591207"/>
             <a:ext cx="8229600" cy="1143000"/>
           </a:xfrm>
         </p:spPr>
@@ -18472,16 +19430,17 @@
           <a:bodyPr/>
           <a:lstStyle/>
           <a:p>
+            <a:pPr eaLnBrk="1" hangingPunct="1"/>
             <a:r>
               <a:rPr lang="en-US" dirty="0"/>
-              <a:t>Example: epidemic timing</a:t>
+              <a:t>Multiple frequencies</a:t>
             </a:r>
           </a:p>
         </p:txBody>
       </p:sp>
       <p:pic>
         <p:nvPicPr>
-          <p:cNvPr id="91139" name="Picture 2"/>
+          <p:cNvPr id="89091" name="Picture 4"/>
           <p:cNvPicPr>
             <a:picLocks noChangeAspect="1" noChangeArrowheads="1"/>
           </p:cNvPicPr>
@@ -18496,8 +19455,8 @@
         </p:blipFill>
         <p:spPr bwMode="auto">
           <a:xfrm>
-            <a:off x="2133600" y="3124200"/>
-            <a:ext cx="8286750" cy="3460750"/>
+            <a:off x="6096000" y="1981200"/>
+            <a:ext cx="4419600" cy="4413250"/>
           </a:xfrm>
           <a:prstGeom prst="rect">
             <a:avLst/>
@@ -18513,7 +19472,7 @@
       </p:pic>
       <p:pic>
         <p:nvPicPr>
-          <p:cNvPr id="91140" name="Picture 2"/>
+          <p:cNvPr id="89092" name="Picture 5"/>
           <p:cNvPicPr>
             <a:picLocks noChangeAspect="1" noChangeArrowheads="1"/>
           </p:cNvPicPr>
@@ -18521,15 +19480,15 @@
         </p:nvPicPr>
         <p:blipFill>
           <a:blip r:embed="rId3" cstate="print"/>
-          <a:srcRect b="75620"/>
+          <a:srcRect/>
           <a:stretch>
             <a:fillRect/>
           </a:stretch>
         </p:blipFill>
         <p:spPr bwMode="auto">
           <a:xfrm>
-            <a:off x="2133600" y="1828800"/>
-            <a:ext cx="8534400" cy="1219200"/>
+            <a:off x="1524000" y="1981200"/>
+            <a:ext cx="4572000" cy="4565650"/>
           </a:xfrm>
           <a:prstGeom prst="rect">
             <a:avLst/>
@@ -18543,45 +19502,10 @@
           </a:ln>
         </p:spPr>
       </p:pic>
-      <p:sp>
-        <p:nvSpPr>
-          <p:cNvPr id="2" name="TextBox 1">
-            <a:extLst>
-              <a:ext uri="{FF2B5EF4-FFF2-40B4-BE49-F238E27FC236}">
-                <a16:creationId xmlns:a16="http://schemas.microsoft.com/office/drawing/2014/main" id="{2D89D3A2-27BC-4049-92FA-542D0F15360A}"/>
-              </a:ext>
-            </a:extLst>
-          </p:cNvPr>
-          <p:cNvSpPr txBox="1"/>
-          <p:nvPr/>
-        </p:nvSpPr>
-        <p:spPr>
-          <a:xfrm>
-            <a:off x="152400" y="6400284"/>
-            <a:ext cx="2255519" cy="369332"/>
-          </a:xfrm>
-          <a:prstGeom prst="rect">
-            <a:avLst/>
-          </a:prstGeom>
-          <a:noFill/>
-        </p:spPr>
-        <p:txBody>
-          <a:bodyPr wrap="square" rtlCol="0">
-            <a:spAutoFit/>
-          </a:bodyPr>
-          <a:lstStyle/>
-          <a:p>
-            <a:r>
-              <a:rPr lang="en-US" dirty="0"/>
-              <a:t>Grenfell, Science</a:t>
-            </a:r>
-          </a:p>
-        </p:txBody>
-      </p:sp>
     </p:spTree>
     <p:extLst>
       <p:ext uri="{BB962C8B-B14F-4D97-AF65-F5344CB8AC3E}">
-        <p14:creationId xmlns:p14="http://schemas.microsoft.com/office/powerpoint/2010/main" val="2347495174"/>
+        <p14:creationId xmlns:p14="http://schemas.microsoft.com/office/powerpoint/2010/main" val="3282385670"/>
       </p:ext>
     </p:extLst>
   </p:cSld>
@@ -18610,6 +19534,361 @@
       </p:grpSpPr>
       <p:sp>
         <p:nvSpPr>
+          <p:cNvPr id="90113" name="Rectangle 6"/>
+          <p:cNvSpPr>
+            <a:spLocks noChangeArrowheads="1"/>
+          </p:cNvSpPr>
+          <p:nvPr/>
+        </p:nvSpPr>
+        <p:spPr bwMode="auto">
+          <a:xfrm>
+            <a:off x="1524000" y="846138"/>
+            <a:ext cx="533400" cy="6858000"/>
+          </a:xfrm>
+          <a:prstGeom prst="rect">
+            <a:avLst/>
+          </a:prstGeom>
+          <a:solidFill>
+            <a:schemeClr val="bg1"/>
+          </a:solidFill>
+          <a:ln w="9525">
+            <a:noFill/>
+            <a:miter lim="800000"/>
+            <a:headEnd/>
+            <a:tailEnd/>
+          </a:ln>
+        </p:spPr>
+        <p:txBody>
+          <a:bodyPr wrap="none" anchor="ctr"/>
+          <a:lstStyle/>
+          <a:p>
+            <a:endParaRPr lang="en-US"/>
+          </a:p>
+        </p:txBody>
+      </p:sp>
+      <p:pic>
+        <p:nvPicPr>
+          <p:cNvPr id="90114" name="Picture 14"/>
+          <p:cNvPicPr>
+            <a:picLocks noChangeAspect="1" noChangeArrowheads="1"/>
+          </p:cNvPicPr>
+          <p:nvPr/>
+        </p:nvPicPr>
+        <p:blipFill>
+          <a:blip r:embed="rId2" cstate="print"/>
+          <a:srcRect/>
+          <a:stretch>
+            <a:fillRect/>
+          </a:stretch>
+        </p:blipFill>
+        <p:spPr bwMode="auto">
+          <a:xfrm>
+            <a:off x="1524000" y="1371600"/>
+            <a:ext cx="4572000" cy="4565650"/>
+          </a:xfrm>
+          <a:prstGeom prst="rect">
+            <a:avLst/>
+          </a:prstGeom>
+          <a:noFill/>
+          <a:ln w="9525">
+            <a:noFill/>
+            <a:miter lim="800000"/>
+            <a:headEnd/>
+            <a:tailEnd/>
+          </a:ln>
+        </p:spPr>
+      </p:pic>
+      <p:pic>
+        <p:nvPicPr>
+          <p:cNvPr id="90115" name="Picture 15"/>
+          <p:cNvPicPr>
+            <a:picLocks noChangeAspect="1" noChangeArrowheads="1"/>
+          </p:cNvPicPr>
+          <p:nvPr/>
+        </p:nvPicPr>
+        <p:blipFill>
+          <a:blip r:embed="rId3" cstate="print"/>
+          <a:srcRect/>
+          <a:stretch>
+            <a:fillRect/>
+          </a:stretch>
+        </p:blipFill>
+        <p:spPr bwMode="auto">
+          <a:xfrm>
+            <a:off x="6096000" y="1600200"/>
+            <a:ext cx="4572000" cy="4565650"/>
+          </a:xfrm>
+          <a:prstGeom prst="rect">
+            <a:avLst/>
+          </a:prstGeom>
+          <a:noFill/>
+          <a:ln w="9525">
+            <a:noFill/>
+            <a:miter lim="800000"/>
+            <a:headEnd/>
+            <a:tailEnd/>
+          </a:ln>
+        </p:spPr>
+      </p:pic>
+      <p:sp>
+        <p:nvSpPr>
+          <p:cNvPr id="90116" name="Rectangle 2"/>
+          <p:cNvSpPr>
+            <a:spLocks noGrp="1" noChangeArrowheads="1"/>
+          </p:cNvSpPr>
+          <p:nvPr>
+            <p:ph type="title" idx="4294967295"/>
+          </p:nvPr>
+        </p:nvSpPr>
+        <p:spPr>
+          <a:xfrm>
+            <a:off x="1981200" y="537369"/>
+            <a:ext cx="8229600" cy="1143000"/>
+          </a:xfrm>
+        </p:spPr>
+        <p:txBody>
+          <a:bodyPr/>
+          <a:lstStyle/>
+          <a:p>
+            <a:pPr eaLnBrk="1" hangingPunct="1"/>
+            <a:r>
+              <a:rPr lang="en-US" sz="4000" dirty="0"/>
+              <a:t>Wavelet with changing frequencies</a:t>
+            </a:r>
+          </a:p>
+        </p:txBody>
+      </p:sp>
+      <p:sp>
+        <p:nvSpPr>
+          <p:cNvPr id="90117" name="Text Box 16"/>
+          <p:cNvSpPr txBox="1">
+            <a:spLocks noChangeArrowheads="1"/>
+          </p:cNvSpPr>
+          <p:nvPr/>
+        </p:nvSpPr>
+        <p:spPr bwMode="auto">
+          <a:xfrm>
+            <a:off x="4768850" y="6216650"/>
+            <a:ext cx="5899150" cy="641350"/>
+          </a:xfrm>
+          <a:prstGeom prst="rect">
+            <a:avLst/>
+          </a:prstGeom>
+          <a:noFill/>
+          <a:ln w="9525">
+            <a:noFill/>
+            <a:miter lim="800000"/>
+            <a:headEnd/>
+            <a:tailEnd/>
+          </a:ln>
+        </p:spPr>
+        <p:txBody>
+          <a:bodyPr wrap="none">
+            <a:spAutoFit/>
+          </a:bodyPr>
+          <a:lstStyle/>
+          <a:p>
+            <a:r>
+              <a:rPr lang="en-US"/>
+              <a:t>Interpretation: Wavelength increases from ~0.25 to ~0.5 </a:t>
+            </a:r>
+          </a:p>
+          <a:p>
+            <a:r>
+              <a:rPr lang="en-US"/>
+              <a:t>(from 4 cycles/year to 2 cycles/year) </a:t>
+            </a:r>
+          </a:p>
+        </p:txBody>
+      </p:sp>
+    </p:spTree>
+    <p:extLst>
+      <p:ext uri="{BB962C8B-B14F-4D97-AF65-F5344CB8AC3E}">
+        <p14:creationId xmlns:p14="http://schemas.microsoft.com/office/powerpoint/2010/main" val="3506861373"/>
+      </p:ext>
+    </p:extLst>
+  </p:cSld>
+  <p:clrMapOvr>
+    <a:masterClrMapping/>
+  </p:clrMapOvr>
+</p:sld>
+</file>
+
+<file path=ppt/slides/slide42.xml><?xml version="1.0" encoding="utf-8"?>
+<p:sld xmlns:a="http://schemas.openxmlformats.org/drawingml/2006/main" xmlns:r="http://schemas.openxmlformats.org/officeDocument/2006/relationships" xmlns:p="http://schemas.openxmlformats.org/presentationml/2006/main">
+  <p:cSld>
+    <p:spTree>
+      <p:nvGrpSpPr>
+        <p:cNvPr id="1" name=""/>
+        <p:cNvGrpSpPr/>
+        <p:nvPr/>
+      </p:nvGrpSpPr>
+      <p:grpSpPr>
+        <a:xfrm>
+          <a:off x="0" y="0"/>
+          <a:ext cx="0" cy="0"/>
+          <a:chOff x="0" y="0"/>
+          <a:chExt cx="0" cy="0"/>
+        </a:xfrm>
+      </p:grpSpPr>
+      <p:sp>
+        <p:nvSpPr>
+          <p:cNvPr id="91137" name="Rectangle 2"/>
+          <p:cNvSpPr>
+            <a:spLocks noGrp="1"/>
+          </p:cNvSpPr>
+          <p:nvPr>
+            <p:ph type="title" idx="4294967295"/>
+          </p:nvPr>
+        </p:nvSpPr>
+        <p:spPr>
+          <a:xfrm>
+            <a:off x="1600200" y="647700"/>
+            <a:ext cx="8229600" cy="1143000"/>
+          </a:xfrm>
+        </p:spPr>
+        <p:txBody>
+          <a:bodyPr/>
+          <a:lstStyle/>
+          <a:p>
+            <a:r>
+              <a:rPr lang="en-US" dirty="0"/>
+              <a:t>Example: epidemic timing</a:t>
+            </a:r>
+          </a:p>
+        </p:txBody>
+      </p:sp>
+      <p:pic>
+        <p:nvPicPr>
+          <p:cNvPr id="91139" name="Picture 2"/>
+          <p:cNvPicPr>
+            <a:picLocks noChangeAspect="1" noChangeArrowheads="1"/>
+          </p:cNvPicPr>
+          <p:nvPr/>
+        </p:nvPicPr>
+        <p:blipFill>
+          <a:blip r:embed="rId2" cstate="print"/>
+          <a:srcRect/>
+          <a:stretch>
+            <a:fillRect/>
+          </a:stretch>
+        </p:blipFill>
+        <p:spPr bwMode="auto">
+          <a:xfrm>
+            <a:off x="2133600" y="3124200"/>
+            <a:ext cx="8286750" cy="3460750"/>
+          </a:xfrm>
+          <a:prstGeom prst="rect">
+            <a:avLst/>
+          </a:prstGeom>
+          <a:noFill/>
+          <a:ln w="9525">
+            <a:noFill/>
+            <a:miter lim="800000"/>
+            <a:headEnd/>
+            <a:tailEnd/>
+          </a:ln>
+        </p:spPr>
+      </p:pic>
+      <p:pic>
+        <p:nvPicPr>
+          <p:cNvPr id="91140" name="Picture 2"/>
+          <p:cNvPicPr>
+            <a:picLocks noChangeAspect="1" noChangeArrowheads="1"/>
+          </p:cNvPicPr>
+          <p:nvPr/>
+        </p:nvPicPr>
+        <p:blipFill>
+          <a:blip r:embed="rId3" cstate="print"/>
+          <a:srcRect b="75620"/>
+          <a:stretch>
+            <a:fillRect/>
+          </a:stretch>
+        </p:blipFill>
+        <p:spPr bwMode="auto">
+          <a:xfrm>
+            <a:off x="2133600" y="1828800"/>
+            <a:ext cx="8534400" cy="1219200"/>
+          </a:xfrm>
+          <a:prstGeom prst="rect">
+            <a:avLst/>
+          </a:prstGeom>
+          <a:noFill/>
+          <a:ln w="9525">
+            <a:noFill/>
+            <a:miter lim="800000"/>
+            <a:headEnd/>
+            <a:tailEnd/>
+          </a:ln>
+        </p:spPr>
+      </p:pic>
+      <p:sp>
+        <p:nvSpPr>
+          <p:cNvPr id="2" name="TextBox 1">
+            <a:extLst>
+              <a:ext uri="{FF2B5EF4-FFF2-40B4-BE49-F238E27FC236}">
+                <a16:creationId xmlns:a16="http://schemas.microsoft.com/office/drawing/2014/main" id="{2D89D3A2-27BC-4049-92FA-542D0F15360A}"/>
+              </a:ext>
+            </a:extLst>
+          </p:cNvPr>
+          <p:cNvSpPr txBox="1"/>
+          <p:nvPr/>
+        </p:nvSpPr>
+        <p:spPr>
+          <a:xfrm>
+            <a:off x="152400" y="6400284"/>
+            <a:ext cx="2255519" cy="369332"/>
+          </a:xfrm>
+          <a:prstGeom prst="rect">
+            <a:avLst/>
+          </a:prstGeom>
+          <a:noFill/>
+        </p:spPr>
+        <p:txBody>
+          <a:bodyPr wrap="square" rtlCol="0">
+            <a:spAutoFit/>
+          </a:bodyPr>
+          <a:lstStyle/>
+          <a:p>
+            <a:r>
+              <a:rPr lang="en-US" dirty="0"/>
+              <a:t>Grenfell, Science</a:t>
+            </a:r>
+          </a:p>
+        </p:txBody>
+      </p:sp>
+    </p:spTree>
+    <p:extLst>
+      <p:ext uri="{BB962C8B-B14F-4D97-AF65-F5344CB8AC3E}">
+        <p14:creationId xmlns:p14="http://schemas.microsoft.com/office/powerpoint/2010/main" val="2347495174"/>
+      </p:ext>
+    </p:extLst>
+  </p:cSld>
+  <p:clrMapOvr>
+    <a:masterClrMapping/>
+  </p:clrMapOvr>
+</p:sld>
+</file>
+
+<file path=ppt/slides/slide43.xml><?xml version="1.0" encoding="utf-8"?>
+<p:sld xmlns:a="http://schemas.openxmlformats.org/drawingml/2006/main" xmlns:r="http://schemas.openxmlformats.org/officeDocument/2006/relationships" xmlns:p="http://schemas.openxmlformats.org/presentationml/2006/main">
+  <p:cSld>
+    <p:spTree>
+      <p:nvGrpSpPr>
+        <p:cNvPr id="1" name=""/>
+        <p:cNvGrpSpPr/>
+        <p:nvPr/>
+      </p:nvGrpSpPr>
+      <p:grpSpPr>
+        <a:xfrm>
+          <a:off x="0" y="0"/>
+          <a:ext cx="0" cy="0"/>
+          <a:chOff x="0" y="0"/>
+          <a:chExt cx="0" cy="0"/>
+        </a:xfrm>
+      </p:grpSpPr>
+      <p:sp>
+        <p:nvSpPr>
           <p:cNvPr id="92161" name="Title 1"/>
           <p:cNvSpPr>
             <a:spLocks noGrp="1"/>
@@ -18725,7 +20004,7 @@
 </p:sld>
 </file>
 
-<file path=ppt/slides/slide42.xml><?xml version="1.0" encoding="utf-8"?>
+<file path=ppt/slides/slide44.xml><?xml version="1.0" encoding="utf-8"?>
 <p:sld xmlns:a="http://schemas.openxmlformats.org/drawingml/2006/main" xmlns:r="http://schemas.openxmlformats.org/officeDocument/2006/relationships" xmlns:p="http://schemas.openxmlformats.org/presentationml/2006/main">
   <p:cSld>
     <p:spTree>
@@ -19320,7 +20599,7 @@
 </p:sld>
 </file>
 
-<file path=ppt/slides/slide43.xml><?xml version="1.0" encoding="utf-8"?>
+<file path=ppt/slides/slide45.xml><?xml version="1.0" encoding="utf-8"?>
 <p:sld xmlns:a="http://schemas.openxmlformats.org/drawingml/2006/main" xmlns:r="http://schemas.openxmlformats.org/officeDocument/2006/relationships" xmlns:p="http://schemas.openxmlformats.org/presentationml/2006/main">
   <p:cSld>
     <p:spTree>
@@ -19376,7 +20655,28 @@
           <a:p>
             <a:r>
               <a:rPr lang="en-US" dirty="0"/>
+              <a:t>RSV data from WHO surveillance database (</a:t>
+            </a:r>
+            <a:r>
+              <a:rPr lang="en-US" dirty="0" err="1"/>
+              <a:t>FluMart</a:t>
+            </a:r>
+            <a:r>
+              <a:rPr lang="en-US" dirty="0"/>
+              <a:t>)</a:t>
+            </a:r>
+          </a:p>
+          <a:p>
+            <a:r>
+              <a:rPr lang="en-US" dirty="0"/>
               <a:t>Identify periodicity in the data</a:t>
+            </a:r>
+          </a:p>
+          <a:p>
+            <a:pPr lvl="1"/>
+            <a:r>
+              <a:rPr lang="en-US" dirty="0"/>
+              <a:t>Harmonic regression</a:t>
             </a:r>
           </a:p>
           <a:p>
@@ -19407,7 +20707,7 @@
 </p:sld>
 </file>
 
-<file path=ppt/slides/slide44.xml><?xml version="1.0" encoding="utf-8"?>
+<file path=ppt/slides/slide46.xml><?xml version="1.0" encoding="utf-8"?>
 <p:sld xmlns:a="http://schemas.openxmlformats.org/drawingml/2006/main" xmlns:r="http://schemas.openxmlformats.org/officeDocument/2006/relationships" xmlns:p="http://schemas.openxmlformats.org/presentationml/2006/main">
   <p:cSld>
     <p:spTree>
@@ -19662,6 +20962,424 @@
           <p:cNvPr id="2" name="Title 1">
             <a:extLst>
               <a:ext uri="{FF2B5EF4-FFF2-40B4-BE49-F238E27FC236}">
+                <a16:creationId xmlns:a16="http://schemas.microsoft.com/office/drawing/2014/main" id="{71780FA4-1100-480C-86A2-D09582D29CF8}"/>
+              </a:ext>
+            </a:extLst>
+          </p:cNvPr>
+          <p:cNvSpPr txBox="1">
+            <a:spLocks/>
+          </p:cNvSpPr>
+          <p:nvPr/>
+        </p:nvSpPr>
+        <p:spPr bwMode="auto">
+          <a:xfrm>
+            <a:off x="509081" y="990600"/>
+            <a:ext cx="10744200" cy="1143000"/>
+          </a:xfrm>
+          <a:prstGeom prst="rect">
+            <a:avLst/>
+          </a:prstGeom>
+          <a:noFill/>
+          <a:ln w="9525">
+            <a:noFill/>
+            <a:miter lim="800000"/>
+            <a:headEnd/>
+            <a:tailEnd/>
+          </a:ln>
+        </p:spPr>
+        <p:txBody>
+          <a:bodyPr vert="horz" wrap="square" lIns="91440" tIns="45720" rIns="91440" bIns="45720" numCol="1" anchor="ctr" anchorCtr="0" compatLnSpc="1">
+            <a:prstTxWarp prst="textNoShape">
+              <a:avLst/>
+            </a:prstTxWarp>
+          </a:bodyPr>
+          <a:lstStyle>
+            <a:lvl1pPr algn="ctr" rtl="0" eaLnBrk="0" fontAlgn="base" hangingPunct="0">
+              <a:spcBef>
+                <a:spcPct val="0"/>
+              </a:spcBef>
+              <a:spcAft>
+                <a:spcPct val="0"/>
+              </a:spcAft>
+              <a:defRPr sz="4400">
+                <a:solidFill>
+                  <a:schemeClr val="tx1"/>
+                </a:solidFill>
+                <a:latin typeface="+mj-lt"/>
+                <a:ea typeface="+mj-ea"/>
+                <a:cs typeface="+mj-cs"/>
+              </a:defRPr>
+            </a:lvl1pPr>
+            <a:lvl2pPr algn="ctr" rtl="0" eaLnBrk="0" fontAlgn="base" hangingPunct="0">
+              <a:spcBef>
+                <a:spcPct val="0"/>
+              </a:spcBef>
+              <a:spcAft>
+                <a:spcPct val="0"/>
+              </a:spcAft>
+              <a:defRPr sz="4400">
+                <a:solidFill>
+                  <a:schemeClr val="tx1"/>
+                </a:solidFill>
+                <a:latin typeface="Calibri" pitchFamily="34" charset="0"/>
+              </a:defRPr>
+            </a:lvl2pPr>
+            <a:lvl3pPr algn="ctr" rtl="0" eaLnBrk="0" fontAlgn="base" hangingPunct="0">
+              <a:spcBef>
+                <a:spcPct val="0"/>
+              </a:spcBef>
+              <a:spcAft>
+                <a:spcPct val="0"/>
+              </a:spcAft>
+              <a:defRPr sz="4400">
+                <a:solidFill>
+                  <a:schemeClr val="tx1"/>
+                </a:solidFill>
+                <a:latin typeface="Calibri" pitchFamily="34" charset="0"/>
+              </a:defRPr>
+            </a:lvl3pPr>
+            <a:lvl4pPr algn="ctr" rtl="0" eaLnBrk="0" fontAlgn="base" hangingPunct="0">
+              <a:spcBef>
+                <a:spcPct val="0"/>
+              </a:spcBef>
+              <a:spcAft>
+                <a:spcPct val="0"/>
+              </a:spcAft>
+              <a:defRPr sz="4400">
+                <a:solidFill>
+                  <a:schemeClr val="tx1"/>
+                </a:solidFill>
+                <a:latin typeface="Calibri" pitchFamily="34" charset="0"/>
+              </a:defRPr>
+            </a:lvl4pPr>
+            <a:lvl5pPr algn="ctr" rtl="0" eaLnBrk="0" fontAlgn="base" hangingPunct="0">
+              <a:spcBef>
+                <a:spcPct val="0"/>
+              </a:spcBef>
+              <a:spcAft>
+                <a:spcPct val="0"/>
+              </a:spcAft>
+              <a:defRPr sz="4400">
+                <a:solidFill>
+                  <a:schemeClr val="tx1"/>
+                </a:solidFill>
+                <a:latin typeface="Calibri" pitchFamily="34" charset="0"/>
+              </a:defRPr>
+            </a:lvl5pPr>
+            <a:lvl6pPr marL="457200" algn="ctr" rtl="0" fontAlgn="base">
+              <a:spcBef>
+                <a:spcPct val="0"/>
+              </a:spcBef>
+              <a:spcAft>
+                <a:spcPct val="0"/>
+              </a:spcAft>
+              <a:defRPr sz="4400">
+                <a:solidFill>
+                  <a:schemeClr val="tx1"/>
+                </a:solidFill>
+                <a:latin typeface="Calibri" pitchFamily="34" charset="0"/>
+              </a:defRPr>
+            </a:lvl6pPr>
+            <a:lvl7pPr marL="914400" algn="ctr" rtl="0" fontAlgn="base">
+              <a:spcBef>
+                <a:spcPct val="0"/>
+              </a:spcBef>
+              <a:spcAft>
+                <a:spcPct val="0"/>
+              </a:spcAft>
+              <a:defRPr sz="4400">
+                <a:solidFill>
+                  <a:schemeClr val="tx1"/>
+                </a:solidFill>
+                <a:latin typeface="Calibri" pitchFamily="34" charset="0"/>
+              </a:defRPr>
+            </a:lvl7pPr>
+            <a:lvl8pPr marL="1371600" algn="ctr" rtl="0" fontAlgn="base">
+              <a:spcBef>
+                <a:spcPct val="0"/>
+              </a:spcBef>
+              <a:spcAft>
+                <a:spcPct val="0"/>
+              </a:spcAft>
+              <a:defRPr sz="4400">
+                <a:solidFill>
+                  <a:schemeClr val="tx1"/>
+                </a:solidFill>
+                <a:latin typeface="Calibri" pitchFamily="34" charset="0"/>
+              </a:defRPr>
+            </a:lvl8pPr>
+            <a:lvl9pPr marL="1828800" algn="ctr" rtl="0" fontAlgn="base">
+              <a:spcBef>
+                <a:spcPct val="0"/>
+              </a:spcBef>
+              <a:spcAft>
+                <a:spcPct val="0"/>
+              </a:spcAft>
+              <a:defRPr sz="4400">
+                <a:solidFill>
+                  <a:schemeClr val="tx1"/>
+                </a:solidFill>
+                <a:latin typeface="Calibri" pitchFamily="34" charset="0"/>
+              </a:defRPr>
+            </a:lvl9pPr>
+          </a:lstStyle>
+          <a:p>
+            <a:r>
+              <a:rPr lang="en-US" kern="0" dirty="0"/>
+              <a:t>Motivating Question #2: What fraction of pneumonia cases are caused by influenza?</a:t>
+            </a:r>
+          </a:p>
+        </p:txBody>
+      </p:sp>
+      <p:pic>
+        <p:nvPicPr>
+          <p:cNvPr id="3" name="Picture 5">
+            <a:extLst>
+              <a:ext uri="{FF2B5EF4-FFF2-40B4-BE49-F238E27FC236}">
+                <a16:creationId xmlns:a16="http://schemas.microsoft.com/office/drawing/2014/main" id="{8941571A-0EF3-4AAD-B8A8-D229FA0A2C87}"/>
+              </a:ext>
+            </a:extLst>
+          </p:cNvPr>
+          <p:cNvPicPr>
+            <a:picLocks noChangeAspect="1" noChangeArrowheads="1"/>
+          </p:cNvPicPr>
+          <p:nvPr/>
+        </p:nvPicPr>
+        <p:blipFill rotWithShape="1">
+          <a:blip r:embed="rId2" cstate="print"/>
+          <a:srcRect l="1770" t="-10193" r="-1770" b="10193"/>
+          <a:stretch/>
+        </p:blipFill>
+        <p:spPr bwMode="auto">
+          <a:xfrm>
+            <a:off x="2209800" y="1981200"/>
+            <a:ext cx="7162800" cy="4595868"/>
+          </a:xfrm>
+          <a:prstGeom prst="rect">
+            <a:avLst/>
+          </a:prstGeom>
+          <a:noFill/>
+          <a:ln w="9525">
+            <a:noFill/>
+            <a:miter lim="800000"/>
+            <a:headEnd/>
+            <a:tailEnd/>
+          </a:ln>
+        </p:spPr>
+      </p:pic>
+    </p:spTree>
+    <p:extLst>
+      <p:ext uri="{BB962C8B-B14F-4D97-AF65-F5344CB8AC3E}">
+        <p14:creationId xmlns:p14="http://schemas.microsoft.com/office/powerpoint/2010/main" val="2487761618"/>
+      </p:ext>
+    </p:extLst>
+  </p:cSld>
+  <p:clrMapOvr>
+    <a:masterClrMapping/>
+  </p:clrMapOvr>
+</p:sld>
+</file>
+
+<file path=ppt/slides/slide6.xml><?xml version="1.0" encoding="utf-8"?>
+<p:sld xmlns:a="http://schemas.openxmlformats.org/drawingml/2006/main" xmlns:r="http://schemas.openxmlformats.org/officeDocument/2006/relationships" xmlns:p="http://schemas.openxmlformats.org/presentationml/2006/main">
+  <p:cSld>
+    <p:spTree>
+      <p:nvGrpSpPr>
+        <p:cNvPr id="1" name=""/>
+        <p:cNvGrpSpPr/>
+        <p:nvPr/>
+      </p:nvGrpSpPr>
+      <p:grpSpPr>
+        <a:xfrm>
+          <a:off x="0" y="0"/>
+          <a:ext cx="0" cy="0"/>
+          <a:chOff x="0" y="0"/>
+          <a:chExt cx="0" cy="0"/>
+        </a:xfrm>
+      </p:grpSpPr>
+      <p:sp>
+        <p:nvSpPr>
+          <p:cNvPr id="2" name="Title 1">
+            <a:extLst>
+              <a:ext uri="{FF2B5EF4-FFF2-40B4-BE49-F238E27FC236}">
+                <a16:creationId xmlns:a16="http://schemas.microsoft.com/office/drawing/2014/main" id="{259DABF0-7750-F17C-9AC1-D67992F0E960}"/>
+              </a:ext>
+            </a:extLst>
+          </p:cNvPr>
+          <p:cNvSpPr>
+            <a:spLocks noGrp="1"/>
+          </p:cNvSpPr>
+          <p:nvPr>
+            <p:ph type="title"/>
+          </p:nvPr>
+        </p:nvSpPr>
+        <p:spPr/>
+        <p:txBody>
+          <a:bodyPr/>
+          <a:lstStyle/>
+          <a:p>
+            <a:r>
+              <a:rPr lang="en-US" dirty="0"/>
+              <a:t>Motivating question #3</a:t>
+            </a:r>
+          </a:p>
+        </p:txBody>
+      </p:sp>
+      <p:sp>
+        <p:nvSpPr>
+          <p:cNvPr id="3" name="Content Placeholder 2">
+            <a:extLst>
+              <a:ext uri="{FF2B5EF4-FFF2-40B4-BE49-F238E27FC236}">
+                <a16:creationId xmlns:a16="http://schemas.microsoft.com/office/drawing/2014/main" id="{FDA326AB-2A4F-9A81-52A7-0933CEF616A2}"/>
+              </a:ext>
+            </a:extLst>
+          </p:cNvPr>
+          <p:cNvSpPr>
+            <a:spLocks noGrp="1"/>
+          </p:cNvSpPr>
+          <p:nvPr>
+            <p:ph idx="1"/>
+          </p:nvPr>
+        </p:nvSpPr>
+        <p:spPr>
+          <a:xfrm>
+            <a:off x="762000" y="1752600"/>
+            <a:ext cx="11252200" cy="4144963"/>
+          </a:xfrm>
+        </p:spPr>
+        <p:txBody>
+          <a:bodyPr/>
+          <a:lstStyle/>
+          <a:p>
+            <a:r>
+              <a:rPr lang="en-US" dirty="0"/>
+              <a:t>How does RSV epidemic timing vary over space?</a:t>
+            </a:r>
+          </a:p>
+        </p:txBody>
+      </p:sp>
+      <p:sp>
+        <p:nvSpPr>
+          <p:cNvPr id="5" name="TextBox 4">
+            <a:extLst>
+              <a:ext uri="{FF2B5EF4-FFF2-40B4-BE49-F238E27FC236}">
+                <a16:creationId xmlns:a16="http://schemas.microsoft.com/office/drawing/2014/main" id="{262A67C6-32C5-CB33-813F-34F8AC3558C1}"/>
+              </a:ext>
+            </a:extLst>
+          </p:cNvPr>
+          <p:cNvSpPr txBox="1"/>
+          <p:nvPr/>
+        </p:nvSpPr>
+        <p:spPr>
+          <a:xfrm>
+            <a:off x="7595870" y="6344268"/>
+            <a:ext cx="3433376" cy="369332"/>
+          </a:xfrm>
+          <a:prstGeom prst="rect">
+            <a:avLst/>
+          </a:prstGeom>
+          <a:noFill/>
+        </p:spPr>
+        <p:txBody>
+          <a:bodyPr wrap="none" rtlCol="0">
+            <a:spAutoFit/>
+          </a:bodyPr>
+          <a:lstStyle/>
+          <a:p>
+            <a:r>
+              <a:rPr lang="en-US" dirty="0"/>
+              <a:t>Zheng, </a:t>
+            </a:r>
+            <a:r>
+              <a:rPr lang="en-US" i="1" dirty="0"/>
+              <a:t>Science Advances 2021</a:t>
+            </a:r>
+            <a:endParaRPr lang="en-US" dirty="0"/>
+          </a:p>
+        </p:txBody>
+      </p:sp>
+      <p:pic>
+        <p:nvPicPr>
+          <p:cNvPr id="12292" name="Picture 4">
+            <a:extLst>
+              <a:ext uri="{FF2B5EF4-FFF2-40B4-BE49-F238E27FC236}">
+                <a16:creationId xmlns:a16="http://schemas.microsoft.com/office/drawing/2014/main" id="{B68800C0-8857-82C4-47AD-4471EA24D8C1}"/>
+              </a:ext>
+            </a:extLst>
+          </p:cNvPr>
+          <p:cNvPicPr>
+            <a:picLocks noChangeAspect="1" noChangeArrowheads="1"/>
+          </p:cNvPicPr>
+          <p:nvPr/>
+        </p:nvPicPr>
+        <p:blipFill>
+          <a:blip r:embed="rId2">
+            <a:extLst>
+              <a:ext uri="{28A0092B-C50C-407E-A947-70E740481C1C}">
+                <a14:useLocalDpi xmlns:a14="http://schemas.microsoft.com/office/drawing/2010/main" val="0"/>
+              </a:ext>
+            </a:extLst>
+          </a:blip>
+          <a:srcRect/>
+          <a:stretch>
+            <a:fillRect/>
+          </a:stretch>
+        </p:blipFill>
+        <p:spPr bwMode="auto">
+          <a:xfrm>
+            <a:off x="2514600" y="2887665"/>
+            <a:ext cx="4191000" cy="3314700"/>
+          </a:xfrm>
+          <a:prstGeom prst="rect">
+            <a:avLst/>
+          </a:prstGeom>
+          <a:noFill/>
+          <a:extLst>
+            <a:ext uri="{909E8E84-426E-40DD-AFC4-6F175D3DCCD1}">
+              <a14:hiddenFill xmlns:a14="http://schemas.microsoft.com/office/drawing/2010/main">
+                <a:solidFill>
+                  <a:srgbClr val="FFFFFF"/>
+                </a:solidFill>
+              </a14:hiddenFill>
+            </a:ext>
+          </a:extLst>
+        </p:spPr>
+      </p:pic>
+    </p:spTree>
+    <p:extLst>
+      <p:ext uri="{BB962C8B-B14F-4D97-AF65-F5344CB8AC3E}">
+        <p14:creationId xmlns:p14="http://schemas.microsoft.com/office/powerpoint/2010/main" val="2429114650"/>
+      </p:ext>
+    </p:extLst>
+  </p:cSld>
+  <p:clrMapOvr>
+    <a:masterClrMapping/>
+  </p:clrMapOvr>
+</p:sld>
+</file>
+
+<file path=ppt/slides/slide7.xml><?xml version="1.0" encoding="utf-8"?>
+<p:sld xmlns:a="http://schemas.openxmlformats.org/drawingml/2006/main" xmlns:r="http://schemas.openxmlformats.org/officeDocument/2006/relationships" xmlns:p="http://schemas.openxmlformats.org/presentationml/2006/main">
+  <p:cSld>
+    <p:spTree>
+      <p:nvGrpSpPr>
+        <p:cNvPr id="1" name=""/>
+        <p:cNvGrpSpPr/>
+        <p:nvPr/>
+      </p:nvGrpSpPr>
+      <p:grpSpPr>
+        <a:xfrm>
+          <a:off x="0" y="0"/>
+          <a:ext cx="0" cy="0"/>
+          <a:chOff x="0" y="0"/>
+          <a:chExt cx="0" cy="0"/>
+        </a:xfrm>
+      </p:grpSpPr>
+      <p:sp>
+        <p:nvSpPr>
+          <p:cNvPr id="2" name="Title 1">
+            <a:extLst>
+              <a:ext uri="{FF2B5EF4-FFF2-40B4-BE49-F238E27FC236}">
                 <a16:creationId xmlns:a16="http://schemas.microsoft.com/office/drawing/2014/main" id="{B601D93B-3863-4E33-9AB5-61D5869D9595}"/>
               </a:ext>
             </a:extLst>
@@ -19739,7 +21457,7 @@
 </p:sld>
 </file>
 
-<file path=ppt/slides/slide6.xml><?xml version="1.0" encoding="utf-8"?>
+<file path=ppt/slides/slide8.xml><?xml version="1.0" encoding="utf-8"?>
 <p:sld xmlns:a="http://schemas.openxmlformats.org/drawingml/2006/main" xmlns:r="http://schemas.openxmlformats.org/officeDocument/2006/relationships" xmlns:p="http://schemas.openxmlformats.org/presentationml/2006/main">
   <p:cSld>
     <p:spTree>
@@ -19860,7 +21578,7 @@
 </p:sld>
 </file>
 
-<file path=ppt/slides/slide7.xml><?xml version="1.0" encoding="utf-8"?>
+<file path=ppt/slides/slide9.xml><?xml version="1.0" encoding="utf-8"?>
 <p:sld xmlns:a="http://schemas.openxmlformats.org/drawingml/2006/main" xmlns:r="http://schemas.openxmlformats.org/officeDocument/2006/relationships" xmlns:p="http://schemas.openxmlformats.org/presentationml/2006/main">
   <p:cSld>
     <p:spTree>
@@ -20458,1457 +22176,6 @@
       <p:bldP spid="16" grpId="0"/>
     </p:bldLst>
   </p:timing>
-</p:sld>
-</file>
-
-<file path=ppt/slides/slide8.xml><?xml version="1.0" encoding="utf-8"?>
-<p:sld xmlns:a="http://schemas.openxmlformats.org/drawingml/2006/main" xmlns:r="http://schemas.openxmlformats.org/officeDocument/2006/relationships" xmlns:p="http://schemas.openxmlformats.org/presentationml/2006/main">
-  <p:cSld>
-    <p:spTree>
-      <p:nvGrpSpPr>
-        <p:cNvPr id="1" name=""/>
-        <p:cNvGrpSpPr/>
-        <p:nvPr/>
-      </p:nvGrpSpPr>
-      <p:grpSpPr>
-        <a:xfrm>
-          <a:off x="0" y="0"/>
-          <a:ext cx="0" cy="0"/>
-          <a:chOff x="0" y="0"/>
-          <a:chExt cx="0" cy="0"/>
-        </a:xfrm>
-      </p:grpSpPr>
-      <p:sp>
-        <p:nvSpPr>
-          <p:cNvPr id="4" name="Title 3"/>
-          <p:cNvSpPr>
-            <a:spLocks noGrp="1"/>
-          </p:cNvSpPr>
-          <p:nvPr>
-            <p:ph type="title"/>
-          </p:nvPr>
-        </p:nvSpPr>
-        <p:spPr>
-          <a:xfrm>
-            <a:off x="1901190" y="445533"/>
-            <a:ext cx="8229600" cy="1143000"/>
-          </a:xfrm>
-        </p:spPr>
-        <p:txBody>
-          <a:bodyPr/>
-          <a:lstStyle/>
-          <a:p>
-            <a:r>
-              <a:rPr lang="en-US" dirty="0"/>
-              <a:t>Describing a periodic signal</a:t>
-            </a:r>
-          </a:p>
-        </p:txBody>
-      </p:sp>
-      <p:sp>
-        <p:nvSpPr>
-          <p:cNvPr id="6" name="Freeform 5"/>
-          <p:cNvSpPr/>
-          <p:nvPr/>
-        </p:nvSpPr>
-        <p:spPr>
-          <a:xfrm>
-            <a:off x="2613660" y="1676401"/>
-            <a:ext cx="5935980" cy="2042169"/>
-          </a:xfrm>
-          <a:custGeom>
-            <a:avLst/>
-            <a:gdLst>
-              <a:gd name="connsiteX0" fmla="*/ 0 w 5935980"/>
-              <a:gd name="connsiteY0" fmla="*/ 2042169 h 2042169"/>
-              <a:gd name="connsiteX1" fmla="*/ 845820 w 5935980"/>
-              <a:gd name="connsiteY1" fmla="*/ 9 h 2042169"/>
-              <a:gd name="connsiteX2" fmla="*/ 1889760 w 5935980"/>
-              <a:gd name="connsiteY2" fmla="*/ 2011689 h 2042169"/>
-              <a:gd name="connsiteX3" fmla="*/ 3048000 w 5935980"/>
-              <a:gd name="connsiteY3" fmla="*/ 22869 h 2042169"/>
-              <a:gd name="connsiteX4" fmla="*/ 4030980 w 5935980"/>
-              <a:gd name="connsiteY4" fmla="*/ 1920249 h 2042169"/>
-              <a:gd name="connsiteX5" fmla="*/ 5097780 w 5935980"/>
-              <a:gd name="connsiteY5" fmla="*/ 114309 h 2042169"/>
-              <a:gd name="connsiteX6" fmla="*/ 5935980 w 5935980"/>
-              <a:gd name="connsiteY6" fmla="*/ 1927869 h 2042169"/>
-            </a:gdLst>
-            <a:ahLst/>
-            <a:cxnLst>
-              <a:cxn ang="0">
-                <a:pos x="connsiteX0" y="connsiteY0"/>
-              </a:cxn>
-              <a:cxn ang="0">
-                <a:pos x="connsiteX1" y="connsiteY1"/>
-              </a:cxn>
-              <a:cxn ang="0">
-                <a:pos x="connsiteX2" y="connsiteY2"/>
-              </a:cxn>
-              <a:cxn ang="0">
-                <a:pos x="connsiteX3" y="connsiteY3"/>
-              </a:cxn>
-              <a:cxn ang="0">
-                <a:pos x="connsiteX4" y="connsiteY4"/>
-              </a:cxn>
-              <a:cxn ang="0">
-                <a:pos x="connsiteX5" y="connsiteY5"/>
-              </a:cxn>
-              <a:cxn ang="0">
-                <a:pos x="connsiteX6" y="connsiteY6"/>
-              </a:cxn>
-            </a:cxnLst>
-            <a:rect l="l" t="t" r="r" b="b"/>
-            <a:pathLst>
-              <a:path w="5935980" h="2042169">
-                <a:moveTo>
-                  <a:pt x="0" y="2042169"/>
-                </a:moveTo>
-                <a:cubicBezTo>
-                  <a:pt x="265430" y="1023629"/>
-                  <a:pt x="530860" y="5089"/>
-                  <a:pt x="845820" y="9"/>
-                </a:cubicBezTo>
-                <a:cubicBezTo>
-                  <a:pt x="1160780" y="-5071"/>
-                  <a:pt x="1522730" y="2007879"/>
-                  <a:pt x="1889760" y="2011689"/>
-                </a:cubicBezTo>
-                <a:cubicBezTo>
-                  <a:pt x="2256790" y="2015499"/>
-                  <a:pt x="2691130" y="38109"/>
-                  <a:pt x="3048000" y="22869"/>
-                </a:cubicBezTo>
-                <a:cubicBezTo>
-                  <a:pt x="3404870" y="7629"/>
-                  <a:pt x="3689350" y="1905009"/>
-                  <a:pt x="4030980" y="1920249"/>
-                </a:cubicBezTo>
-                <a:cubicBezTo>
-                  <a:pt x="4372610" y="1935489"/>
-                  <a:pt x="4780280" y="113039"/>
-                  <a:pt x="5097780" y="114309"/>
-                </a:cubicBezTo>
-                <a:cubicBezTo>
-                  <a:pt x="5415280" y="115579"/>
-                  <a:pt x="5675630" y="1021724"/>
-                  <a:pt x="5935980" y="1927869"/>
-                </a:cubicBezTo>
-              </a:path>
-            </a:pathLst>
-          </a:custGeom>
-          <a:noFill/>
-        </p:spPr>
-        <p:style>
-          <a:lnRef idx="2">
-            <a:schemeClr val="accent1">
-              <a:shade val="50000"/>
-            </a:schemeClr>
-          </a:lnRef>
-          <a:fillRef idx="1">
-            <a:schemeClr val="accent1"/>
-          </a:fillRef>
-          <a:effectRef idx="0">
-            <a:schemeClr val="accent1"/>
-          </a:effectRef>
-          <a:fontRef idx="minor">
-            <a:schemeClr val="lt1"/>
-          </a:fontRef>
-        </p:style>
-        <p:txBody>
-          <a:bodyPr rtlCol="0" anchor="ctr"/>
-          <a:lstStyle/>
-          <a:p>
-            <a:pPr algn="ctr"/>
-            <a:endParaRPr lang="en-US"/>
-          </a:p>
-        </p:txBody>
-      </p:sp>
-      <p:sp>
-        <p:nvSpPr>
-          <p:cNvPr id="7" name="Freeform 6"/>
-          <p:cNvSpPr/>
-          <p:nvPr/>
-        </p:nvSpPr>
-        <p:spPr>
-          <a:xfrm>
-            <a:off x="2819400" y="4419601"/>
-            <a:ext cx="5935980" cy="2042169"/>
-          </a:xfrm>
-          <a:custGeom>
-            <a:avLst/>
-            <a:gdLst>
-              <a:gd name="connsiteX0" fmla="*/ 0 w 5935980"/>
-              <a:gd name="connsiteY0" fmla="*/ 2042169 h 2042169"/>
-              <a:gd name="connsiteX1" fmla="*/ 845820 w 5935980"/>
-              <a:gd name="connsiteY1" fmla="*/ 9 h 2042169"/>
-              <a:gd name="connsiteX2" fmla="*/ 1889760 w 5935980"/>
-              <a:gd name="connsiteY2" fmla="*/ 2011689 h 2042169"/>
-              <a:gd name="connsiteX3" fmla="*/ 3048000 w 5935980"/>
-              <a:gd name="connsiteY3" fmla="*/ 22869 h 2042169"/>
-              <a:gd name="connsiteX4" fmla="*/ 4030980 w 5935980"/>
-              <a:gd name="connsiteY4" fmla="*/ 1920249 h 2042169"/>
-              <a:gd name="connsiteX5" fmla="*/ 5097780 w 5935980"/>
-              <a:gd name="connsiteY5" fmla="*/ 114309 h 2042169"/>
-              <a:gd name="connsiteX6" fmla="*/ 5935980 w 5935980"/>
-              <a:gd name="connsiteY6" fmla="*/ 1927869 h 2042169"/>
-            </a:gdLst>
-            <a:ahLst/>
-            <a:cxnLst>
-              <a:cxn ang="0">
-                <a:pos x="connsiteX0" y="connsiteY0"/>
-              </a:cxn>
-              <a:cxn ang="0">
-                <a:pos x="connsiteX1" y="connsiteY1"/>
-              </a:cxn>
-              <a:cxn ang="0">
-                <a:pos x="connsiteX2" y="connsiteY2"/>
-              </a:cxn>
-              <a:cxn ang="0">
-                <a:pos x="connsiteX3" y="connsiteY3"/>
-              </a:cxn>
-              <a:cxn ang="0">
-                <a:pos x="connsiteX4" y="connsiteY4"/>
-              </a:cxn>
-              <a:cxn ang="0">
-                <a:pos x="connsiteX5" y="connsiteY5"/>
-              </a:cxn>
-              <a:cxn ang="0">
-                <a:pos x="connsiteX6" y="connsiteY6"/>
-              </a:cxn>
-            </a:cxnLst>
-            <a:rect l="l" t="t" r="r" b="b"/>
-            <a:pathLst>
-              <a:path w="5935980" h="2042169">
-                <a:moveTo>
-                  <a:pt x="0" y="2042169"/>
-                </a:moveTo>
-                <a:cubicBezTo>
-                  <a:pt x="265430" y="1023629"/>
-                  <a:pt x="530860" y="5089"/>
-                  <a:pt x="845820" y="9"/>
-                </a:cubicBezTo>
-                <a:cubicBezTo>
-                  <a:pt x="1160780" y="-5071"/>
-                  <a:pt x="1522730" y="2007879"/>
-                  <a:pt x="1889760" y="2011689"/>
-                </a:cubicBezTo>
-                <a:cubicBezTo>
-                  <a:pt x="2256790" y="2015499"/>
-                  <a:pt x="2691130" y="38109"/>
-                  <a:pt x="3048000" y="22869"/>
-                </a:cubicBezTo>
-                <a:cubicBezTo>
-                  <a:pt x="3404870" y="7629"/>
-                  <a:pt x="3689350" y="1905009"/>
-                  <a:pt x="4030980" y="1920249"/>
-                </a:cubicBezTo>
-                <a:cubicBezTo>
-                  <a:pt x="4372610" y="1935489"/>
-                  <a:pt x="4780280" y="113039"/>
-                  <a:pt x="5097780" y="114309"/>
-                </a:cubicBezTo>
-                <a:cubicBezTo>
-                  <a:pt x="5415280" y="115579"/>
-                  <a:pt x="5675630" y="1021724"/>
-                  <a:pt x="5935980" y="1927869"/>
-                </a:cubicBezTo>
-              </a:path>
-            </a:pathLst>
-          </a:custGeom>
-          <a:noFill/>
-        </p:spPr>
-        <p:style>
-          <a:lnRef idx="2">
-            <a:schemeClr val="accent1">
-              <a:shade val="50000"/>
-            </a:schemeClr>
-          </a:lnRef>
-          <a:fillRef idx="1">
-            <a:schemeClr val="accent1"/>
-          </a:fillRef>
-          <a:effectRef idx="0">
-            <a:schemeClr val="accent1"/>
-          </a:effectRef>
-          <a:fontRef idx="minor">
-            <a:schemeClr val="lt1"/>
-          </a:fontRef>
-        </p:style>
-        <p:txBody>
-          <a:bodyPr rtlCol="0" anchor="ctr"/>
-          <a:lstStyle/>
-          <a:p>
-            <a:pPr algn="ctr"/>
-            <a:endParaRPr lang="en-US"/>
-          </a:p>
-        </p:txBody>
-      </p:sp>
-      <p:sp>
-        <p:nvSpPr>
-          <p:cNvPr id="8" name="Freeform 7"/>
-          <p:cNvSpPr/>
-          <p:nvPr/>
-        </p:nvSpPr>
-        <p:spPr>
-          <a:xfrm>
-            <a:off x="3048000" y="4419601"/>
-            <a:ext cx="5935980" cy="2042169"/>
-          </a:xfrm>
-          <a:custGeom>
-            <a:avLst/>
-            <a:gdLst>
-              <a:gd name="connsiteX0" fmla="*/ 0 w 5935980"/>
-              <a:gd name="connsiteY0" fmla="*/ 2042169 h 2042169"/>
-              <a:gd name="connsiteX1" fmla="*/ 845820 w 5935980"/>
-              <a:gd name="connsiteY1" fmla="*/ 9 h 2042169"/>
-              <a:gd name="connsiteX2" fmla="*/ 1889760 w 5935980"/>
-              <a:gd name="connsiteY2" fmla="*/ 2011689 h 2042169"/>
-              <a:gd name="connsiteX3" fmla="*/ 3048000 w 5935980"/>
-              <a:gd name="connsiteY3" fmla="*/ 22869 h 2042169"/>
-              <a:gd name="connsiteX4" fmla="*/ 4030980 w 5935980"/>
-              <a:gd name="connsiteY4" fmla="*/ 1920249 h 2042169"/>
-              <a:gd name="connsiteX5" fmla="*/ 5097780 w 5935980"/>
-              <a:gd name="connsiteY5" fmla="*/ 114309 h 2042169"/>
-              <a:gd name="connsiteX6" fmla="*/ 5935980 w 5935980"/>
-              <a:gd name="connsiteY6" fmla="*/ 1927869 h 2042169"/>
-            </a:gdLst>
-            <a:ahLst/>
-            <a:cxnLst>
-              <a:cxn ang="0">
-                <a:pos x="connsiteX0" y="connsiteY0"/>
-              </a:cxn>
-              <a:cxn ang="0">
-                <a:pos x="connsiteX1" y="connsiteY1"/>
-              </a:cxn>
-              <a:cxn ang="0">
-                <a:pos x="connsiteX2" y="connsiteY2"/>
-              </a:cxn>
-              <a:cxn ang="0">
-                <a:pos x="connsiteX3" y="connsiteY3"/>
-              </a:cxn>
-              <a:cxn ang="0">
-                <a:pos x="connsiteX4" y="connsiteY4"/>
-              </a:cxn>
-              <a:cxn ang="0">
-                <a:pos x="connsiteX5" y="connsiteY5"/>
-              </a:cxn>
-              <a:cxn ang="0">
-                <a:pos x="connsiteX6" y="connsiteY6"/>
-              </a:cxn>
-            </a:cxnLst>
-            <a:rect l="l" t="t" r="r" b="b"/>
-            <a:pathLst>
-              <a:path w="5935980" h="2042169">
-                <a:moveTo>
-                  <a:pt x="0" y="2042169"/>
-                </a:moveTo>
-                <a:cubicBezTo>
-                  <a:pt x="265430" y="1023629"/>
-                  <a:pt x="530860" y="5089"/>
-                  <a:pt x="845820" y="9"/>
-                </a:cubicBezTo>
-                <a:cubicBezTo>
-                  <a:pt x="1160780" y="-5071"/>
-                  <a:pt x="1522730" y="2007879"/>
-                  <a:pt x="1889760" y="2011689"/>
-                </a:cubicBezTo>
-                <a:cubicBezTo>
-                  <a:pt x="2256790" y="2015499"/>
-                  <a:pt x="2691130" y="38109"/>
-                  <a:pt x="3048000" y="22869"/>
-                </a:cubicBezTo>
-                <a:cubicBezTo>
-                  <a:pt x="3404870" y="7629"/>
-                  <a:pt x="3689350" y="1905009"/>
-                  <a:pt x="4030980" y="1920249"/>
-                </a:cubicBezTo>
-                <a:cubicBezTo>
-                  <a:pt x="4372610" y="1935489"/>
-                  <a:pt x="4780280" y="113039"/>
-                  <a:pt x="5097780" y="114309"/>
-                </a:cubicBezTo>
-                <a:cubicBezTo>
-                  <a:pt x="5415280" y="115579"/>
-                  <a:pt x="5675630" y="1021724"/>
-                  <a:pt x="5935980" y="1927869"/>
-                </a:cubicBezTo>
-              </a:path>
-            </a:pathLst>
-          </a:custGeom>
-          <a:noFill/>
-          <a:ln>
-            <a:solidFill>
-              <a:schemeClr val="accent2"/>
-            </a:solidFill>
-          </a:ln>
-        </p:spPr>
-        <p:style>
-          <a:lnRef idx="2">
-            <a:schemeClr val="accent1">
-              <a:shade val="50000"/>
-            </a:schemeClr>
-          </a:lnRef>
-          <a:fillRef idx="1">
-            <a:schemeClr val="accent1"/>
-          </a:fillRef>
-          <a:effectRef idx="0">
-            <a:schemeClr val="accent1"/>
-          </a:effectRef>
-          <a:fontRef idx="minor">
-            <a:schemeClr val="lt1"/>
-          </a:fontRef>
-        </p:style>
-        <p:txBody>
-          <a:bodyPr rtlCol="0" anchor="ctr"/>
-          <a:lstStyle/>
-          <a:p>
-            <a:pPr algn="ctr"/>
-            <a:endParaRPr lang="en-US"/>
-          </a:p>
-        </p:txBody>
-      </p:sp>
-      <p:cxnSp>
-        <p:nvCxnSpPr>
-          <p:cNvPr id="10" name="Straight Arrow Connector 9"/>
-          <p:cNvCxnSpPr/>
-          <p:nvPr/>
-        </p:nvCxnSpPr>
-        <p:spPr>
-          <a:xfrm>
-            <a:off x="3352800" y="1600200"/>
-            <a:ext cx="2286000" cy="0"/>
-          </a:xfrm>
-          <a:prstGeom prst="straightConnector1">
-            <a:avLst/>
-          </a:prstGeom>
-          <a:ln w="28575">
-            <a:headEnd type="oval"/>
-            <a:tailEnd type="oval"/>
-          </a:ln>
-        </p:spPr>
-        <p:style>
-          <a:lnRef idx="1">
-            <a:schemeClr val="accent1"/>
-          </a:lnRef>
-          <a:fillRef idx="0">
-            <a:schemeClr val="accent1"/>
-          </a:fillRef>
-          <a:effectRef idx="0">
-            <a:schemeClr val="accent1"/>
-          </a:effectRef>
-          <a:fontRef idx="minor">
-            <a:schemeClr val="tx1"/>
-          </a:fontRef>
-        </p:style>
-      </p:cxnSp>
-      <p:sp>
-        <p:nvSpPr>
-          <p:cNvPr id="11" name="TextBox 10"/>
-          <p:cNvSpPr txBox="1"/>
-          <p:nvPr/>
-        </p:nvSpPr>
-        <p:spPr>
-          <a:xfrm>
-            <a:off x="4070043" y="1230868"/>
-            <a:ext cx="851515" cy="369332"/>
-          </a:xfrm>
-          <a:prstGeom prst="rect">
-            <a:avLst/>
-          </a:prstGeom>
-          <a:noFill/>
-        </p:spPr>
-        <p:txBody>
-          <a:bodyPr wrap="none" rtlCol="0">
-            <a:spAutoFit/>
-          </a:bodyPr>
-          <a:lstStyle/>
-          <a:p>
-            <a:r>
-              <a:rPr lang="en-US" dirty="0"/>
-              <a:t>Period</a:t>
-            </a:r>
-          </a:p>
-        </p:txBody>
-      </p:sp>
-      <p:cxnSp>
-        <p:nvCxnSpPr>
-          <p:cNvPr id="12" name="Straight Arrow Connector 11"/>
-          <p:cNvCxnSpPr/>
-          <p:nvPr/>
-        </p:nvCxnSpPr>
-        <p:spPr>
-          <a:xfrm flipV="1">
-            <a:off x="8549640" y="1752600"/>
-            <a:ext cx="7620" cy="838200"/>
-          </a:xfrm>
-          <a:prstGeom prst="straightConnector1">
-            <a:avLst/>
-          </a:prstGeom>
-          <a:ln w="28575">
-            <a:headEnd type="oval"/>
-            <a:tailEnd type="oval"/>
-          </a:ln>
-        </p:spPr>
-        <p:style>
-          <a:lnRef idx="1">
-            <a:schemeClr val="accent1"/>
-          </a:lnRef>
-          <a:fillRef idx="0">
-            <a:schemeClr val="accent1"/>
-          </a:fillRef>
-          <a:effectRef idx="0">
-            <a:schemeClr val="accent1"/>
-          </a:effectRef>
-          <a:fontRef idx="minor">
-            <a:schemeClr val="tx1"/>
-          </a:fontRef>
-        </p:style>
-      </p:cxnSp>
-      <p:cxnSp>
-        <p:nvCxnSpPr>
-          <p:cNvPr id="15" name="Straight Connector 14"/>
-          <p:cNvCxnSpPr/>
-          <p:nvPr/>
-        </p:nvCxnSpPr>
-        <p:spPr>
-          <a:xfrm>
-            <a:off x="1752600" y="2590800"/>
-            <a:ext cx="8153400" cy="0"/>
-          </a:xfrm>
-          <a:prstGeom prst="line">
-            <a:avLst/>
-          </a:prstGeom>
-          <a:ln>
-            <a:prstDash val="dash"/>
-          </a:ln>
-        </p:spPr>
-        <p:style>
-          <a:lnRef idx="1">
-            <a:schemeClr val="accent1"/>
-          </a:lnRef>
-          <a:fillRef idx="0">
-            <a:schemeClr val="accent1"/>
-          </a:fillRef>
-          <a:effectRef idx="0">
-            <a:schemeClr val="accent1"/>
-          </a:effectRef>
-          <a:fontRef idx="minor">
-            <a:schemeClr val="tx1"/>
-          </a:fontRef>
-        </p:style>
-      </p:cxnSp>
-      <p:sp>
-        <p:nvSpPr>
-          <p:cNvPr id="17" name="TextBox 16"/>
-          <p:cNvSpPr txBox="1"/>
-          <p:nvPr/>
-        </p:nvSpPr>
-        <p:spPr>
-          <a:xfrm>
-            <a:off x="8755380" y="2045732"/>
-            <a:ext cx="1210588" cy="369332"/>
-          </a:xfrm>
-          <a:prstGeom prst="rect">
-            <a:avLst/>
-          </a:prstGeom>
-          <a:noFill/>
-        </p:spPr>
-        <p:txBody>
-          <a:bodyPr wrap="none" rtlCol="0">
-            <a:spAutoFit/>
-          </a:bodyPr>
-          <a:lstStyle/>
-          <a:p>
-            <a:r>
-              <a:rPr lang="en-US" dirty="0"/>
-              <a:t>Amplitude</a:t>
-            </a:r>
-          </a:p>
-        </p:txBody>
-      </p:sp>
-      <p:sp>
-        <p:nvSpPr>
-          <p:cNvPr id="18" name="TextBox 17"/>
-          <p:cNvSpPr txBox="1"/>
-          <p:nvPr/>
-        </p:nvSpPr>
-        <p:spPr>
-          <a:xfrm>
-            <a:off x="3733801" y="1600201"/>
-            <a:ext cx="1720343" cy="307777"/>
-          </a:xfrm>
-          <a:prstGeom prst="rect">
-            <a:avLst/>
-          </a:prstGeom>
-          <a:noFill/>
-        </p:spPr>
-        <p:txBody>
-          <a:bodyPr wrap="none" rtlCol="0">
-            <a:spAutoFit/>
-          </a:bodyPr>
-          <a:lstStyle/>
-          <a:p>
-            <a:r>
-              <a:rPr lang="en-US" sz="1400" dirty="0"/>
-              <a:t>1/period=frequency</a:t>
-            </a:r>
-          </a:p>
-        </p:txBody>
-      </p:sp>
-      <p:cxnSp>
-        <p:nvCxnSpPr>
-          <p:cNvPr id="19" name="Straight Arrow Connector 18"/>
-          <p:cNvCxnSpPr/>
-          <p:nvPr/>
-        </p:nvCxnSpPr>
-        <p:spPr>
-          <a:xfrm flipH="1">
-            <a:off x="3619500" y="4381505"/>
-            <a:ext cx="266700" cy="0"/>
-          </a:xfrm>
-          <a:prstGeom prst="straightConnector1">
-            <a:avLst/>
-          </a:prstGeom>
-          <a:ln w="28575">
-            <a:headEnd type="oval"/>
-            <a:tailEnd type="oval"/>
-          </a:ln>
-        </p:spPr>
-        <p:style>
-          <a:lnRef idx="1">
-            <a:schemeClr val="accent1"/>
-          </a:lnRef>
-          <a:fillRef idx="0">
-            <a:schemeClr val="accent1"/>
-          </a:fillRef>
-          <a:effectRef idx="0">
-            <a:schemeClr val="accent1"/>
-          </a:effectRef>
-          <a:fontRef idx="minor">
-            <a:schemeClr val="tx1"/>
-          </a:fontRef>
-        </p:style>
-      </p:cxnSp>
-      <p:sp>
-        <p:nvSpPr>
-          <p:cNvPr id="21" name="TextBox 20"/>
-          <p:cNvSpPr txBox="1"/>
-          <p:nvPr/>
-        </p:nvSpPr>
-        <p:spPr>
-          <a:xfrm>
-            <a:off x="3048000" y="4012173"/>
-            <a:ext cx="1326004" cy="369332"/>
-          </a:xfrm>
-          <a:prstGeom prst="rect">
-            <a:avLst/>
-          </a:prstGeom>
-          <a:noFill/>
-        </p:spPr>
-        <p:txBody>
-          <a:bodyPr wrap="none" rtlCol="0">
-            <a:spAutoFit/>
-          </a:bodyPr>
-          <a:lstStyle/>
-          <a:p>
-            <a:r>
-              <a:rPr lang="en-US" dirty="0"/>
-              <a:t>Phase shift</a:t>
-            </a:r>
-          </a:p>
-        </p:txBody>
-      </p:sp>
-      <p:cxnSp>
-        <p:nvCxnSpPr>
-          <p:cNvPr id="23" name="Straight Connector 22"/>
-          <p:cNvCxnSpPr/>
-          <p:nvPr/>
-        </p:nvCxnSpPr>
-        <p:spPr>
-          <a:xfrm>
-            <a:off x="2613660" y="3886200"/>
-            <a:ext cx="6225540" cy="0"/>
-          </a:xfrm>
-          <a:prstGeom prst="line">
-            <a:avLst/>
-          </a:prstGeom>
-          <a:ln w="12700">
-            <a:solidFill>
-              <a:schemeClr val="bg1">
-                <a:lumMod val="65000"/>
-              </a:schemeClr>
-            </a:solidFill>
-          </a:ln>
-        </p:spPr>
-        <p:style>
-          <a:lnRef idx="1">
-            <a:schemeClr val="accent1"/>
-          </a:lnRef>
-          <a:fillRef idx="0">
-            <a:schemeClr val="accent1"/>
-          </a:fillRef>
-          <a:effectRef idx="0">
-            <a:schemeClr val="accent1"/>
-          </a:effectRef>
-          <a:fontRef idx="minor">
-            <a:schemeClr val="tx1"/>
-          </a:fontRef>
-        </p:style>
-      </p:cxnSp>
-      <p:cxnSp>
-        <p:nvCxnSpPr>
-          <p:cNvPr id="24" name="Straight Connector 23"/>
-          <p:cNvCxnSpPr/>
-          <p:nvPr/>
-        </p:nvCxnSpPr>
-        <p:spPr>
-          <a:xfrm>
-            <a:off x="2613660" y="6553200"/>
-            <a:ext cx="6225540" cy="0"/>
-          </a:xfrm>
-          <a:prstGeom prst="line">
-            <a:avLst/>
-          </a:prstGeom>
-          <a:ln w="12700">
-            <a:solidFill>
-              <a:schemeClr val="bg1">
-                <a:lumMod val="65000"/>
-              </a:schemeClr>
-            </a:solidFill>
-          </a:ln>
-        </p:spPr>
-        <p:style>
-          <a:lnRef idx="1">
-            <a:schemeClr val="accent1"/>
-          </a:lnRef>
-          <a:fillRef idx="0">
-            <a:schemeClr val="accent1"/>
-          </a:fillRef>
-          <a:effectRef idx="0">
-            <a:schemeClr val="accent1"/>
-          </a:effectRef>
-          <a:fontRef idx="minor">
-            <a:schemeClr val="tx1"/>
-          </a:fontRef>
-        </p:style>
-      </p:cxnSp>
-      <p:sp>
-        <p:nvSpPr>
-          <p:cNvPr id="25" name="TextBox 24"/>
-          <p:cNvSpPr txBox="1"/>
-          <p:nvPr/>
-        </p:nvSpPr>
-        <p:spPr>
-          <a:xfrm>
-            <a:off x="5140266" y="6537960"/>
-            <a:ext cx="689035" cy="369332"/>
-          </a:xfrm>
-          <a:prstGeom prst="rect">
-            <a:avLst/>
-          </a:prstGeom>
-          <a:noFill/>
-        </p:spPr>
-        <p:txBody>
-          <a:bodyPr wrap="none" rtlCol="0">
-            <a:spAutoFit/>
-          </a:bodyPr>
-          <a:lstStyle/>
-          <a:p>
-            <a:r>
-              <a:rPr lang="en-US" dirty="0"/>
-              <a:t>Time</a:t>
-            </a:r>
-          </a:p>
-        </p:txBody>
-      </p:sp>
-    </p:spTree>
-    <p:extLst>
-      <p:ext uri="{BB962C8B-B14F-4D97-AF65-F5344CB8AC3E}">
-        <p14:creationId xmlns:p14="http://schemas.microsoft.com/office/powerpoint/2010/main" val="2780162292"/>
-      </p:ext>
-    </p:extLst>
-  </p:cSld>
-  <p:clrMapOvr>
-    <a:masterClrMapping/>
-  </p:clrMapOvr>
-</p:sld>
-</file>
-
-<file path=ppt/slides/slide9.xml><?xml version="1.0" encoding="utf-8"?>
-<p:sld xmlns:a="http://schemas.openxmlformats.org/drawingml/2006/main" xmlns:r="http://schemas.openxmlformats.org/officeDocument/2006/relationships" xmlns:p="http://schemas.openxmlformats.org/presentationml/2006/main">
-  <p:cSld>
-    <p:spTree>
-      <p:nvGrpSpPr>
-        <p:cNvPr id="1" name=""/>
-        <p:cNvGrpSpPr/>
-        <p:nvPr/>
-      </p:nvGrpSpPr>
-      <p:grpSpPr>
-        <a:xfrm>
-          <a:off x="0" y="0"/>
-          <a:ext cx="0" cy="0"/>
-          <a:chOff x="0" y="0"/>
-          <a:chExt cx="0" cy="0"/>
-        </a:xfrm>
-      </p:grpSpPr>
-      <p:sp>
-        <p:nvSpPr>
-          <p:cNvPr id="2" name="Title 1"/>
-          <p:cNvSpPr>
-            <a:spLocks noGrp="1"/>
-          </p:cNvSpPr>
-          <p:nvPr>
-            <p:ph type="title"/>
-          </p:nvPr>
-        </p:nvSpPr>
-        <p:spPr>
-          <a:xfrm>
-            <a:off x="1981200" y="392668"/>
-            <a:ext cx="8229600" cy="1143000"/>
-          </a:xfrm>
-        </p:spPr>
-        <p:txBody>
-          <a:bodyPr/>
-          <a:lstStyle/>
-          <a:p>
-            <a:r>
-              <a:rPr lang="en-US" dirty="0"/>
-              <a:t>Harmonics</a:t>
-            </a:r>
-          </a:p>
-        </p:txBody>
-      </p:sp>
-      <p:sp>
-        <p:nvSpPr>
-          <p:cNvPr id="3" name="Content Placeholder 2"/>
-          <p:cNvSpPr>
-            <a:spLocks noGrp="1"/>
-          </p:cNvSpPr>
-          <p:nvPr>
-            <p:ph idx="1"/>
-          </p:nvPr>
-        </p:nvSpPr>
-        <p:spPr>
-          <a:xfrm>
-            <a:off x="4343400" y="4267201"/>
-            <a:ext cx="8229600" cy="4525963"/>
-          </a:xfrm>
-        </p:spPr>
-        <p:txBody>
-          <a:bodyPr/>
-          <a:lstStyle/>
-          <a:p>
-            <a:pPr marL="0" indent="0">
-              <a:buNone/>
-            </a:pPr>
-            <a:r>
-              <a:rPr lang="pt-BR" dirty="0"/>
-              <a:t>x</a:t>
-            </a:r>
-            <a:r>
-              <a:rPr lang="pt-BR" baseline="-25000" dirty="0"/>
-              <a:t>t</a:t>
-            </a:r>
-            <a:r>
-              <a:rPr lang="pt-BR" dirty="0"/>
-              <a:t> = A cos(2</a:t>
-            </a:r>
-            <a:r>
-              <a:rPr lang="el-GR" dirty="0"/>
-              <a:t>πω</a:t>
-            </a:r>
-            <a:r>
-              <a:rPr lang="pt-BR" dirty="0"/>
-              <a:t>t + </a:t>
-            </a:r>
-            <a:r>
-              <a:rPr lang="el-GR" dirty="0"/>
-              <a:t>φ</a:t>
-            </a:r>
-            <a:r>
-              <a:rPr lang="pt-BR" dirty="0"/>
-              <a:t>) + </a:t>
-            </a:r>
-            <a:r>
-              <a:rPr lang="el-GR" dirty="0"/>
-              <a:t>ε</a:t>
-            </a:r>
-            <a:r>
-              <a:rPr lang="pt-BR" sz="2000" dirty="0"/>
-              <a:t>t</a:t>
-            </a:r>
-          </a:p>
-          <a:p>
-            <a:pPr lvl="1"/>
-            <a:r>
-              <a:rPr lang="pt-BR" dirty="0"/>
-              <a:t>A=amplitude</a:t>
-            </a:r>
-          </a:p>
-          <a:p>
-            <a:pPr lvl="1"/>
-            <a:r>
-              <a:rPr lang="el-GR" dirty="0"/>
-              <a:t>ω</a:t>
-            </a:r>
-            <a:r>
-              <a:rPr lang="en-US" dirty="0"/>
-              <a:t>=frequency</a:t>
-            </a:r>
-          </a:p>
-          <a:p>
-            <a:pPr lvl="1"/>
-            <a:r>
-              <a:rPr lang="el-GR" dirty="0"/>
-              <a:t>Φ</a:t>
-            </a:r>
-            <a:r>
-              <a:rPr lang="en-US" dirty="0"/>
-              <a:t>=phase</a:t>
-            </a:r>
-          </a:p>
-          <a:p>
-            <a:pPr lvl="1"/>
-            <a:r>
-              <a:rPr lang="el-GR" dirty="0"/>
-              <a:t>Ε</a:t>
-            </a:r>
-            <a:r>
-              <a:rPr lang="pt-BR" sz="1800" dirty="0"/>
-              <a:t>t</a:t>
-            </a:r>
-            <a:r>
-              <a:rPr lang="pt-BR" dirty="0"/>
-              <a:t>=error</a:t>
-            </a:r>
-          </a:p>
-          <a:p>
-            <a:pPr lvl="1"/>
-            <a:endParaRPr lang="en-US" dirty="0"/>
-          </a:p>
-        </p:txBody>
-      </p:sp>
-      <p:sp>
-        <p:nvSpPr>
-          <p:cNvPr id="4" name="Freeform 3"/>
-          <p:cNvSpPr/>
-          <p:nvPr/>
-        </p:nvSpPr>
-        <p:spPr>
-          <a:xfrm>
-            <a:off x="2743200" y="1981201"/>
-            <a:ext cx="5935980" cy="2042169"/>
-          </a:xfrm>
-          <a:custGeom>
-            <a:avLst/>
-            <a:gdLst>
-              <a:gd name="connsiteX0" fmla="*/ 0 w 5935980"/>
-              <a:gd name="connsiteY0" fmla="*/ 2042169 h 2042169"/>
-              <a:gd name="connsiteX1" fmla="*/ 845820 w 5935980"/>
-              <a:gd name="connsiteY1" fmla="*/ 9 h 2042169"/>
-              <a:gd name="connsiteX2" fmla="*/ 1889760 w 5935980"/>
-              <a:gd name="connsiteY2" fmla="*/ 2011689 h 2042169"/>
-              <a:gd name="connsiteX3" fmla="*/ 3048000 w 5935980"/>
-              <a:gd name="connsiteY3" fmla="*/ 22869 h 2042169"/>
-              <a:gd name="connsiteX4" fmla="*/ 4030980 w 5935980"/>
-              <a:gd name="connsiteY4" fmla="*/ 1920249 h 2042169"/>
-              <a:gd name="connsiteX5" fmla="*/ 5097780 w 5935980"/>
-              <a:gd name="connsiteY5" fmla="*/ 114309 h 2042169"/>
-              <a:gd name="connsiteX6" fmla="*/ 5935980 w 5935980"/>
-              <a:gd name="connsiteY6" fmla="*/ 1927869 h 2042169"/>
-            </a:gdLst>
-            <a:ahLst/>
-            <a:cxnLst>
-              <a:cxn ang="0">
-                <a:pos x="connsiteX0" y="connsiteY0"/>
-              </a:cxn>
-              <a:cxn ang="0">
-                <a:pos x="connsiteX1" y="connsiteY1"/>
-              </a:cxn>
-              <a:cxn ang="0">
-                <a:pos x="connsiteX2" y="connsiteY2"/>
-              </a:cxn>
-              <a:cxn ang="0">
-                <a:pos x="connsiteX3" y="connsiteY3"/>
-              </a:cxn>
-              <a:cxn ang="0">
-                <a:pos x="connsiteX4" y="connsiteY4"/>
-              </a:cxn>
-              <a:cxn ang="0">
-                <a:pos x="connsiteX5" y="connsiteY5"/>
-              </a:cxn>
-              <a:cxn ang="0">
-                <a:pos x="connsiteX6" y="connsiteY6"/>
-              </a:cxn>
-            </a:cxnLst>
-            <a:rect l="l" t="t" r="r" b="b"/>
-            <a:pathLst>
-              <a:path w="5935980" h="2042169">
-                <a:moveTo>
-                  <a:pt x="0" y="2042169"/>
-                </a:moveTo>
-                <a:cubicBezTo>
-                  <a:pt x="265430" y="1023629"/>
-                  <a:pt x="530860" y="5089"/>
-                  <a:pt x="845820" y="9"/>
-                </a:cubicBezTo>
-                <a:cubicBezTo>
-                  <a:pt x="1160780" y="-5071"/>
-                  <a:pt x="1522730" y="2007879"/>
-                  <a:pt x="1889760" y="2011689"/>
-                </a:cubicBezTo>
-                <a:cubicBezTo>
-                  <a:pt x="2256790" y="2015499"/>
-                  <a:pt x="2691130" y="38109"/>
-                  <a:pt x="3048000" y="22869"/>
-                </a:cubicBezTo>
-                <a:cubicBezTo>
-                  <a:pt x="3404870" y="7629"/>
-                  <a:pt x="3689350" y="1905009"/>
-                  <a:pt x="4030980" y="1920249"/>
-                </a:cubicBezTo>
-                <a:cubicBezTo>
-                  <a:pt x="4372610" y="1935489"/>
-                  <a:pt x="4780280" y="113039"/>
-                  <a:pt x="5097780" y="114309"/>
-                </a:cubicBezTo>
-                <a:cubicBezTo>
-                  <a:pt x="5415280" y="115579"/>
-                  <a:pt x="5675630" y="1021724"/>
-                  <a:pt x="5935980" y="1927869"/>
-                </a:cubicBezTo>
-              </a:path>
-            </a:pathLst>
-          </a:custGeom>
-          <a:noFill/>
-        </p:spPr>
-        <p:style>
-          <a:lnRef idx="2">
-            <a:schemeClr val="accent1">
-              <a:shade val="50000"/>
-            </a:schemeClr>
-          </a:lnRef>
-          <a:fillRef idx="1">
-            <a:schemeClr val="accent1"/>
-          </a:fillRef>
-          <a:effectRef idx="0">
-            <a:schemeClr val="accent1"/>
-          </a:effectRef>
-          <a:fontRef idx="minor">
-            <a:schemeClr val="lt1"/>
-          </a:fontRef>
-        </p:style>
-        <p:txBody>
-          <a:bodyPr rtlCol="0" anchor="ctr"/>
-          <a:lstStyle/>
-          <a:p>
-            <a:pPr algn="ctr"/>
-            <a:endParaRPr lang="en-US"/>
-          </a:p>
-        </p:txBody>
-      </p:sp>
-      <p:cxnSp>
-        <p:nvCxnSpPr>
-          <p:cNvPr id="5" name="Straight Arrow Connector 4"/>
-          <p:cNvCxnSpPr/>
-          <p:nvPr/>
-        </p:nvCxnSpPr>
-        <p:spPr>
-          <a:xfrm>
-            <a:off x="3482340" y="1905000"/>
-            <a:ext cx="2286000" cy="0"/>
-          </a:xfrm>
-          <a:prstGeom prst="straightConnector1">
-            <a:avLst/>
-          </a:prstGeom>
-          <a:ln w="28575">
-            <a:headEnd type="oval"/>
-            <a:tailEnd type="oval"/>
-          </a:ln>
-        </p:spPr>
-        <p:style>
-          <a:lnRef idx="1">
-            <a:schemeClr val="accent1"/>
-          </a:lnRef>
-          <a:fillRef idx="0">
-            <a:schemeClr val="accent1"/>
-          </a:fillRef>
-          <a:effectRef idx="0">
-            <a:schemeClr val="accent1"/>
-          </a:effectRef>
-          <a:fontRef idx="minor">
-            <a:schemeClr val="tx1"/>
-          </a:fontRef>
-        </p:style>
-      </p:cxnSp>
-      <p:sp>
-        <p:nvSpPr>
-          <p:cNvPr id="6" name="TextBox 5"/>
-          <p:cNvSpPr txBox="1"/>
-          <p:nvPr/>
-        </p:nvSpPr>
-        <p:spPr>
-          <a:xfrm>
-            <a:off x="4199582" y="1535668"/>
-            <a:ext cx="1441420" cy="369332"/>
-          </a:xfrm>
-          <a:prstGeom prst="rect">
-            <a:avLst/>
-          </a:prstGeom>
-          <a:noFill/>
-        </p:spPr>
-        <p:txBody>
-          <a:bodyPr wrap="none" rtlCol="0">
-            <a:spAutoFit/>
-          </a:bodyPr>
-          <a:lstStyle/>
-          <a:p>
-            <a:r>
-              <a:rPr lang="en-US" dirty="0"/>
-              <a:t>Period (1/</a:t>
-            </a:r>
-            <a:r>
-              <a:rPr lang="el-GR" dirty="0"/>
-              <a:t>ω</a:t>
-            </a:r>
-            <a:r>
-              <a:rPr lang="en-US" dirty="0"/>
-              <a:t>)</a:t>
-            </a:r>
-          </a:p>
-        </p:txBody>
-      </p:sp>
-      <p:cxnSp>
-        <p:nvCxnSpPr>
-          <p:cNvPr id="7" name="Straight Arrow Connector 6"/>
-          <p:cNvCxnSpPr/>
-          <p:nvPr/>
-        </p:nvCxnSpPr>
-        <p:spPr>
-          <a:xfrm flipV="1">
-            <a:off x="8679180" y="2057400"/>
-            <a:ext cx="7620" cy="838200"/>
-          </a:xfrm>
-          <a:prstGeom prst="straightConnector1">
-            <a:avLst/>
-          </a:prstGeom>
-          <a:ln w="28575">
-            <a:headEnd type="oval"/>
-            <a:tailEnd type="oval"/>
-          </a:ln>
-        </p:spPr>
-        <p:style>
-          <a:lnRef idx="1">
-            <a:schemeClr val="accent1"/>
-          </a:lnRef>
-          <a:fillRef idx="0">
-            <a:schemeClr val="accent1"/>
-          </a:fillRef>
-          <a:effectRef idx="0">
-            <a:schemeClr val="accent1"/>
-          </a:effectRef>
-          <a:fontRef idx="minor">
-            <a:schemeClr val="tx1"/>
-          </a:fontRef>
-        </p:style>
-      </p:cxnSp>
-      <p:sp>
-        <p:nvSpPr>
-          <p:cNvPr id="8" name="TextBox 7"/>
-          <p:cNvSpPr txBox="1"/>
-          <p:nvPr/>
-        </p:nvSpPr>
-        <p:spPr>
-          <a:xfrm>
-            <a:off x="8884920" y="2350532"/>
-            <a:ext cx="1582484" cy="369332"/>
-          </a:xfrm>
-          <a:prstGeom prst="rect">
-            <a:avLst/>
-          </a:prstGeom>
-          <a:noFill/>
-        </p:spPr>
-        <p:txBody>
-          <a:bodyPr wrap="none" rtlCol="0">
-            <a:spAutoFit/>
-          </a:bodyPr>
-          <a:lstStyle/>
-          <a:p>
-            <a:r>
-              <a:rPr lang="en-US" dirty="0"/>
-              <a:t>Amplitude (A)</a:t>
-            </a:r>
-          </a:p>
-        </p:txBody>
-      </p:sp>
-      <p:sp>
-        <p:nvSpPr>
-          <p:cNvPr id="9" name="TextBox 8"/>
-          <p:cNvSpPr txBox="1"/>
-          <p:nvPr/>
-        </p:nvSpPr>
-        <p:spPr>
-          <a:xfrm>
-            <a:off x="3886996" y="1905001"/>
-            <a:ext cx="1754006" cy="276999"/>
-          </a:xfrm>
-          <a:prstGeom prst="rect">
-            <a:avLst/>
-          </a:prstGeom>
-          <a:noFill/>
-        </p:spPr>
-        <p:txBody>
-          <a:bodyPr wrap="none" rtlCol="0">
-            <a:spAutoFit/>
-          </a:bodyPr>
-          <a:lstStyle/>
-          <a:p>
-            <a:r>
-              <a:rPr lang="en-US" sz="1200" dirty="0"/>
-              <a:t>1/period=frequency=</a:t>
-            </a:r>
-            <a:r>
-              <a:rPr lang="el-GR" sz="1200" dirty="0"/>
-              <a:t> ω</a:t>
-            </a:r>
-            <a:endParaRPr lang="en-US" sz="1200" dirty="0"/>
-          </a:p>
-        </p:txBody>
-      </p:sp>
-      <p:cxnSp>
-        <p:nvCxnSpPr>
-          <p:cNvPr id="10" name="Straight Connector 9"/>
-          <p:cNvCxnSpPr/>
-          <p:nvPr/>
-        </p:nvCxnSpPr>
-        <p:spPr>
-          <a:xfrm>
-            <a:off x="2743200" y="4191000"/>
-            <a:ext cx="6225540" cy="0"/>
-          </a:xfrm>
-          <a:prstGeom prst="line">
-            <a:avLst/>
-          </a:prstGeom>
-          <a:ln w="12700">
-            <a:solidFill>
-              <a:schemeClr val="bg1">
-                <a:lumMod val="65000"/>
-              </a:schemeClr>
-            </a:solidFill>
-          </a:ln>
-        </p:spPr>
-        <p:style>
-          <a:lnRef idx="1">
-            <a:schemeClr val="accent1"/>
-          </a:lnRef>
-          <a:fillRef idx="0">
-            <a:schemeClr val="accent1"/>
-          </a:fillRef>
-          <a:effectRef idx="0">
-            <a:schemeClr val="accent1"/>
-          </a:effectRef>
-          <a:fontRef idx="minor">
-            <a:schemeClr val="tx1"/>
-          </a:fontRef>
-        </p:style>
-      </p:cxnSp>
-      <p:sp>
-        <p:nvSpPr>
-          <p:cNvPr id="11" name="Freeform 10"/>
-          <p:cNvSpPr/>
-          <p:nvPr/>
-        </p:nvSpPr>
-        <p:spPr>
-          <a:xfrm>
-            <a:off x="2933700" y="1981201"/>
-            <a:ext cx="5935980" cy="2042169"/>
-          </a:xfrm>
-          <a:custGeom>
-            <a:avLst/>
-            <a:gdLst>
-              <a:gd name="connsiteX0" fmla="*/ 0 w 5935980"/>
-              <a:gd name="connsiteY0" fmla="*/ 2042169 h 2042169"/>
-              <a:gd name="connsiteX1" fmla="*/ 845820 w 5935980"/>
-              <a:gd name="connsiteY1" fmla="*/ 9 h 2042169"/>
-              <a:gd name="connsiteX2" fmla="*/ 1889760 w 5935980"/>
-              <a:gd name="connsiteY2" fmla="*/ 2011689 h 2042169"/>
-              <a:gd name="connsiteX3" fmla="*/ 3048000 w 5935980"/>
-              <a:gd name="connsiteY3" fmla="*/ 22869 h 2042169"/>
-              <a:gd name="connsiteX4" fmla="*/ 4030980 w 5935980"/>
-              <a:gd name="connsiteY4" fmla="*/ 1920249 h 2042169"/>
-              <a:gd name="connsiteX5" fmla="*/ 5097780 w 5935980"/>
-              <a:gd name="connsiteY5" fmla="*/ 114309 h 2042169"/>
-              <a:gd name="connsiteX6" fmla="*/ 5935980 w 5935980"/>
-              <a:gd name="connsiteY6" fmla="*/ 1927869 h 2042169"/>
-            </a:gdLst>
-            <a:ahLst/>
-            <a:cxnLst>
-              <a:cxn ang="0">
-                <a:pos x="connsiteX0" y="connsiteY0"/>
-              </a:cxn>
-              <a:cxn ang="0">
-                <a:pos x="connsiteX1" y="connsiteY1"/>
-              </a:cxn>
-              <a:cxn ang="0">
-                <a:pos x="connsiteX2" y="connsiteY2"/>
-              </a:cxn>
-              <a:cxn ang="0">
-                <a:pos x="connsiteX3" y="connsiteY3"/>
-              </a:cxn>
-              <a:cxn ang="0">
-                <a:pos x="connsiteX4" y="connsiteY4"/>
-              </a:cxn>
-              <a:cxn ang="0">
-                <a:pos x="connsiteX5" y="connsiteY5"/>
-              </a:cxn>
-              <a:cxn ang="0">
-                <a:pos x="connsiteX6" y="connsiteY6"/>
-              </a:cxn>
-            </a:cxnLst>
-            <a:rect l="l" t="t" r="r" b="b"/>
-            <a:pathLst>
-              <a:path w="5935980" h="2042169">
-                <a:moveTo>
-                  <a:pt x="0" y="2042169"/>
-                </a:moveTo>
-                <a:cubicBezTo>
-                  <a:pt x="265430" y="1023629"/>
-                  <a:pt x="530860" y="5089"/>
-                  <a:pt x="845820" y="9"/>
-                </a:cubicBezTo>
-                <a:cubicBezTo>
-                  <a:pt x="1160780" y="-5071"/>
-                  <a:pt x="1522730" y="2007879"/>
-                  <a:pt x="1889760" y="2011689"/>
-                </a:cubicBezTo>
-                <a:cubicBezTo>
-                  <a:pt x="2256790" y="2015499"/>
-                  <a:pt x="2691130" y="38109"/>
-                  <a:pt x="3048000" y="22869"/>
-                </a:cubicBezTo>
-                <a:cubicBezTo>
-                  <a:pt x="3404870" y="7629"/>
-                  <a:pt x="3689350" y="1905009"/>
-                  <a:pt x="4030980" y="1920249"/>
-                </a:cubicBezTo>
-                <a:cubicBezTo>
-                  <a:pt x="4372610" y="1935489"/>
-                  <a:pt x="4780280" y="113039"/>
-                  <a:pt x="5097780" y="114309"/>
-                </a:cubicBezTo>
-                <a:cubicBezTo>
-                  <a:pt x="5415280" y="115579"/>
-                  <a:pt x="5675630" y="1021724"/>
-                  <a:pt x="5935980" y="1927869"/>
-                </a:cubicBezTo>
-              </a:path>
-            </a:pathLst>
-          </a:custGeom>
-          <a:noFill/>
-          <a:ln>
-            <a:solidFill>
-              <a:schemeClr val="accent2"/>
-            </a:solidFill>
-          </a:ln>
-        </p:spPr>
-        <p:style>
-          <a:lnRef idx="2">
-            <a:schemeClr val="accent1">
-              <a:shade val="50000"/>
-            </a:schemeClr>
-          </a:lnRef>
-          <a:fillRef idx="1">
-            <a:schemeClr val="accent1"/>
-          </a:fillRef>
-          <a:effectRef idx="0">
-            <a:schemeClr val="accent1"/>
-          </a:effectRef>
-          <a:fontRef idx="minor">
-            <a:schemeClr val="lt1"/>
-          </a:fontRef>
-        </p:style>
-        <p:txBody>
-          <a:bodyPr rtlCol="0" anchor="ctr"/>
-          <a:lstStyle/>
-          <a:p>
-            <a:pPr algn="ctr"/>
-            <a:endParaRPr lang="en-US"/>
-          </a:p>
-        </p:txBody>
-      </p:sp>
-      <p:cxnSp>
-        <p:nvCxnSpPr>
-          <p:cNvPr id="12" name="Straight Arrow Connector 11"/>
-          <p:cNvCxnSpPr/>
-          <p:nvPr/>
-        </p:nvCxnSpPr>
-        <p:spPr>
-          <a:xfrm>
-            <a:off x="7730490" y="1905000"/>
-            <a:ext cx="434340" cy="0"/>
-          </a:xfrm>
-          <a:prstGeom prst="straightConnector1">
-            <a:avLst/>
-          </a:prstGeom>
-          <a:ln w="28575">
-            <a:headEnd type="oval"/>
-            <a:tailEnd type="oval"/>
-          </a:ln>
-        </p:spPr>
-        <p:style>
-          <a:lnRef idx="1">
-            <a:schemeClr val="accent1"/>
-          </a:lnRef>
-          <a:fillRef idx="0">
-            <a:schemeClr val="accent1"/>
-          </a:fillRef>
-          <a:effectRef idx="0">
-            <a:schemeClr val="accent1"/>
-          </a:effectRef>
-          <a:fontRef idx="minor">
-            <a:schemeClr val="tx1"/>
-          </a:fontRef>
-        </p:style>
-      </p:cxnSp>
-      <p:sp>
-        <p:nvSpPr>
-          <p:cNvPr id="14" name="Rectangle 13"/>
-          <p:cNvSpPr/>
-          <p:nvPr/>
-        </p:nvSpPr>
-        <p:spPr>
-          <a:xfrm>
-            <a:off x="7763154" y="1535668"/>
-            <a:ext cx="369012" cy="369332"/>
-          </a:xfrm>
-          <a:prstGeom prst="rect">
-            <a:avLst/>
-          </a:prstGeom>
-        </p:spPr>
-        <p:txBody>
-          <a:bodyPr wrap="none">
-            <a:spAutoFit/>
-          </a:bodyPr>
-          <a:lstStyle/>
-          <a:p>
-            <a:r>
-              <a:rPr lang="el-GR" dirty="0"/>
-              <a:t>Φ</a:t>
-            </a:r>
-            <a:endParaRPr lang="en-US" dirty="0"/>
-          </a:p>
-        </p:txBody>
-      </p:sp>
-    </p:spTree>
-    <p:extLst>
-      <p:ext uri="{BB962C8B-B14F-4D97-AF65-F5344CB8AC3E}">
-        <p14:creationId xmlns:p14="http://schemas.microsoft.com/office/powerpoint/2010/main" val="2831190327"/>
-      </p:ext>
-    </p:extLst>
-  </p:cSld>
-  <p:clrMapOvr>
-    <a:masterClrMapping/>
-  </p:clrMapOvr>
 </p:sld>
 </file>
 
